--- a/lecture/lec15_lfs.pptx
+++ b/lecture/lec15_lfs.pptx
@@ -5,27 +5,33 @@
     <p:sldMasterId id="2147483682" r:id="rId1"/>
   </p:sldMasterIdLst>
   <p:notesMasterIdLst>
-    <p:notesMasterId r:id="rId20"/>
+    <p:notesMasterId r:id="rId26"/>
   </p:notesMasterIdLst>
   <p:sldIdLst>
     <p:sldId id="2990" r:id="rId2"/>
-    <p:sldId id="2983" r:id="rId3"/>
-    <p:sldId id="2693" r:id="rId4"/>
-    <p:sldId id="2694" r:id="rId5"/>
-    <p:sldId id="2537" r:id="rId6"/>
-    <p:sldId id="2985" r:id="rId7"/>
-    <p:sldId id="2538" r:id="rId8"/>
-    <p:sldId id="2695" r:id="rId9"/>
-    <p:sldId id="2986" r:id="rId10"/>
-    <p:sldId id="2696" r:id="rId11"/>
-    <p:sldId id="2699" r:id="rId12"/>
-    <p:sldId id="2987" r:id="rId13"/>
-    <p:sldId id="346" r:id="rId14"/>
-    <p:sldId id="2701" r:id="rId15"/>
-    <p:sldId id="2982" r:id="rId16"/>
-    <p:sldId id="2988" r:id="rId17"/>
-    <p:sldId id="2989" r:id="rId18"/>
-    <p:sldId id="2984" r:id="rId19"/>
+    <p:sldId id="2992" r:id="rId3"/>
+    <p:sldId id="2983" r:id="rId4"/>
+    <p:sldId id="2693" r:id="rId5"/>
+    <p:sldId id="2694" r:id="rId6"/>
+    <p:sldId id="2537" r:id="rId7"/>
+    <p:sldId id="2985" r:id="rId8"/>
+    <p:sldId id="2993" r:id="rId9"/>
+    <p:sldId id="2538" r:id="rId10"/>
+    <p:sldId id="2695" r:id="rId11"/>
+    <p:sldId id="2986" r:id="rId12"/>
+    <p:sldId id="2995" r:id="rId13"/>
+    <p:sldId id="2696" r:id="rId14"/>
+    <p:sldId id="2991" r:id="rId15"/>
+    <p:sldId id="2996" r:id="rId16"/>
+    <p:sldId id="2699" r:id="rId17"/>
+    <p:sldId id="2987" r:id="rId18"/>
+    <p:sldId id="346" r:id="rId19"/>
+    <p:sldId id="2701" r:id="rId20"/>
+    <p:sldId id="2982" r:id="rId21"/>
+    <p:sldId id="2997" r:id="rId22"/>
+    <p:sldId id="2988" r:id="rId23"/>
+    <p:sldId id="2989" r:id="rId24"/>
+    <p:sldId id="2984" r:id="rId25"/>
   </p:sldIdLst>
   <p:sldSz cx="9144000" cy="6858000" type="screen4x3"/>
   <p:notesSz cx="6797675" cy="9928225"/>
@@ -255,7 +261,7 @@
           <a:p>
             <a:fld id="{050F0499-AE52-4672-879B-3107B2FC2A9F}" type="datetimeFigureOut">
               <a:rPr lang="ko-KR" altLang="en-US" smtClean="0"/>
-              <a:t>2023. 3. 29.</a:t>
+              <a:t>2023. 3. 30.</a:t>
             </a:fld>
             <a:endParaRPr lang="ko-KR" altLang="en-US"/>
           </a:p>
@@ -536,7 +542,7 @@
           <a:p>
             <a:fld id="{E9CED1A8-8C93-4BD0-9402-1D92621696DA}" type="slidenum">
               <a:rPr lang="ko-KR" altLang="en-US" smtClean="0"/>
-              <a:t>2</a:t>
+              <a:t>3</a:t>
             </a:fld>
             <a:endParaRPr lang="ko-KR" altLang="en-US"/>
           </a:p>
@@ -628,7 +634,7 @@
             <a:fld id="{8E76EF19-E555-4579-8FD1-B5F1BFEBE801}" type="slidenum">
               <a:rPr lang="en-US" altLang="ko-KR" smtClean="0"/>
               <a:pPr/>
-              <a:t>13</a:t>
+              <a:t>18</a:t>
             </a:fld>
             <a:endParaRPr lang="en-US" altLang="ko-KR"/>
           </a:p>
@@ -720,7 +726,7 @@
           <a:p>
             <a:fld id="{E9CED1A8-8C93-4BD0-9402-1D92621696DA}" type="slidenum">
               <a:rPr lang="ko-KR" altLang="en-US" smtClean="0"/>
-              <a:t>18</a:t>
+              <a:t>24</a:t>
             </a:fld>
             <a:endParaRPr lang="ko-KR" altLang="en-US"/>
           </a:p>
@@ -2682,7 +2688,7 @@
                 <a:ea typeface="굴림"/>
                 <a:cs typeface="Arial" panose="020B0604020202020204" pitchFamily="34" charset="0"/>
               </a:rPr>
-              <a:t>14</a:t>
+              <a:t>15</a:t>
             </a:r>
             <a:r>
               <a:rPr kumimoji="0" lang="en-US" sz="3600" b="0" i="0" u="none" strike="noStrike" kern="1200" cap="none" spc="0" normalizeH="0" baseline="0" noProof="0" dirty="0">
@@ -2954,7 +2960,15 @@
           <a:p>
             <a:r>
               <a:rPr lang="en-US" altLang="ko-KR" dirty="0"/>
-              <a:t>What About Directories?</a:t>
+              <a:t>Issue #2: How to Find </a:t>
+            </a:r>
+            <a:r>
+              <a:rPr lang="en-US" altLang="ko-KR" dirty="0" err="1"/>
+              <a:t>Inodes</a:t>
+            </a:r>
+            <a:r>
+              <a:rPr lang="en-US" altLang="ko-KR" dirty="0"/>
+              <a:t>?</a:t>
             </a:r>
             <a:endParaRPr lang="ko-KR" altLang="en-US" dirty="0"/>
           </a:p>
@@ -2972,8 +2986,8 @@
         </p:nvSpPr>
         <p:spPr>
           <a:xfrm>
-            <a:off x="223888" y="714177"/>
-            <a:ext cx="8786812" cy="4947071"/>
+            <a:off x="214313" y="880070"/>
+            <a:ext cx="8786812" cy="3092521"/>
           </a:xfrm>
         </p:spPr>
         <p:txBody>
@@ -2981,8 +2995,63 @@
           <a:lstStyle/>
           <a:p>
             <a:r>
+              <a:rPr lang="en-US" altLang="ko-KR" sz="1800" dirty="0"/>
+              <a:t>How to find the </a:t>
+            </a:r>
+            <a:r>
+              <a:rPr lang="en-US" altLang="ko-KR" sz="1800" dirty="0" err="1"/>
+              <a:t>inode</a:t>
+            </a:r>
+            <a:r>
+              <a:rPr lang="en-US" altLang="ko-KR" sz="1800" dirty="0"/>
+              <a:t> map spread across the disk?</a:t>
+            </a:r>
+          </a:p>
+          <a:p>
+            <a:pPr lvl="1"/>
+            <a:r>
               <a:rPr lang="en-US" altLang="ko-KR" sz="1600" dirty="0"/>
-              <a:t>Directory: a set of &lt;</a:t>
+              <a:t>The LFS must have </a:t>
+            </a:r>
+            <a:r>
+              <a:rPr lang="en-US" altLang="zh-CN" sz="1600" dirty="0"/>
+              <a:t>a</a:t>
+            </a:r>
+            <a:r>
+              <a:rPr lang="zh-CN" altLang="en-US" sz="1600" dirty="0"/>
+              <a:t> </a:t>
+            </a:r>
+            <a:r>
+              <a:rPr lang="en-US" altLang="ko-KR" sz="1600" dirty="0"/>
+              <a:t>fixed location on disk to begin a file lookup.</a:t>
+            </a:r>
+          </a:p>
+          <a:p>
+            <a:r>
+              <a:rPr lang="en-US" altLang="ko-KR" sz="1800" b="1" dirty="0"/>
+              <a:t>Checkpoint Region </a:t>
+            </a:r>
+          </a:p>
+          <a:p>
+            <a:pPr lvl="1"/>
+            <a:r>
+              <a:rPr lang="en-US" altLang="zh-CN" sz="1600" dirty="0"/>
+              <a:t>A</a:t>
+            </a:r>
+            <a:r>
+              <a:rPr lang="zh-CN" altLang="en-US" sz="1600" dirty="0"/>
+              <a:t> </a:t>
+            </a:r>
+            <a:r>
+              <a:rPr lang="en-US" altLang="ko-KR" sz="1600" dirty="0"/>
+              <a:t>fixed location in the LFS partition.</a:t>
+            </a:r>
+          </a:p>
+          <a:p>
+            <a:pPr lvl="1"/>
+            <a:r>
+              <a:rPr lang="en-US" altLang="ko-KR" sz="1600" dirty="0"/>
+              <a:t>Contain the pointers to the latest of the </a:t>
             </a:r>
             <a:r>
               <a:rPr lang="en-US" altLang="ko-KR" sz="1600" dirty="0" err="1"/>
@@ -2990,106 +3059,199 @@
             </a:r>
             <a:r>
               <a:rPr lang="en-US" altLang="ko-KR" sz="1600" dirty="0"/>
-              <a:t>, filename&gt;</a:t>
-            </a:r>
-          </a:p>
-          <a:p>
-            <a:r>
-              <a:rPr lang="en-US" altLang="ko-KR" sz="1600" dirty="0"/>
-              <a:t>How does LFS store directory data?</a:t>
-            </a:r>
-          </a:p>
-          <a:p>
-            <a:r>
-              <a:rPr lang="en-US" altLang="ko-KR" sz="1600" dirty="0"/>
-              <a:t>Creating a file: </a:t>
-            </a:r>
-            <a:r>
-              <a:rPr lang="en-US" altLang="ko-KR" sz="1600" dirty="0">
-                <a:latin typeface="Courier New" panose="02070309020205020404" pitchFamily="49" charset="0"/>
-                <a:cs typeface="Courier New" panose="02070309020205020404" pitchFamily="49" charset="0"/>
-              </a:rPr>
-              <a:t>foo</a:t>
+              <a:t> map.</a:t>
+            </a:r>
+            <a:endParaRPr lang="ko-KR" altLang="en-US" sz="1600" dirty="0"/>
+          </a:p>
+          <a:p>
+            <a:r>
+              <a:rPr lang="en-US" altLang="zh-CN" sz="1800" dirty="0"/>
+              <a:t>Wait,</a:t>
+            </a:r>
+            <a:r>
+              <a:rPr lang="zh-CN" altLang="en-US" sz="1800" dirty="0"/>
+              <a:t> </a:t>
+            </a:r>
+            <a:r>
+              <a:rPr lang="en-US" altLang="zh-CN" sz="1800" dirty="0"/>
+              <a:t>then</a:t>
+            </a:r>
+            <a:r>
+              <a:rPr lang="zh-CN" altLang="en-US" sz="1800" dirty="0"/>
+              <a:t> </a:t>
+            </a:r>
+            <a:r>
+              <a:rPr lang="en-US" altLang="zh-CN" sz="1800" dirty="0"/>
+              <a:t>every</a:t>
+            </a:r>
+            <a:r>
+              <a:rPr lang="zh-CN" altLang="en-US" sz="1800" dirty="0"/>
+              <a:t> </a:t>
+            </a:r>
+            <a:r>
+              <a:rPr lang="en-US" altLang="zh-CN" sz="1800" dirty="0"/>
+              <a:t>update</a:t>
+            </a:r>
+            <a:r>
+              <a:rPr lang="zh-CN" altLang="en-US" sz="1800" dirty="0"/>
+              <a:t> </a:t>
+            </a:r>
+            <a:r>
+              <a:rPr lang="en-US" altLang="zh-CN" sz="1800" dirty="0"/>
+              <a:t>still</a:t>
+            </a:r>
+            <a:r>
+              <a:rPr lang="zh-CN" altLang="en-US" sz="1800" dirty="0"/>
+              <a:t> </a:t>
+            </a:r>
+            <a:r>
+              <a:rPr lang="en-US" altLang="zh-CN" sz="1800" dirty="0"/>
+              <a:t>needs</a:t>
+            </a:r>
+            <a:r>
+              <a:rPr lang="zh-CN" altLang="en-US" sz="1800" dirty="0"/>
+              <a:t> </a:t>
+            </a:r>
+            <a:r>
+              <a:rPr lang="en-US" altLang="zh-CN" sz="1800" dirty="0"/>
+              <a:t>to</a:t>
+            </a:r>
+            <a:r>
+              <a:rPr lang="zh-CN" altLang="en-US" sz="1800" dirty="0"/>
+              <a:t> </a:t>
+            </a:r>
+            <a:r>
+              <a:rPr lang="en-US" altLang="zh-CN" sz="1800" dirty="0"/>
+              <a:t>seek</a:t>
+            </a:r>
+            <a:r>
+              <a:rPr lang="zh-CN" altLang="en-US" sz="1800" dirty="0"/>
+              <a:t> </a:t>
+            </a:r>
+            <a:r>
+              <a:rPr lang="en-US" altLang="zh-CN" sz="1800" dirty="0"/>
+              <a:t>to</a:t>
+            </a:r>
+            <a:r>
+              <a:rPr lang="zh-CN" altLang="en-US" sz="1800" dirty="0"/>
+              <a:t> </a:t>
+            </a:r>
+            <a:r>
+              <a:rPr lang="en-US" altLang="zh-CN" sz="1800" dirty="0"/>
+              <a:t>this</a:t>
+            </a:r>
+            <a:r>
+              <a:rPr lang="zh-CN" altLang="en-US" sz="1800" dirty="0"/>
+              <a:t> </a:t>
+            </a:r>
+            <a:r>
+              <a:rPr lang="en-US" altLang="zh-CN" sz="1800" dirty="0"/>
+              <a:t>CR!</a:t>
             </a:r>
           </a:p>
           <a:p>
             <a:pPr lvl="1"/>
             <a:r>
-              <a:rPr lang="en-US" altLang="ko-KR" sz="1400" dirty="0"/>
-              <a:t>Update the directory </a:t>
-            </a:r>
-            <a:r>
-              <a:rPr lang="en-US" altLang="ko-KR" sz="1400" dirty="0" err="1"/>
-              <a:t>inode</a:t>
-            </a:r>
-            <a:r>
-              <a:rPr lang="en-US" altLang="ko-KR" sz="1400" dirty="0"/>
-              <a:t>. (</a:t>
-            </a:r>
-            <a:r>
-              <a:rPr lang="en-US" altLang="ko-KR" sz="1400" dirty="0" err="1"/>
-              <a:t>inode</a:t>
-            </a:r>
-            <a:r>
-              <a:rPr lang="en-US" altLang="ko-KR" sz="1400" dirty="0"/>
-              <a:t> #: </a:t>
-            </a:r>
-            <a:r>
-              <a:rPr lang="en-US" altLang="ko-KR" sz="1400" dirty="0" err="1"/>
-              <a:t>dir</a:t>
-            </a:r>
-            <a:r>
-              <a:rPr lang="en-US" altLang="ko-KR" sz="1400" dirty="0"/>
-              <a:t>)</a:t>
-            </a:r>
-          </a:p>
-          <a:p>
-            <a:pPr lvl="1"/>
-            <a:r>
-              <a:rPr lang="en-US" altLang="ko-KR" sz="1400" dirty="0"/>
-              <a:t>Update the directory entry. (</a:t>
-            </a:r>
-            <a:r>
-              <a:rPr lang="en-US" altLang="ko-KR" sz="1400" dirty="0">
-                <a:latin typeface="Courier New" panose="02070309020205020404" pitchFamily="49" charset="0"/>
-                <a:cs typeface="Courier New" panose="02070309020205020404" pitchFamily="49" charset="0"/>
-              </a:rPr>
-              <a:t>foo</a:t>
-            </a:r>
-            <a:r>
-              <a:rPr lang="en-US" altLang="ko-KR" sz="1400" dirty="0"/>
-              <a:t>, k)</a:t>
-            </a:r>
-          </a:p>
-          <a:p>
-            <a:pPr lvl="1"/>
-            <a:r>
-              <a:rPr lang="en-US" altLang="ko-KR" sz="1400" dirty="0"/>
-              <a:t>Update </a:t>
-            </a:r>
-            <a:r>
-              <a:rPr lang="en-US" altLang="ko-KR" sz="1400" dirty="0" err="1"/>
-              <a:t>inode</a:t>
-            </a:r>
-            <a:r>
-              <a:rPr lang="en-US" altLang="ko-KR" sz="1400" dirty="0"/>
-              <a:t> for the created file. (</a:t>
-            </a:r>
-            <a:r>
-              <a:rPr lang="en-US" altLang="ko-KR" sz="1400" dirty="0" err="1"/>
-              <a:t>inode</a:t>
-            </a:r>
-            <a:r>
-              <a:rPr lang="en-US" altLang="ko-KR" sz="1400" dirty="0"/>
-              <a:t> #: k)</a:t>
-            </a:r>
-          </a:p>
-          <a:p>
-            <a:pPr lvl="1"/>
-            <a:r>
-              <a:rPr lang="en-US" altLang="ko-KR" sz="1400" dirty="0"/>
-              <a:t>Update the data block for the created file.</a:t>
-            </a:r>
+              <a:rPr lang="en-US" altLang="zh-CN" sz="1600" dirty="0" err="1"/>
+              <a:t>Inode</a:t>
+            </a:r>
+            <a:r>
+              <a:rPr lang="zh-CN" altLang="en-US" sz="1600" dirty="0"/>
+              <a:t> </a:t>
+            </a:r>
+            <a:r>
+              <a:rPr lang="en-US" altLang="zh-CN" sz="1600" dirty="0"/>
+              <a:t>map</a:t>
+            </a:r>
+            <a:r>
+              <a:rPr lang="zh-CN" altLang="en-US" sz="1600" dirty="0"/>
+              <a:t> </a:t>
+            </a:r>
+            <a:r>
+              <a:rPr lang="en-US" altLang="zh-CN" sz="1600" dirty="0"/>
+              <a:t>also</a:t>
+            </a:r>
+            <a:r>
+              <a:rPr lang="zh-CN" altLang="en-US" sz="1600" dirty="0"/>
+              <a:t> </a:t>
+            </a:r>
+            <a:r>
+              <a:rPr lang="en-US" altLang="zh-CN" sz="1600" dirty="0"/>
+              <a:t>helps</a:t>
+            </a:r>
+            <a:r>
+              <a:rPr lang="zh-CN" altLang="en-US" sz="1600" dirty="0"/>
+              <a:t> </a:t>
+            </a:r>
+            <a:r>
+              <a:rPr lang="en-US" altLang="zh-CN" sz="1600" dirty="0"/>
+              <a:t>to</a:t>
+            </a:r>
+            <a:r>
+              <a:rPr lang="zh-CN" altLang="en-US" sz="1600" dirty="0"/>
+              <a:t> </a:t>
+            </a:r>
+            <a:r>
+              <a:rPr lang="en-US" altLang="zh-CN" sz="1600" dirty="0"/>
+              <a:t>solve</a:t>
+            </a:r>
+            <a:r>
+              <a:rPr lang="zh-CN" altLang="en-US" sz="1600" dirty="0"/>
+              <a:t> </a:t>
+            </a:r>
+            <a:r>
+              <a:rPr lang="en-US" altLang="zh-CN" sz="1600" dirty="0"/>
+              <a:t>the</a:t>
+            </a:r>
+            <a:r>
+              <a:rPr lang="zh-CN" altLang="en-US" sz="1600" dirty="0"/>
+              <a:t> </a:t>
+            </a:r>
+            <a:r>
+              <a:rPr lang="en-US" altLang="zh-CN" sz="1600" dirty="0"/>
+              <a:t>recursive</a:t>
+            </a:r>
+            <a:r>
+              <a:rPr lang="zh-CN" altLang="en-US" sz="1600" dirty="0"/>
+              <a:t> </a:t>
+            </a:r>
+            <a:r>
+              <a:rPr lang="en-US" altLang="zh-CN" sz="1600" dirty="0"/>
+              <a:t>update</a:t>
+            </a:r>
+            <a:r>
+              <a:rPr lang="zh-CN" altLang="en-US" sz="1600" dirty="0"/>
+              <a:t> </a:t>
+            </a:r>
+            <a:r>
+              <a:rPr lang="en-US" altLang="zh-CN" sz="1600" dirty="0"/>
+              <a:t>problem</a:t>
+            </a:r>
+            <a:r>
+              <a:rPr lang="zh-CN" altLang="en-US" sz="1600" dirty="0"/>
+              <a:t> </a:t>
+            </a:r>
+            <a:r>
+              <a:rPr lang="en-US" altLang="zh-CN" sz="1600" dirty="0"/>
+              <a:t>(coming</a:t>
+            </a:r>
+            <a:r>
+              <a:rPr lang="zh-CN" altLang="en-US" sz="1600" dirty="0"/>
+              <a:t> </a:t>
+            </a:r>
+            <a:r>
+              <a:rPr lang="en-US" altLang="zh-CN" sz="1600" dirty="0"/>
+              <a:t>up</a:t>
+            </a:r>
+            <a:r>
+              <a:rPr lang="zh-CN" altLang="en-US" sz="1600" dirty="0"/>
+              <a:t> </a:t>
+            </a:r>
+            <a:r>
+              <a:rPr lang="en-US" altLang="zh-CN" sz="1600" dirty="0"/>
+              <a:t>soon)</a:t>
+            </a:r>
+            <a:endParaRPr lang="en-US" altLang="ko-KR" sz="1600" dirty="0"/>
           </a:p>
         </p:txBody>
       </p:sp>
@@ -3173,6 +3335,2338 @@
       </p:sp>
       <p:graphicFrame>
         <p:nvGraphicFramePr>
+          <p:cNvPr id="17" name="표 16"/>
+          <p:cNvGraphicFramePr>
+            <a:graphicFrameLocks noGrp="1"/>
+          </p:cNvGraphicFramePr>
+          <p:nvPr>
+            <p:extLst>
+              <p:ext uri="{D42A27DB-BD31-4B8C-83A1-F6EECF244321}">
+                <p14:modId xmlns:p14="http://schemas.microsoft.com/office/powerpoint/2010/main" val="150668501"/>
+              </p:ext>
+            </p:extLst>
+          </p:nvPr>
+        </p:nvGraphicFramePr>
+        <p:xfrm>
+          <a:off x="1331640" y="4654555"/>
+          <a:ext cx="6768752" cy="1008112"/>
+        </p:xfrm>
+        <a:graphic>
+          <a:graphicData uri="http://schemas.openxmlformats.org/drawingml/2006/table">
+            <a:tbl>
+              <a:tblPr firstRow="1" bandRow="1">
+                <a:effectLst/>
+                <a:tableStyleId>{5C22544A-7EE6-4342-B048-85BDC9FD1C3A}</a:tableStyleId>
+              </a:tblPr>
+              <a:tblGrid>
+                <a:gridCol w="715926">
+                  <a:extLst>
+                    <a:ext uri="{9D8B030D-6E8A-4147-A177-3AD203B41FA5}">
+                      <a16:colId xmlns:a16="http://schemas.microsoft.com/office/drawing/2014/main" val="20000"/>
+                    </a:ext>
+                  </a:extLst>
+                </a:gridCol>
+                <a:gridCol w="2212399">
+                  <a:extLst>
+                    <a:ext uri="{9D8B030D-6E8A-4147-A177-3AD203B41FA5}">
+                      <a16:colId xmlns:a16="http://schemas.microsoft.com/office/drawing/2014/main" val="20001"/>
+                    </a:ext>
+                  </a:extLst>
+                </a:gridCol>
+                <a:gridCol w="768086">
+                  <a:extLst>
+                    <a:ext uri="{9D8B030D-6E8A-4147-A177-3AD203B41FA5}">
+                      <a16:colId xmlns:a16="http://schemas.microsoft.com/office/drawing/2014/main" val="20002"/>
+                    </a:ext>
+                  </a:extLst>
+                </a:gridCol>
+                <a:gridCol w="768085">
+                  <a:extLst>
+                    <a:ext uri="{9D8B030D-6E8A-4147-A177-3AD203B41FA5}">
+                      <a16:colId xmlns:a16="http://schemas.microsoft.com/office/drawing/2014/main" val="20003"/>
+                    </a:ext>
+                  </a:extLst>
+                </a:gridCol>
+                <a:gridCol w="768085">
+                  <a:extLst>
+                    <a:ext uri="{9D8B030D-6E8A-4147-A177-3AD203B41FA5}">
+                      <a16:colId xmlns:a16="http://schemas.microsoft.com/office/drawing/2014/main" val="20004"/>
+                    </a:ext>
+                  </a:extLst>
+                </a:gridCol>
+                <a:gridCol w="768086">
+                  <a:extLst>
+                    <a:ext uri="{9D8B030D-6E8A-4147-A177-3AD203B41FA5}">
+                      <a16:colId xmlns:a16="http://schemas.microsoft.com/office/drawing/2014/main" val="20005"/>
+                    </a:ext>
+                  </a:extLst>
+                </a:gridCol>
+                <a:gridCol w="768085">
+                  <a:extLst>
+                    <a:ext uri="{9D8B030D-6E8A-4147-A177-3AD203B41FA5}">
+                      <a16:colId xmlns:a16="http://schemas.microsoft.com/office/drawing/2014/main" val="20006"/>
+                    </a:ext>
+                  </a:extLst>
+                </a:gridCol>
+              </a:tblGrid>
+              <a:tr h="1008112">
+                <a:tc>
+                  <a:txBody>
+                    <a:bodyPr/>
+                    <a:lstStyle/>
+                    <a:p>
+                      <a:pPr algn="ctr" latinLnBrk="1"/>
+                      <a:r>
+                        <a:rPr lang="en-US" altLang="ko-KR" sz="1400" b="0" kern="1200" dirty="0">
+                          <a:solidFill>
+                            <a:schemeClr val="tx1"/>
+                          </a:solidFill>
+                          <a:latin typeface="맑은 고딕" panose="020B0503020000020004" pitchFamily="50" charset="-127"/>
+                          <a:ea typeface="맑은 고딕" panose="020B0503020000020004" pitchFamily="50" charset="-127"/>
+                          <a:cs typeface="+mn-cs"/>
+                        </a:rPr>
+                        <a:t>CR</a:t>
+                      </a:r>
+                    </a:p>
+                  </a:txBody>
+                  <a:tcPr anchor="b">
+                    <a:lnL w="12700" cap="flat" cmpd="sng" algn="ctr">
+                      <a:noFill/>
+                      <a:prstDash val="solid"/>
+                      <a:round/>
+                      <a:headEnd type="none" w="med" len="med"/>
+                      <a:tailEnd type="none" w="med" len="med"/>
+                    </a:lnL>
+                    <a:lnR w="12700" cap="flat" cmpd="sng" algn="ctr">
+                      <a:solidFill>
+                        <a:schemeClr val="tx1"/>
+                      </a:solidFill>
+                      <a:prstDash val="solid"/>
+                      <a:round/>
+                      <a:headEnd type="none" w="med" len="med"/>
+                      <a:tailEnd type="none" w="med" len="med"/>
+                    </a:lnR>
+                    <a:lnT w="12700" cap="flat" cmpd="sng" algn="ctr">
+                      <a:solidFill>
+                        <a:schemeClr val="tx1"/>
+                      </a:solidFill>
+                      <a:prstDash val="solid"/>
+                      <a:round/>
+                      <a:headEnd type="none" w="med" len="med"/>
+                      <a:tailEnd type="none" w="med" len="med"/>
+                    </a:lnT>
+                    <a:lnB w="12700" cap="flat" cmpd="sng" algn="ctr">
+                      <a:solidFill>
+                        <a:schemeClr val="tx1"/>
+                      </a:solidFill>
+                      <a:prstDash val="solid"/>
+                      <a:round/>
+                      <a:headEnd type="none" w="med" len="med"/>
+                      <a:tailEnd type="none" w="med" len="med"/>
+                    </a:lnB>
+                    <a:lnTlToBr w="12700" cmpd="sng">
+                      <a:noFill/>
+                      <a:prstDash val="solid"/>
+                    </a:lnTlToBr>
+                    <a:lnBlToTr w="12700" cmpd="sng">
+                      <a:noFill/>
+                      <a:prstDash val="solid"/>
+                    </a:lnBlToTr>
+                    <a:solidFill>
+                      <a:schemeClr val="bg1">
+                        <a:lumMod val="75000"/>
+                      </a:schemeClr>
+                    </a:solidFill>
+                  </a:tcPr>
+                </a:tc>
+                <a:tc>
+                  <a:txBody>
+                    <a:bodyPr/>
+                    <a:lstStyle/>
+                    <a:p>
+                      <a:pPr algn="ctr" latinLnBrk="1"/>
+                      <a:endParaRPr lang="en-US" altLang="ko-KR" sz="1400" b="0" kern="1200" dirty="0">
+                        <a:solidFill>
+                          <a:schemeClr val="tx1"/>
+                        </a:solidFill>
+                        <a:latin typeface="맑은 고딕" panose="020B0503020000020004" pitchFamily="50" charset="-127"/>
+                        <a:ea typeface="맑은 고딕" panose="020B0503020000020004" pitchFamily="50" charset="-127"/>
+                        <a:cs typeface="+mn-cs"/>
+                      </a:endParaRPr>
+                    </a:p>
+                  </a:txBody>
+                  <a:tcPr anchor="ctr">
+                    <a:lnL w="12700" cap="flat" cmpd="sng" algn="ctr">
+                      <a:solidFill>
+                        <a:schemeClr val="tx1"/>
+                      </a:solidFill>
+                      <a:prstDash val="solid"/>
+                      <a:round/>
+                      <a:headEnd type="none" w="med" len="med"/>
+                      <a:tailEnd type="none" w="med" len="med"/>
+                    </a:lnL>
+                    <a:lnR w="12700" cap="flat" cmpd="sng" algn="ctr">
+                      <a:solidFill>
+                        <a:schemeClr val="tx1"/>
+                      </a:solidFill>
+                      <a:prstDash val="solid"/>
+                      <a:round/>
+                      <a:headEnd type="none" w="med" len="med"/>
+                      <a:tailEnd type="none" w="med" len="med"/>
+                    </a:lnR>
+                    <a:lnT w="12700" cap="flat" cmpd="sng" algn="ctr">
+                      <a:solidFill>
+                        <a:schemeClr val="tx1"/>
+                      </a:solidFill>
+                      <a:prstDash val="solid"/>
+                      <a:round/>
+                      <a:headEnd type="none" w="med" len="med"/>
+                      <a:tailEnd type="none" w="med" len="med"/>
+                    </a:lnT>
+                    <a:lnB w="12700" cap="flat" cmpd="sng" algn="ctr">
+                      <a:solidFill>
+                        <a:schemeClr val="tx1"/>
+                      </a:solidFill>
+                      <a:prstDash val="solid"/>
+                      <a:round/>
+                      <a:headEnd type="none" w="med" len="med"/>
+                      <a:tailEnd type="none" w="med" len="med"/>
+                    </a:lnB>
+                    <a:lnTlToBr w="12700" cmpd="sng">
+                      <a:noFill/>
+                      <a:prstDash val="solid"/>
+                    </a:lnTlToBr>
+                    <a:lnBlToTr w="12700" cmpd="sng">
+                      <a:noFill/>
+                      <a:prstDash val="solid"/>
+                    </a:lnBlToTr>
+                    <a:solidFill>
+                      <a:schemeClr val="bg1"/>
+                    </a:solidFill>
+                  </a:tcPr>
+                </a:tc>
+                <a:tc>
+                  <a:txBody>
+                    <a:bodyPr/>
+                    <a:lstStyle/>
+                    <a:p>
+                      <a:pPr algn="ctr" latinLnBrk="1"/>
+                      <a:r>
+                        <a:rPr lang="en-US" altLang="ko-KR" sz="1400" b="0" kern="1200" dirty="0">
+                          <a:solidFill>
+                            <a:schemeClr val="tx1"/>
+                          </a:solidFill>
+                          <a:latin typeface="맑은 고딕" panose="020B0503020000020004" pitchFamily="50" charset="-127"/>
+                          <a:ea typeface="맑은 고딕" panose="020B0503020000020004" pitchFamily="50" charset="-127"/>
+                          <a:cs typeface="+mn-cs"/>
+                        </a:rPr>
+                        <a:t>D</a:t>
+                      </a:r>
+                    </a:p>
+                  </a:txBody>
+                  <a:tcPr anchor="ctr">
+                    <a:lnL w="12700" cap="flat" cmpd="sng" algn="ctr">
+                      <a:solidFill>
+                        <a:schemeClr val="tx1"/>
+                      </a:solidFill>
+                      <a:prstDash val="solid"/>
+                      <a:round/>
+                      <a:headEnd type="none" w="med" len="med"/>
+                      <a:tailEnd type="none" w="med" len="med"/>
+                    </a:lnL>
+                    <a:lnR w="12700" cap="flat" cmpd="sng" algn="ctr">
+                      <a:solidFill>
+                        <a:schemeClr val="tx1"/>
+                      </a:solidFill>
+                      <a:prstDash val="solid"/>
+                      <a:round/>
+                      <a:headEnd type="none" w="med" len="med"/>
+                      <a:tailEnd type="none" w="med" len="med"/>
+                    </a:lnR>
+                    <a:lnT w="12700" cap="flat" cmpd="sng" algn="ctr">
+                      <a:solidFill>
+                        <a:schemeClr val="tx1"/>
+                      </a:solidFill>
+                      <a:prstDash val="solid"/>
+                      <a:round/>
+                      <a:headEnd type="none" w="med" len="med"/>
+                      <a:tailEnd type="none" w="med" len="med"/>
+                    </a:lnT>
+                    <a:lnB w="12700" cap="flat" cmpd="sng" algn="ctr">
+                      <a:solidFill>
+                        <a:schemeClr val="tx1"/>
+                      </a:solidFill>
+                      <a:prstDash val="solid"/>
+                      <a:round/>
+                      <a:headEnd type="none" w="med" len="med"/>
+                      <a:tailEnd type="none" w="med" len="med"/>
+                    </a:lnB>
+                    <a:lnTlToBr w="12700" cmpd="sng">
+                      <a:noFill/>
+                      <a:prstDash val="solid"/>
+                    </a:lnTlToBr>
+                    <a:lnBlToTr w="12700" cmpd="sng">
+                      <a:noFill/>
+                      <a:prstDash val="solid"/>
+                    </a:lnBlToTr>
+                    <a:solidFill>
+                      <a:schemeClr val="bg1">
+                        <a:lumMod val="75000"/>
+                      </a:schemeClr>
+                    </a:solidFill>
+                  </a:tcPr>
+                </a:tc>
+                <a:tc>
+                  <a:txBody>
+                    <a:bodyPr/>
+                    <a:lstStyle/>
+                    <a:p>
+                      <a:pPr algn="ctr" latinLnBrk="1"/>
+                      <a:r>
+                        <a:rPr lang="en-US" altLang="ko-KR" sz="1400" b="0" kern="1200" dirty="0">
+                          <a:solidFill>
+                            <a:schemeClr val="tx1"/>
+                          </a:solidFill>
+                          <a:latin typeface="맑은 고딕" panose="020B0503020000020004" pitchFamily="50" charset="-127"/>
+                          <a:ea typeface="맑은 고딕" panose="020B0503020000020004" pitchFamily="50" charset="-127"/>
+                          <a:cs typeface="+mn-cs"/>
+                        </a:rPr>
+                        <a:t>I[k]</a:t>
+                      </a:r>
+                    </a:p>
+                  </a:txBody>
+                  <a:tcPr anchor="ctr">
+                    <a:lnL w="12700" cap="flat" cmpd="sng" algn="ctr">
+                      <a:solidFill>
+                        <a:schemeClr val="tx1"/>
+                      </a:solidFill>
+                      <a:prstDash val="solid"/>
+                      <a:round/>
+                      <a:headEnd type="none" w="med" len="med"/>
+                      <a:tailEnd type="none" w="med" len="med"/>
+                    </a:lnL>
+                    <a:lnR w="12700" cap="flat" cmpd="sng" algn="ctr">
+                      <a:solidFill>
+                        <a:schemeClr val="tx1"/>
+                      </a:solidFill>
+                      <a:prstDash val="solid"/>
+                      <a:round/>
+                      <a:headEnd type="none" w="med" len="med"/>
+                      <a:tailEnd type="none" w="med" len="med"/>
+                    </a:lnR>
+                    <a:lnT w="12700" cap="flat" cmpd="sng" algn="ctr">
+                      <a:solidFill>
+                        <a:schemeClr val="tx1"/>
+                      </a:solidFill>
+                      <a:prstDash val="solid"/>
+                      <a:round/>
+                      <a:headEnd type="none" w="med" len="med"/>
+                      <a:tailEnd type="none" w="med" len="med"/>
+                    </a:lnT>
+                    <a:lnB w="12700" cap="flat" cmpd="sng" algn="ctr">
+                      <a:solidFill>
+                        <a:schemeClr val="tx1"/>
+                      </a:solidFill>
+                      <a:prstDash val="solid"/>
+                      <a:round/>
+                      <a:headEnd type="none" w="med" len="med"/>
+                      <a:tailEnd type="none" w="med" len="med"/>
+                    </a:lnB>
+                    <a:lnTlToBr w="12700" cmpd="sng">
+                      <a:noFill/>
+                      <a:prstDash val="solid"/>
+                    </a:lnTlToBr>
+                    <a:lnBlToTr w="12700" cmpd="sng">
+                      <a:noFill/>
+                      <a:prstDash val="solid"/>
+                    </a:lnBlToTr>
+                    <a:solidFill>
+                      <a:schemeClr val="bg1"/>
+                    </a:solidFill>
+                  </a:tcPr>
+                </a:tc>
+                <a:tc>
+                  <a:txBody>
+                    <a:bodyPr/>
+                    <a:lstStyle/>
+                    <a:p>
+                      <a:pPr algn="ctr" latinLnBrk="1"/>
+                      <a:r>
+                        <a:rPr lang="en-US" altLang="ko-KR" sz="1400" b="0" kern="1200" dirty="0" err="1">
+                          <a:solidFill>
+                            <a:schemeClr val="tx1"/>
+                          </a:solidFill>
+                          <a:latin typeface="맑은 고딕" panose="020B0503020000020004" pitchFamily="50" charset="-127"/>
+                          <a:ea typeface="맑은 고딕" panose="020B0503020000020004" pitchFamily="50" charset="-127"/>
+                          <a:cs typeface="+mn-cs"/>
+                        </a:rPr>
+                        <a:t>imap</a:t>
+                      </a:r>
+                      <a:endParaRPr lang="en-US" altLang="ko-KR" sz="1400" b="0" kern="1200" dirty="0">
+                        <a:solidFill>
+                          <a:schemeClr val="tx1"/>
+                        </a:solidFill>
+                        <a:latin typeface="맑은 고딕" panose="020B0503020000020004" pitchFamily="50" charset="-127"/>
+                        <a:ea typeface="맑은 고딕" panose="020B0503020000020004" pitchFamily="50" charset="-127"/>
+                        <a:cs typeface="+mn-cs"/>
+                      </a:endParaRPr>
+                    </a:p>
+                  </a:txBody>
+                  <a:tcPr anchor="ctr">
+                    <a:lnL w="12700" cap="flat" cmpd="sng" algn="ctr">
+                      <a:solidFill>
+                        <a:schemeClr val="tx1"/>
+                      </a:solidFill>
+                      <a:prstDash val="solid"/>
+                      <a:round/>
+                      <a:headEnd type="none" w="med" len="med"/>
+                      <a:tailEnd type="none" w="med" len="med"/>
+                    </a:lnL>
+                    <a:lnR w="12700" cap="flat" cmpd="sng" algn="ctr">
+                      <a:solidFill>
+                        <a:schemeClr val="tx1"/>
+                      </a:solidFill>
+                      <a:prstDash val="solid"/>
+                      <a:round/>
+                      <a:headEnd type="none" w="med" len="med"/>
+                      <a:tailEnd type="none" w="med" len="med"/>
+                    </a:lnR>
+                    <a:lnT w="12700" cap="flat" cmpd="sng" algn="ctr">
+                      <a:solidFill>
+                        <a:schemeClr val="tx1"/>
+                      </a:solidFill>
+                      <a:prstDash val="solid"/>
+                      <a:round/>
+                      <a:headEnd type="none" w="med" len="med"/>
+                      <a:tailEnd type="none" w="med" len="med"/>
+                    </a:lnT>
+                    <a:lnB w="12700" cap="flat" cmpd="sng" algn="ctr">
+                      <a:solidFill>
+                        <a:schemeClr val="tx1"/>
+                      </a:solidFill>
+                      <a:prstDash val="solid"/>
+                      <a:round/>
+                      <a:headEnd type="none" w="med" len="med"/>
+                      <a:tailEnd type="none" w="med" len="med"/>
+                    </a:lnB>
+                    <a:lnTlToBr w="12700" cmpd="sng">
+                      <a:noFill/>
+                      <a:prstDash val="solid"/>
+                    </a:lnTlToBr>
+                    <a:lnBlToTr w="12700" cmpd="sng">
+                      <a:noFill/>
+                      <a:prstDash val="solid"/>
+                    </a:lnBlToTr>
+                    <a:solidFill>
+                      <a:schemeClr val="bg1">
+                        <a:lumMod val="75000"/>
+                      </a:schemeClr>
+                    </a:solidFill>
+                  </a:tcPr>
+                </a:tc>
+                <a:tc>
+                  <a:txBody>
+                    <a:bodyPr/>
+                    <a:lstStyle/>
+                    <a:p>
+                      <a:pPr algn="ctr" latinLnBrk="1"/>
+                      <a:endParaRPr lang="en-US" altLang="ko-KR" sz="1400" b="0" kern="1200" dirty="0">
+                        <a:solidFill>
+                          <a:schemeClr val="tx1"/>
+                        </a:solidFill>
+                        <a:latin typeface="맑은 고딕" panose="020B0503020000020004" pitchFamily="50" charset="-127"/>
+                        <a:ea typeface="맑은 고딕" panose="020B0503020000020004" pitchFamily="50" charset="-127"/>
+                        <a:cs typeface="+mn-cs"/>
+                      </a:endParaRPr>
+                    </a:p>
+                  </a:txBody>
+                  <a:tcPr anchor="ctr">
+                    <a:lnL w="12700" cap="flat" cmpd="sng" algn="ctr">
+                      <a:solidFill>
+                        <a:schemeClr val="tx1"/>
+                      </a:solidFill>
+                      <a:prstDash val="solid"/>
+                      <a:round/>
+                      <a:headEnd type="none" w="med" len="med"/>
+                      <a:tailEnd type="none" w="med" len="med"/>
+                    </a:lnL>
+                    <a:lnR w="12700" cap="flat" cmpd="sng" algn="ctr">
+                      <a:solidFill>
+                        <a:schemeClr val="tx1"/>
+                      </a:solidFill>
+                      <a:prstDash val="solid"/>
+                      <a:round/>
+                      <a:headEnd type="none" w="med" len="med"/>
+                      <a:tailEnd type="none" w="med" len="med"/>
+                    </a:lnR>
+                    <a:lnT w="12700" cap="flat" cmpd="sng" algn="ctr">
+                      <a:solidFill>
+                        <a:schemeClr val="tx1"/>
+                      </a:solidFill>
+                      <a:prstDash val="solid"/>
+                      <a:round/>
+                      <a:headEnd type="none" w="med" len="med"/>
+                      <a:tailEnd type="none" w="med" len="med"/>
+                    </a:lnT>
+                    <a:lnB w="12700" cap="flat" cmpd="sng" algn="ctr">
+                      <a:solidFill>
+                        <a:schemeClr val="tx1"/>
+                      </a:solidFill>
+                      <a:prstDash val="solid"/>
+                      <a:round/>
+                      <a:headEnd type="none" w="med" len="med"/>
+                      <a:tailEnd type="none" w="med" len="med"/>
+                    </a:lnB>
+                    <a:lnTlToBr w="12700" cmpd="sng">
+                      <a:noFill/>
+                      <a:prstDash val="solid"/>
+                    </a:lnTlToBr>
+                    <a:lnBlToTr w="12700" cmpd="sng">
+                      <a:noFill/>
+                      <a:prstDash val="solid"/>
+                    </a:lnBlToTr>
+                    <a:solidFill>
+                      <a:schemeClr val="bg1"/>
+                    </a:solidFill>
+                  </a:tcPr>
+                </a:tc>
+                <a:tc>
+                  <a:txBody>
+                    <a:bodyPr/>
+                    <a:lstStyle/>
+                    <a:p>
+                      <a:pPr algn="ctr" latinLnBrk="1"/>
+                      <a:endParaRPr lang="en-US" altLang="ko-KR" sz="1200" b="0" kern="1200" dirty="0">
+                        <a:solidFill>
+                          <a:schemeClr val="tx1"/>
+                        </a:solidFill>
+                        <a:latin typeface="맑은 고딕" panose="020B0503020000020004" pitchFamily="50" charset="-127"/>
+                        <a:ea typeface="맑은 고딕" panose="020B0503020000020004" pitchFamily="50" charset="-127"/>
+                        <a:cs typeface="+mn-cs"/>
+                      </a:endParaRPr>
+                    </a:p>
+                  </a:txBody>
+                  <a:tcPr anchor="ctr">
+                    <a:lnL w="12700" cap="flat" cmpd="sng" algn="ctr">
+                      <a:solidFill>
+                        <a:schemeClr val="tx1"/>
+                      </a:solidFill>
+                      <a:prstDash val="solid"/>
+                      <a:round/>
+                      <a:headEnd type="none" w="med" len="med"/>
+                      <a:tailEnd type="none" w="med" len="med"/>
+                    </a:lnL>
+                    <a:lnR w="12700" cap="flat" cmpd="sng" algn="ctr">
+                      <a:noFill/>
+                      <a:prstDash val="solid"/>
+                      <a:round/>
+                      <a:headEnd type="none" w="med" len="med"/>
+                      <a:tailEnd type="none" w="med" len="med"/>
+                    </a:lnR>
+                    <a:lnT w="12700" cap="flat" cmpd="sng" algn="ctr">
+                      <a:solidFill>
+                        <a:schemeClr val="tx1"/>
+                      </a:solidFill>
+                      <a:prstDash val="solid"/>
+                      <a:round/>
+                      <a:headEnd type="none" w="med" len="med"/>
+                      <a:tailEnd type="none" w="med" len="med"/>
+                    </a:lnT>
+                    <a:lnB w="12700" cap="flat" cmpd="sng" algn="ctr">
+                      <a:solidFill>
+                        <a:schemeClr val="tx1"/>
+                      </a:solidFill>
+                      <a:prstDash val="solid"/>
+                      <a:round/>
+                      <a:headEnd type="none" w="med" len="med"/>
+                      <a:tailEnd type="none" w="med" len="med"/>
+                    </a:lnB>
+                    <a:lnTlToBr w="12700" cmpd="sng">
+                      <a:noFill/>
+                      <a:prstDash val="solid"/>
+                    </a:lnTlToBr>
+                    <a:lnBlToTr w="12700" cmpd="sng">
+                      <a:noFill/>
+                      <a:prstDash val="solid"/>
+                    </a:lnBlToTr>
+                    <a:solidFill>
+                      <a:schemeClr val="bg1"/>
+                    </a:solidFill>
+                  </a:tcPr>
+                </a:tc>
+                <a:extLst>
+                  <a:ext uri="{0D108BD9-81ED-4DB2-BD59-A6C34878D82A}">
+                    <a16:rowId xmlns:a16="http://schemas.microsoft.com/office/drawing/2014/main" val="10000"/>
+                  </a:ext>
+                </a:extLst>
+              </a:tr>
+            </a:tbl>
+          </a:graphicData>
+        </a:graphic>
+      </p:graphicFrame>
+      <p:sp>
+        <p:nvSpPr>
+          <p:cNvPr id="18" name="직사각형 17"/>
+          <p:cNvSpPr/>
+          <p:nvPr/>
+        </p:nvSpPr>
+        <p:spPr>
+          <a:xfrm>
+            <a:off x="1198817" y="5641503"/>
+            <a:ext cx="284052" cy="307777"/>
+          </a:xfrm>
+          <a:prstGeom prst="rect">
+            <a:avLst/>
+          </a:prstGeom>
+        </p:spPr>
+        <p:txBody>
+          <a:bodyPr wrap="none">
+            <a:spAutoFit/>
+          </a:bodyPr>
+          <a:lstStyle/>
+          <a:p>
+            <a:pPr algn="ctr"/>
+            <a:r>
+              <a:rPr lang="en-US" altLang="ko-KR" sz="1400" dirty="0">
+                <a:latin typeface="맑은 고딕" panose="020B0503020000020004" pitchFamily="50" charset="-127"/>
+                <a:ea typeface="맑은 고딕" panose="020B0503020000020004" pitchFamily="50" charset="-127"/>
+              </a:rPr>
+              <a:t>0</a:t>
+            </a:r>
+          </a:p>
+        </p:txBody>
+      </p:sp>
+      <p:sp>
+        <p:nvSpPr>
+          <p:cNvPr id="19" name="직사각형 18"/>
+          <p:cNvSpPr/>
+          <p:nvPr/>
+        </p:nvSpPr>
+        <p:spPr>
+          <a:xfrm>
+            <a:off x="1290220" y="4656704"/>
+            <a:ext cx="766813" cy="646331"/>
+          </a:xfrm>
+          <a:prstGeom prst="rect">
+            <a:avLst/>
+          </a:prstGeom>
+        </p:spPr>
+        <p:txBody>
+          <a:bodyPr wrap="none">
+            <a:spAutoFit/>
+          </a:bodyPr>
+          <a:lstStyle/>
+          <a:p>
+            <a:pPr algn="ctr"/>
+            <a:r>
+              <a:rPr lang="en-US" altLang="ko-KR" sz="1200" dirty="0" err="1">
+                <a:latin typeface="맑은 고딕" panose="020B0503020000020004" pitchFamily="50" charset="-127"/>
+                <a:ea typeface="맑은 고딕" panose="020B0503020000020004" pitchFamily="50" charset="-127"/>
+              </a:rPr>
+              <a:t>imap</a:t>
+            </a:r>
+            <a:endParaRPr lang="en-US" altLang="ko-KR" sz="1200" dirty="0">
+              <a:latin typeface="맑은 고딕" panose="020B0503020000020004" pitchFamily="50" charset="-127"/>
+              <a:ea typeface="맑은 고딕" panose="020B0503020000020004" pitchFamily="50" charset="-127"/>
+            </a:endParaRPr>
+          </a:p>
+          <a:p>
+            <a:pPr algn="ctr"/>
+            <a:r>
+              <a:rPr lang="en-US" altLang="ko-KR" sz="1200" dirty="0">
+                <a:latin typeface="맑은 고딕" panose="020B0503020000020004" pitchFamily="50" charset="-127"/>
+                <a:ea typeface="맑은 고딕" panose="020B0503020000020004" pitchFamily="50" charset="-127"/>
+              </a:rPr>
+              <a:t>[k..</a:t>
+            </a:r>
+            <a:r>
+              <a:rPr lang="en-US" altLang="ko-KR" sz="1200" dirty="0" err="1">
+                <a:latin typeface="맑은 고딕" panose="020B0503020000020004" pitchFamily="50" charset="-127"/>
+                <a:ea typeface="맑은 고딕" panose="020B0503020000020004" pitchFamily="50" charset="-127"/>
+              </a:rPr>
+              <a:t>k+N</a:t>
+            </a:r>
+            <a:r>
+              <a:rPr lang="en-US" altLang="ko-KR" sz="1200" dirty="0">
+                <a:latin typeface="맑은 고딕" panose="020B0503020000020004" pitchFamily="50" charset="-127"/>
+                <a:ea typeface="맑은 고딕" panose="020B0503020000020004" pitchFamily="50" charset="-127"/>
+              </a:rPr>
+              <a:t>]:</a:t>
+            </a:r>
+          </a:p>
+          <a:p>
+            <a:pPr algn="ctr"/>
+            <a:r>
+              <a:rPr lang="en-US" altLang="ko-KR" sz="1200" dirty="0" err="1">
+                <a:latin typeface="맑은 고딕" panose="020B0503020000020004" pitchFamily="50" charset="-127"/>
+                <a:ea typeface="맑은 고딕" panose="020B0503020000020004" pitchFamily="50" charset="-127"/>
+              </a:rPr>
+              <a:t>A2</a:t>
+            </a:r>
+            <a:endParaRPr lang="en-US" altLang="ko-KR" sz="1200" dirty="0">
+              <a:latin typeface="맑은 고딕" panose="020B0503020000020004" pitchFamily="50" charset="-127"/>
+              <a:ea typeface="맑은 고딕" panose="020B0503020000020004" pitchFamily="50" charset="-127"/>
+            </a:endParaRPr>
+          </a:p>
+        </p:txBody>
+      </p:sp>
+      <p:cxnSp>
+        <p:nvCxnSpPr>
+          <p:cNvPr id="20" name="직선 연결선 19"/>
+          <p:cNvCxnSpPr/>
+          <p:nvPr/>
+        </p:nvCxnSpPr>
+        <p:spPr>
+          <a:xfrm flipH="1">
+            <a:off x="2056618" y="4116606"/>
+            <a:ext cx="3739635" cy="0"/>
+          </a:xfrm>
+          <a:prstGeom prst="line">
+            <a:avLst/>
+          </a:prstGeom>
+          <a:ln w="12700">
+            <a:solidFill>
+              <a:schemeClr val="tx1">
+                <a:lumMod val="50000"/>
+                <a:lumOff val="50000"/>
+              </a:schemeClr>
+            </a:solidFill>
+            <a:tailEnd type="none"/>
+          </a:ln>
+        </p:spPr>
+        <p:style>
+          <a:lnRef idx="1">
+            <a:schemeClr val="accent1"/>
+          </a:lnRef>
+          <a:fillRef idx="0">
+            <a:schemeClr val="accent1"/>
+          </a:fillRef>
+          <a:effectRef idx="0">
+            <a:schemeClr val="accent1"/>
+          </a:effectRef>
+          <a:fontRef idx="minor">
+            <a:schemeClr val="tx1"/>
+          </a:fontRef>
+        </p:style>
+      </p:cxnSp>
+      <p:cxnSp>
+        <p:nvCxnSpPr>
+          <p:cNvPr id="21" name="직선 연결선 20"/>
+          <p:cNvCxnSpPr/>
+          <p:nvPr/>
+        </p:nvCxnSpPr>
+        <p:spPr>
+          <a:xfrm flipH="1">
+            <a:off x="2051721" y="4116606"/>
+            <a:ext cx="5312" cy="537949"/>
+          </a:xfrm>
+          <a:prstGeom prst="line">
+            <a:avLst/>
+          </a:prstGeom>
+          <a:ln w="12700">
+            <a:solidFill>
+              <a:schemeClr val="tx1">
+                <a:lumMod val="50000"/>
+                <a:lumOff val="50000"/>
+              </a:schemeClr>
+            </a:solidFill>
+            <a:tailEnd type="none"/>
+          </a:ln>
+        </p:spPr>
+        <p:style>
+          <a:lnRef idx="1">
+            <a:schemeClr val="accent1"/>
+          </a:lnRef>
+          <a:fillRef idx="0">
+            <a:schemeClr val="accent1"/>
+          </a:fillRef>
+          <a:effectRef idx="0">
+            <a:schemeClr val="accent1"/>
+          </a:effectRef>
+          <a:fontRef idx="minor">
+            <a:schemeClr val="tx1"/>
+          </a:fontRef>
+        </p:style>
+      </p:cxnSp>
+      <p:sp>
+        <p:nvSpPr>
+          <p:cNvPr id="22" name="직사각형 21"/>
+          <p:cNvSpPr/>
+          <p:nvPr/>
+        </p:nvSpPr>
+        <p:spPr>
+          <a:xfrm>
+            <a:off x="4844002" y="5639807"/>
+            <a:ext cx="402675" cy="307777"/>
+          </a:xfrm>
+          <a:prstGeom prst="rect">
+            <a:avLst/>
+          </a:prstGeom>
+        </p:spPr>
+        <p:txBody>
+          <a:bodyPr wrap="none">
+            <a:spAutoFit/>
+          </a:bodyPr>
+          <a:lstStyle/>
+          <a:p>
+            <a:pPr algn="ctr"/>
+            <a:r>
+              <a:rPr lang="en-US" altLang="ko-KR" sz="1400" dirty="0">
+                <a:latin typeface="맑은 고딕" panose="020B0503020000020004" pitchFamily="50" charset="-127"/>
+                <a:ea typeface="맑은 고딕" panose="020B0503020000020004" pitchFamily="50" charset="-127"/>
+              </a:rPr>
+              <a:t>A1</a:t>
+            </a:r>
+          </a:p>
+        </p:txBody>
+      </p:sp>
+      <p:sp>
+        <p:nvSpPr>
+          <p:cNvPr id="25" name="직사각형 24"/>
+          <p:cNvSpPr/>
+          <p:nvPr/>
+        </p:nvSpPr>
+        <p:spPr>
+          <a:xfrm>
+            <a:off x="5636090" y="5639807"/>
+            <a:ext cx="402675" cy="307777"/>
+          </a:xfrm>
+          <a:prstGeom prst="rect">
+            <a:avLst/>
+          </a:prstGeom>
+        </p:spPr>
+        <p:txBody>
+          <a:bodyPr wrap="none">
+            <a:spAutoFit/>
+          </a:bodyPr>
+          <a:lstStyle/>
+          <a:p>
+            <a:pPr algn="ctr"/>
+            <a:r>
+              <a:rPr lang="en-US" altLang="ko-KR" sz="1400" dirty="0" err="1">
+                <a:latin typeface="맑은 고딕" panose="020B0503020000020004" pitchFamily="50" charset="-127"/>
+                <a:ea typeface="맑은 고딕" panose="020B0503020000020004" pitchFamily="50" charset="-127"/>
+              </a:rPr>
+              <a:t>A2</a:t>
+            </a:r>
+            <a:endParaRPr lang="en-US" altLang="ko-KR" sz="1400" dirty="0">
+              <a:latin typeface="맑은 고딕" panose="020B0503020000020004" pitchFamily="50" charset="-127"/>
+              <a:ea typeface="맑은 고딕" panose="020B0503020000020004" pitchFamily="50" charset="-127"/>
+            </a:endParaRPr>
+          </a:p>
+        </p:txBody>
+      </p:sp>
+      <p:sp>
+        <p:nvSpPr>
+          <p:cNvPr id="26" name="직사각형 25"/>
+          <p:cNvSpPr/>
+          <p:nvPr/>
+        </p:nvSpPr>
+        <p:spPr>
+          <a:xfrm>
+            <a:off x="4041340" y="5639807"/>
+            <a:ext cx="402675" cy="307777"/>
+          </a:xfrm>
+          <a:prstGeom prst="rect">
+            <a:avLst/>
+          </a:prstGeom>
+        </p:spPr>
+        <p:txBody>
+          <a:bodyPr wrap="none">
+            <a:spAutoFit/>
+          </a:bodyPr>
+          <a:lstStyle/>
+          <a:p>
+            <a:pPr algn="ctr"/>
+            <a:r>
+              <a:rPr lang="en-US" altLang="ko-KR" sz="1400" dirty="0">
+                <a:latin typeface="맑은 고딕" panose="020B0503020000020004" pitchFamily="50" charset="-127"/>
+                <a:ea typeface="맑은 고딕" panose="020B0503020000020004" pitchFamily="50" charset="-127"/>
+              </a:rPr>
+              <a:t>A0</a:t>
+            </a:r>
+          </a:p>
+        </p:txBody>
+      </p:sp>
+      <p:cxnSp>
+        <p:nvCxnSpPr>
+          <p:cNvPr id="27" name="직선 연결선 26"/>
+          <p:cNvCxnSpPr/>
+          <p:nvPr/>
+        </p:nvCxnSpPr>
+        <p:spPr>
+          <a:xfrm flipH="1" flipV="1">
+            <a:off x="5940152" y="4222507"/>
+            <a:ext cx="1" cy="432048"/>
+          </a:xfrm>
+          <a:prstGeom prst="line">
+            <a:avLst/>
+          </a:prstGeom>
+          <a:ln w="19050">
+            <a:solidFill>
+              <a:schemeClr val="tx1"/>
+            </a:solidFill>
+            <a:tailEnd type="none"/>
+          </a:ln>
+        </p:spPr>
+        <p:style>
+          <a:lnRef idx="1">
+            <a:schemeClr val="accent1"/>
+          </a:lnRef>
+          <a:fillRef idx="0">
+            <a:schemeClr val="accent1"/>
+          </a:fillRef>
+          <a:effectRef idx="0">
+            <a:schemeClr val="accent1"/>
+          </a:effectRef>
+          <a:fontRef idx="minor">
+            <a:schemeClr val="tx1"/>
+          </a:fontRef>
+        </p:style>
+      </p:cxnSp>
+      <p:cxnSp>
+        <p:nvCxnSpPr>
+          <p:cNvPr id="28" name="직선 연결선 27"/>
+          <p:cNvCxnSpPr/>
+          <p:nvPr/>
+        </p:nvCxnSpPr>
+        <p:spPr>
+          <a:xfrm flipH="1">
+            <a:off x="5043444" y="4222507"/>
+            <a:ext cx="896710" cy="0"/>
+          </a:xfrm>
+          <a:prstGeom prst="line">
+            <a:avLst/>
+          </a:prstGeom>
+          <a:ln w="19050">
+            <a:solidFill>
+              <a:schemeClr val="tx1"/>
+            </a:solidFill>
+            <a:tailEnd type="none"/>
+          </a:ln>
+        </p:spPr>
+        <p:style>
+          <a:lnRef idx="1">
+            <a:schemeClr val="accent1"/>
+          </a:lnRef>
+          <a:fillRef idx="0">
+            <a:schemeClr val="accent1"/>
+          </a:fillRef>
+          <a:effectRef idx="0">
+            <a:schemeClr val="accent1"/>
+          </a:effectRef>
+          <a:fontRef idx="minor">
+            <a:schemeClr val="tx1"/>
+          </a:fontRef>
+        </p:style>
+      </p:cxnSp>
+      <p:cxnSp>
+        <p:nvCxnSpPr>
+          <p:cNvPr id="31" name="직선 연결선 30"/>
+          <p:cNvCxnSpPr/>
+          <p:nvPr/>
+        </p:nvCxnSpPr>
+        <p:spPr>
+          <a:xfrm>
+            <a:off x="5796135" y="4116606"/>
+            <a:ext cx="1" cy="537949"/>
+          </a:xfrm>
+          <a:prstGeom prst="line">
+            <a:avLst/>
+          </a:prstGeom>
+          <a:ln w="12700">
+            <a:solidFill>
+              <a:schemeClr val="tx1">
+                <a:lumMod val="50000"/>
+                <a:lumOff val="50000"/>
+              </a:schemeClr>
+            </a:solidFill>
+            <a:tailEnd type="stealth"/>
+          </a:ln>
+        </p:spPr>
+        <p:style>
+          <a:lnRef idx="1">
+            <a:schemeClr val="accent1"/>
+          </a:lnRef>
+          <a:fillRef idx="0">
+            <a:schemeClr val="accent1"/>
+          </a:fillRef>
+          <a:effectRef idx="0">
+            <a:schemeClr val="accent1"/>
+          </a:effectRef>
+          <a:fontRef idx="minor">
+            <a:schemeClr val="tx1"/>
+          </a:fontRef>
+        </p:style>
+      </p:cxnSp>
+      <p:cxnSp>
+        <p:nvCxnSpPr>
+          <p:cNvPr id="32" name="직선 연결선 31"/>
+          <p:cNvCxnSpPr/>
+          <p:nvPr/>
+        </p:nvCxnSpPr>
+        <p:spPr>
+          <a:xfrm flipH="1">
+            <a:off x="4283969" y="4404638"/>
+            <a:ext cx="1002766" cy="0"/>
+          </a:xfrm>
+          <a:prstGeom prst="line">
+            <a:avLst/>
+          </a:prstGeom>
+          <a:ln w="12700">
+            <a:solidFill>
+              <a:schemeClr val="tx1">
+                <a:lumMod val="75000"/>
+                <a:lumOff val="25000"/>
+              </a:schemeClr>
+            </a:solidFill>
+            <a:tailEnd type="none"/>
+          </a:ln>
+        </p:spPr>
+        <p:style>
+          <a:lnRef idx="1">
+            <a:schemeClr val="accent1"/>
+          </a:lnRef>
+          <a:fillRef idx="0">
+            <a:schemeClr val="accent1"/>
+          </a:fillRef>
+          <a:effectRef idx="0">
+            <a:schemeClr val="accent1"/>
+          </a:effectRef>
+          <a:fontRef idx="minor">
+            <a:schemeClr val="tx1"/>
+          </a:fontRef>
+        </p:style>
+      </p:cxnSp>
+      <p:cxnSp>
+        <p:nvCxnSpPr>
+          <p:cNvPr id="33" name="직선 연결선 32"/>
+          <p:cNvCxnSpPr/>
+          <p:nvPr/>
+        </p:nvCxnSpPr>
+        <p:spPr>
+          <a:xfrm>
+            <a:off x="4283969" y="4404638"/>
+            <a:ext cx="0" cy="248577"/>
+          </a:xfrm>
+          <a:prstGeom prst="line">
+            <a:avLst/>
+          </a:prstGeom>
+          <a:ln w="12700">
+            <a:solidFill>
+              <a:schemeClr val="tx1">
+                <a:lumMod val="75000"/>
+                <a:lumOff val="25000"/>
+              </a:schemeClr>
+            </a:solidFill>
+            <a:tailEnd type="stealth"/>
+          </a:ln>
+        </p:spPr>
+        <p:style>
+          <a:lnRef idx="1">
+            <a:schemeClr val="accent1"/>
+          </a:lnRef>
+          <a:fillRef idx="0">
+            <a:schemeClr val="accent1"/>
+          </a:fillRef>
+          <a:effectRef idx="0">
+            <a:schemeClr val="accent1"/>
+          </a:effectRef>
+          <a:fontRef idx="minor">
+            <a:schemeClr val="tx1"/>
+          </a:fontRef>
+        </p:style>
+      </p:cxnSp>
+      <p:cxnSp>
+        <p:nvCxnSpPr>
+          <p:cNvPr id="34" name="직선 연결선 33"/>
+          <p:cNvCxnSpPr/>
+          <p:nvPr/>
+        </p:nvCxnSpPr>
+        <p:spPr>
+          <a:xfrm flipV="1">
+            <a:off x="5295605" y="4404638"/>
+            <a:ext cx="0" cy="251257"/>
+          </a:xfrm>
+          <a:prstGeom prst="line">
+            <a:avLst/>
+          </a:prstGeom>
+          <a:ln w="12700">
+            <a:solidFill>
+              <a:schemeClr val="tx1">
+                <a:lumMod val="75000"/>
+                <a:lumOff val="25000"/>
+              </a:schemeClr>
+            </a:solidFill>
+            <a:tailEnd type="none"/>
+          </a:ln>
+        </p:spPr>
+        <p:style>
+          <a:lnRef idx="1">
+            <a:schemeClr val="accent1"/>
+          </a:lnRef>
+          <a:fillRef idx="0">
+            <a:schemeClr val="accent1"/>
+          </a:fillRef>
+          <a:effectRef idx="0">
+            <a:schemeClr val="accent1"/>
+          </a:effectRef>
+          <a:fontRef idx="minor">
+            <a:schemeClr val="tx1"/>
+          </a:fontRef>
+        </p:style>
+      </p:cxnSp>
+      <p:cxnSp>
+        <p:nvCxnSpPr>
+          <p:cNvPr id="35" name="직선 연결선 34"/>
+          <p:cNvCxnSpPr/>
+          <p:nvPr/>
+        </p:nvCxnSpPr>
+        <p:spPr>
+          <a:xfrm flipV="1">
+            <a:off x="5041550" y="4222507"/>
+            <a:ext cx="1894" cy="433388"/>
+          </a:xfrm>
+          <a:prstGeom prst="line">
+            <a:avLst/>
+          </a:prstGeom>
+          <a:ln w="19050">
+            <a:solidFill>
+              <a:schemeClr val="tx1"/>
+            </a:solidFill>
+            <a:headEnd type="stealth"/>
+            <a:tailEnd type="none"/>
+          </a:ln>
+        </p:spPr>
+        <p:style>
+          <a:lnRef idx="1">
+            <a:schemeClr val="accent1"/>
+          </a:lnRef>
+          <a:fillRef idx="0">
+            <a:schemeClr val="accent1"/>
+          </a:fillRef>
+          <a:effectRef idx="0">
+            <a:schemeClr val="accent1"/>
+          </a:effectRef>
+          <a:fontRef idx="minor">
+            <a:schemeClr val="tx1"/>
+          </a:fontRef>
+        </p:style>
+      </p:cxnSp>
+      <p:sp>
+        <p:nvSpPr>
+          <p:cNvPr id="36" name="직사각형 35"/>
+          <p:cNvSpPr/>
+          <p:nvPr/>
+        </p:nvSpPr>
+        <p:spPr>
+          <a:xfrm>
+            <a:off x="5004048" y="4620662"/>
+            <a:ext cx="792205" cy="276999"/>
+          </a:xfrm>
+          <a:prstGeom prst="rect">
+            <a:avLst/>
+          </a:prstGeom>
+        </p:spPr>
+        <p:txBody>
+          <a:bodyPr wrap="none">
+            <a:spAutoFit/>
+          </a:bodyPr>
+          <a:lstStyle/>
+          <a:p>
+            <a:pPr algn="ctr"/>
+            <a:r>
+              <a:rPr lang="en-US" altLang="ko-KR" sz="1200" dirty="0" err="1">
+                <a:latin typeface="맑은 고딕" panose="020B0503020000020004" pitchFamily="50" charset="-127"/>
+                <a:ea typeface="맑은 고딕" panose="020B0503020000020004" pitchFamily="50" charset="-127"/>
+              </a:rPr>
+              <a:t>blk</a:t>
+            </a:r>
+            <a:r>
+              <a:rPr lang="en-US" altLang="ko-KR" sz="1200" dirty="0">
+                <a:latin typeface="맑은 고딕" panose="020B0503020000020004" pitchFamily="50" charset="-127"/>
+                <a:ea typeface="맑은 고딕" panose="020B0503020000020004" pitchFamily="50" charset="-127"/>
+              </a:rPr>
+              <a:t>[0]:A0</a:t>
+            </a:r>
+          </a:p>
+        </p:txBody>
+      </p:sp>
+      <p:sp>
+        <p:nvSpPr>
+          <p:cNvPr id="37" name="직사각형 36"/>
+          <p:cNvSpPr/>
+          <p:nvPr/>
+        </p:nvSpPr>
+        <p:spPr>
+          <a:xfrm>
+            <a:off x="5747270" y="4620662"/>
+            <a:ext cx="883575" cy="276999"/>
+          </a:xfrm>
+          <a:prstGeom prst="rect">
+            <a:avLst/>
+          </a:prstGeom>
+        </p:spPr>
+        <p:txBody>
+          <a:bodyPr wrap="none">
+            <a:spAutoFit/>
+          </a:bodyPr>
+          <a:lstStyle/>
+          <a:p>
+            <a:pPr algn="ctr"/>
+            <a:r>
+              <a:rPr lang="en-US" altLang="ko-KR" sz="1200" dirty="0">
+                <a:latin typeface="맑은 고딕" panose="020B0503020000020004" pitchFamily="50" charset="-127"/>
+                <a:ea typeface="맑은 고딕" panose="020B0503020000020004" pitchFamily="50" charset="-127"/>
+              </a:rPr>
+              <a:t>map[k]:A1</a:t>
+            </a:r>
+          </a:p>
+        </p:txBody>
+      </p:sp>
+      <p:sp>
+        <p:nvSpPr>
+          <p:cNvPr id="8" name="TextBox 7">
+            <a:extLst>
+              <a:ext uri="{FF2B5EF4-FFF2-40B4-BE49-F238E27FC236}">
+                <a16:creationId xmlns:a16="http://schemas.microsoft.com/office/drawing/2014/main" id="{4CF5E861-7188-ECAA-D895-99E18102AAC4}"/>
+              </a:ext>
+            </a:extLst>
+          </p:cNvPr>
+          <p:cNvSpPr txBox="1"/>
+          <p:nvPr/>
+        </p:nvSpPr>
+        <p:spPr>
+          <a:xfrm>
+            <a:off x="1457602" y="5678739"/>
+            <a:ext cx="432048" cy="369332"/>
+          </a:xfrm>
+          <a:prstGeom prst="rect">
+            <a:avLst/>
+          </a:prstGeom>
+          <a:noFill/>
+        </p:spPr>
+        <p:txBody>
+          <a:bodyPr wrap="square" rtlCol="0">
+            <a:spAutoFit/>
+          </a:bodyPr>
+          <a:lstStyle/>
+          <a:p>
+            <a:r>
+              <a:rPr lang="en-US" altLang="zh-CN" dirty="0">
+                <a:solidFill>
+                  <a:srgbClr val="6699FF"/>
+                </a:solidFill>
+                <a:latin typeface="Arial" panose="020B0604020202020204" pitchFamily="34" charset="0"/>
+                <a:cs typeface="Arial" panose="020B0604020202020204" pitchFamily="34" charset="0"/>
+              </a:rPr>
+              <a:t>(1)</a:t>
+            </a:r>
+            <a:endParaRPr lang="en-US" dirty="0">
+              <a:solidFill>
+                <a:srgbClr val="6699FF"/>
+              </a:solidFill>
+              <a:latin typeface="Arial" panose="020B0604020202020204" pitchFamily="34" charset="0"/>
+              <a:cs typeface="Arial" panose="020B0604020202020204" pitchFamily="34" charset="0"/>
+            </a:endParaRPr>
+          </a:p>
+        </p:txBody>
+      </p:sp>
+      <p:sp>
+        <p:nvSpPr>
+          <p:cNvPr id="9" name="TextBox 8">
+            <a:extLst>
+              <a:ext uri="{FF2B5EF4-FFF2-40B4-BE49-F238E27FC236}">
+                <a16:creationId xmlns:a16="http://schemas.microsoft.com/office/drawing/2014/main" id="{35A0DC50-3E5A-3CD3-C86A-D6B9421C0C62}"/>
+              </a:ext>
+            </a:extLst>
+          </p:cNvPr>
+          <p:cNvSpPr txBox="1"/>
+          <p:nvPr/>
+        </p:nvSpPr>
+        <p:spPr>
+          <a:xfrm>
+            <a:off x="4401380" y="5662667"/>
+            <a:ext cx="432048" cy="369332"/>
+          </a:xfrm>
+          <a:prstGeom prst="rect">
+            <a:avLst/>
+          </a:prstGeom>
+          <a:noFill/>
+        </p:spPr>
+        <p:txBody>
+          <a:bodyPr wrap="square" rtlCol="0">
+            <a:spAutoFit/>
+          </a:bodyPr>
+          <a:lstStyle/>
+          <a:p>
+            <a:r>
+              <a:rPr lang="en-US" altLang="zh-CN" dirty="0">
+                <a:solidFill>
+                  <a:srgbClr val="6699FF"/>
+                </a:solidFill>
+                <a:latin typeface="Arial" panose="020B0604020202020204" pitchFamily="34" charset="0"/>
+                <a:cs typeface="Arial" panose="020B0604020202020204" pitchFamily="34" charset="0"/>
+              </a:rPr>
+              <a:t>(4)</a:t>
+            </a:r>
+            <a:endParaRPr lang="en-US" dirty="0">
+              <a:solidFill>
+                <a:srgbClr val="6699FF"/>
+              </a:solidFill>
+              <a:latin typeface="Arial" panose="020B0604020202020204" pitchFamily="34" charset="0"/>
+              <a:cs typeface="Arial" panose="020B0604020202020204" pitchFamily="34" charset="0"/>
+            </a:endParaRPr>
+          </a:p>
+        </p:txBody>
+      </p:sp>
+      <p:sp>
+        <p:nvSpPr>
+          <p:cNvPr id="10" name="TextBox 9">
+            <a:extLst>
+              <a:ext uri="{FF2B5EF4-FFF2-40B4-BE49-F238E27FC236}">
+                <a16:creationId xmlns:a16="http://schemas.microsoft.com/office/drawing/2014/main" id="{292525CB-FF9F-2C2C-980C-04CBCC535E37}"/>
+              </a:ext>
+            </a:extLst>
+          </p:cNvPr>
+          <p:cNvSpPr txBox="1"/>
+          <p:nvPr/>
+        </p:nvSpPr>
+        <p:spPr>
+          <a:xfrm>
+            <a:off x="5215387" y="5648344"/>
+            <a:ext cx="432048" cy="369332"/>
+          </a:xfrm>
+          <a:prstGeom prst="rect">
+            <a:avLst/>
+          </a:prstGeom>
+          <a:noFill/>
+        </p:spPr>
+        <p:txBody>
+          <a:bodyPr wrap="square" rtlCol="0">
+            <a:spAutoFit/>
+          </a:bodyPr>
+          <a:lstStyle/>
+          <a:p>
+            <a:r>
+              <a:rPr lang="en-US" altLang="zh-CN" dirty="0">
+                <a:solidFill>
+                  <a:srgbClr val="6699FF"/>
+                </a:solidFill>
+                <a:latin typeface="Arial" panose="020B0604020202020204" pitchFamily="34" charset="0"/>
+                <a:cs typeface="Arial" panose="020B0604020202020204" pitchFamily="34" charset="0"/>
+              </a:rPr>
+              <a:t>(3)</a:t>
+            </a:r>
+            <a:endParaRPr lang="en-US" dirty="0">
+              <a:solidFill>
+                <a:srgbClr val="6699FF"/>
+              </a:solidFill>
+              <a:latin typeface="Arial" panose="020B0604020202020204" pitchFamily="34" charset="0"/>
+              <a:cs typeface="Arial" panose="020B0604020202020204" pitchFamily="34" charset="0"/>
+            </a:endParaRPr>
+          </a:p>
+        </p:txBody>
+      </p:sp>
+      <p:sp>
+        <p:nvSpPr>
+          <p:cNvPr id="11" name="TextBox 10">
+            <a:extLst>
+              <a:ext uri="{FF2B5EF4-FFF2-40B4-BE49-F238E27FC236}">
+                <a16:creationId xmlns:a16="http://schemas.microsoft.com/office/drawing/2014/main" id="{130CDC5C-78C1-2373-12C1-F8E67826B416}"/>
+              </a:ext>
+            </a:extLst>
+          </p:cNvPr>
+          <p:cNvSpPr txBox="1"/>
+          <p:nvPr/>
+        </p:nvSpPr>
+        <p:spPr>
+          <a:xfrm>
+            <a:off x="6036848" y="5639807"/>
+            <a:ext cx="432048" cy="369332"/>
+          </a:xfrm>
+          <a:prstGeom prst="rect">
+            <a:avLst/>
+          </a:prstGeom>
+          <a:noFill/>
+        </p:spPr>
+        <p:txBody>
+          <a:bodyPr wrap="square" rtlCol="0">
+            <a:spAutoFit/>
+          </a:bodyPr>
+          <a:lstStyle/>
+          <a:p>
+            <a:r>
+              <a:rPr lang="en-US" altLang="zh-CN" dirty="0">
+                <a:solidFill>
+                  <a:srgbClr val="6699FF"/>
+                </a:solidFill>
+                <a:latin typeface="Arial" panose="020B0604020202020204" pitchFamily="34" charset="0"/>
+                <a:cs typeface="Arial" panose="020B0604020202020204" pitchFamily="34" charset="0"/>
+              </a:rPr>
+              <a:t>(2)</a:t>
+            </a:r>
+            <a:endParaRPr lang="en-US" dirty="0">
+              <a:solidFill>
+                <a:srgbClr val="6699FF"/>
+              </a:solidFill>
+              <a:latin typeface="Arial" panose="020B0604020202020204" pitchFamily="34" charset="0"/>
+              <a:cs typeface="Arial" panose="020B0604020202020204" pitchFamily="34" charset="0"/>
+            </a:endParaRPr>
+          </a:p>
+        </p:txBody>
+      </p:sp>
+    </p:spTree>
+    <p:extLst>
+      <p:ext uri="{BB962C8B-B14F-4D97-AF65-F5344CB8AC3E}">
+        <p14:creationId xmlns:p14="http://schemas.microsoft.com/office/powerpoint/2010/main" val="4027307820"/>
+      </p:ext>
+    </p:extLst>
+  </p:cSld>
+  <p:clrMapOvr>
+    <a:masterClrMapping/>
+  </p:clrMapOvr>
+</p:sld>
+</file>
+
+<file path=ppt/slides/slide11.xml><?xml version="1.0" encoding="utf-8"?>
+<p:sld xmlns:a="http://schemas.openxmlformats.org/drawingml/2006/main" xmlns:r="http://schemas.openxmlformats.org/officeDocument/2006/relationships" xmlns:p="http://schemas.openxmlformats.org/presentationml/2006/main">
+  <p:cSld>
+    <p:spTree>
+      <p:nvGrpSpPr>
+        <p:cNvPr id="1" name=""/>
+        <p:cNvGrpSpPr/>
+        <p:nvPr/>
+      </p:nvGrpSpPr>
+      <p:grpSpPr>
+        <a:xfrm>
+          <a:off x="0" y="0"/>
+          <a:ext cx="0" cy="0"/>
+          <a:chOff x="0" y="0"/>
+          <a:chExt cx="0" cy="0"/>
+        </a:xfrm>
+      </p:grpSpPr>
+      <p:sp>
+        <p:nvSpPr>
+          <p:cNvPr id="2" name="제목 1">
+            <a:extLst>
+              <a:ext uri="{FF2B5EF4-FFF2-40B4-BE49-F238E27FC236}">
+                <a16:creationId xmlns:a16="http://schemas.microsoft.com/office/drawing/2014/main" id="{CCB967EE-39E9-B045-8BB3-279864F7AA8E}"/>
+              </a:ext>
+            </a:extLst>
+          </p:cNvPr>
+          <p:cNvSpPr>
+            <a:spLocks noGrp="1"/>
+          </p:cNvSpPr>
+          <p:nvPr>
+            <p:ph type="title"/>
+          </p:nvPr>
+        </p:nvSpPr>
+        <p:spPr/>
+        <p:txBody>
+          <a:bodyPr/>
+          <a:lstStyle/>
+          <a:p>
+            <a:r>
+              <a:rPr kumimoji="1" lang="en-US" altLang="ko-KR" dirty="0"/>
+              <a:t>Reading a file from the disk</a:t>
+            </a:r>
+            <a:endParaRPr kumimoji="1" lang="ko-KR" altLang="en-US" dirty="0"/>
+          </a:p>
+        </p:txBody>
+      </p:sp>
+      <p:sp>
+        <p:nvSpPr>
+          <p:cNvPr id="3" name="내용 개체 틀 2">
+            <a:extLst>
+              <a:ext uri="{FF2B5EF4-FFF2-40B4-BE49-F238E27FC236}">
+                <a16:creationId xmlns:a16="http://schemas.microsoft.com/office/drawing/2014/main" id="{C5E9216F-DA6F-8A40-A902-C8BE2FE5BDCE}"/>
+              </a:ext>
+            </a:extLst>
+          </p:cNvPr>
+          <p:cNvSpPr>
+            <a:spLocks noGrp="1"/>
+          </p:cNvSpPr>
+          <p:nvPr>
+            <p:ph idx="1"/>
+          </p:nvPr>
+        </p:nvSpPr>
+        <p:spPr/>
+        <p:txBody>
+          <a:bodyPr/>
+          <a:lstStyle/>
+          <a:p>
+            <a:r>
+              <a:rPr lang="en-US" altLang="ko-KR" dirty="0"/>
+              <a:t>Reading a file block</a:t>
+            </a:r>
+          </a:p>
+          <a:p>
+            <a:pPr lvl="1"/>
+            <a:r>
+              <a:rPr kumimoji="1" lang="en-US" altLang="ko-KR" dirty="0"/>
+              <a:t>Read a checkpoint region</a:t>
+            </a:r>
+          </a:p>
+          <a:p>
+            <a:pPr lvl="1"/>
+            <a:r>
+              <a:rPr lang="en-US" altLang="ko-KR" dirty="0"/>
+              <a:t>Read </a:t>
+            </a:r>
+            <a:r>
+              <a:rPr lang="en-US" altLang="ko-KR" dirty="0" err="1"/>
+              <a:t>inode</a:t>
+            </a:r>
+            <a:r>
+              <a:rPr lang="en-US" altLang="ko-KR" dirty="0"/>
+              <a:t> map</a:t>
+            </a:r>
+          </a:p>
+          <a:p>
+            <a:pPr lvl="1"/>
+            <a:r>
+              <a:rPr kumimoji="1" lang="en-US" altLang="ko-KR" dirty="0"/>
+              <a:t>Read </a:t>
+            </a:r>
+            <a:r>
+              <a:rPr kumimoji="1" lang="en-US" altLang="ko-KR" dirty="0" err="1"/>
+              <a:t>inode</a:t>
+            </a:r>
+            <a:endParaRPr kumimoji="1" lang="en-US" altLang="ko-KR" dirty="0"/>
+          </a:p>
+          <a:p>
+            <a:pPr lvl="1"/>
+            <a:r>
+              <a:rPr lang="en-US" altLang="ko-KR" dirty="0"/>
+              <a:t>Read data block</a:t>
+            </a:r>
+          </a:p>
+          <a:p>
+            <a:r>
+              <a:rPr lang="en-US" altLang="ko-KR" dirty="0"/>
+              <a:t>What about sequential read?</a:t>
+            </a:r>
+          </a:p>
+          <a:p>
+            <a:pPr lvl="1"/>
+            <a:r>
+              <a:rPr lang="en-US" altLang="ko-KR" dirty="0"/>
+              <a:t>It may become random read.</a:t>
+            </a:r>
+          </a:p>
+          <a:p>
+            <a:pPr lvl="1"/>
+            <a:endParaRPr lang="en-US" altLang="ko-KR" dirty="0"/>
+          </a:p>
+          <a:p>
+            <a:pPr marL="0" indent="0" algn="ctr">
+              <a:buNone/>
+            </a:pPr>
+            <a:r>
+              <a:rPr kumimoji="1" lang="en-US" altLang="ko-KR" dirty="0"/>
+              <a:t>LFS is optimized for writes.</a:t>
+            </a:r>
+            <a:endParaRPr kumimoji="1" lang="ko-KR" altLang="en-US" dirty="0"/>
+          </a:p>
+        </p:txBody>
+      </p:sp>
+      <p:sp>
+        <p:nvSpPr>
+          <p:cNvPr id="4" name="슬라이드 번호 개체 틀 3">
+            <a:extLst>
+              <a:ext uri="{FF2B5EF4-FFF2-40B4-BE49-F238E27FC236}">
+                <a16:creationId xmlns:a16="http://schemas.microsoft.com/office/drawing/2014/main" id="{4CA930F0-26D6-DA43-B1B3-8E3F50BAB18B}"/>
+              </a:ext>
+            </a:extLst>
+          </p:cNvPr>
+          <p:cNvSpPr>
+            <a:spLocks noGrp="1"/>
+          </p:cNvSpPr>
+          <p:nvPr>
+            <p:ph type="sldNum" sz="quarter" idx="11"/>
+          </p:nvPr>
+        </p:nvSpPr>
+        <p:spPr/>
+        <p:txBody>
+          <a:bodyPr/>
+          <a:lstStyle/>
+          <a:p>
+            <a:pPr>
+              <a:defRPr/>
+            </a:pPr>
+            <a:fld id="{515CC4ED-1449-4712-AE45-EBC263B4DD26}" type="slidenum">
+              <a:rPr lang="en-US" altLang="ko-KR" smtClean="0">
+                <a:solidFill>
+                  <a:srgbClr val="1F497D">
+                    <a:lumMod val="50000"/>
+                  </a:srgbClr>
+                </a:solidFill>
+              </a:rPr>
+              <a:pPr>
+                <a:defRPr/>
+              </a:pPr>
+              <a:t>11</a:t>
+            </a:fld>
+            <a:r>
+              <a:rPr lang="en-US" altLang="ko-KR">
+                <a:solidFill>
+                  <a:srgbClr val="1F497D">
+                    <a:lumMod val="50000"/>
+                  </a:srgbClr>
+                </a:solidFill>
+              </a:rPr>
+              <a:t> </a:t>
+            </a:r>
+          </a:p>
+        </p:txBody>
+      </p:sp>
+      <p:sp>
+        <p:nvSpPr>
+          <p:cNvPr id="5" name="바닥글 개체 틀 4">
+            <a:extLst>
+              <a:ext uri="{FF2B5EF4-FFF2-40B4-BE49-F238E27FC236}">
+                <a16:creationId xmlns:a16="http://schemas.microsoft.com/office/drawing/2014/main" id="{05282861-E621-BE43-926D-83EDD4A1B7C2}"/>
+              </a:ext>
+            </a:extLst>
+          </p:cNvPr>
+          <p:cNvSpPr>
+            <a:spLocks noGrp="1"/>
+          </p:cNvSpPr>
+          <p:nvPr>
+            <p:ph type="ftr" sz="quarter" idx="3"/>
+          </p:nvPr>
+        </p:nvSpPr>
+        <p:spPr/>
+        <p:txBody>
+          <a:bodyPr/>
+          <a:lstStyle/>
+          <a:p>
+            <a:pPr fontAlgn="base">
+              <a:spcBef>
+                <a:spcPct val="0"/>
+              </a:spcBef>
+              <a:spcAft>
+                <a:spcPct val="0"/>
+              </a:spcAft>
+              <a:defRPr/>
+            </a:pPr>
+            <a:r>
+              <a:rPr kumimoji="1" lang="en-US" altLang="ko-KR">
+                <a:solidFill>
+                  <a:prstClr val="black"/>
+                </a:solidFill>
+              </a:rPr>
+              <a:t>CSCI3150 Intro to OS</a:t>
+            </a:r>
+            <a:endParaRPr kumimoji="1" lang="ko-KR" altLang="en-US" dirty="0">
+              <a:solidFill>
+                <a:prstClr val="black"/>
+              </a:solidFill>
+            </a:endParaRPr>
+          </a:p>
+        </p:txBody>
+      </p:sp>
+    </p:spTree>
+    <p:extLst>
+      <p:ext uri="{BB962C8B-B14F-4D97-AF65-F5344CB8AC3E}">
+        <p14:creationId xmlns:p14="http://schemas.microsoft.com/office/powerpoint/2010/main" val="3791225120"/>
+      </p:ext>
+    </p:extLst>
+  </p:cSld>
+  <p:clrMapOvr>
+    <a:masterClrMapping/>
+  </p:clrMapOvr>
+</p:sld>
+</file>
+
+<file path=ppt/slides/slide12.xml><?xml version="1.0" encoding="utf-8"?>
+<p:sld xmlns:a="http://schemas.openxmlformats.org/drawingml/2006/main" xmlns:r="http://schemas.openxmlformats.org/officeDocument/2006/relationships" xmlns:p="http://schemas.openxmlformats.org/presentationml/2006/main">
+  <p:cSld>
+    <p:spTree>
+      <p:nvGrpSpPr>
+        <p:cNvPr id="1" name=""/>
+        <p:cNvGrpSpPr/>
+        <p:nvPr/>
+      </p:nvGrpSpPr>
+      <p:grpSpPr>
+        <a:xfrm>
+          <a:off x="0" y="0"/>
+          <a:ext cx="0" cy="0"/>
+          <a:chOff x="0" y="0"/>
+          <a:chExt cx="0" cy="0"/>
+        </a:xfrm>
+      </p:grpSpPr>
+      <p:sp>
+        <p:nvSpPr>
+          <p:cNvPr id="2" name="Title 1">
+            <a:extLst>
+              <a:ext uri="{FF2B5EF4-FFF2-40B4-BE49-F238E27FC236}">
+                <a16:creationId xmlns:a16="http://schemas.microsoft.com/office/drawing/2014/main" id="{11C56675-3645-39EE-69DF-A6574ADB1737}"/>
+              </a:ext>
+            </a:extLst>
+          </p:cNvPr>
+          <p:cNvSpPr>
+            <a:spLocks noGrp="1"/>
+          </p:cNvSpPr>
+          <p:nvPr>
+            <p:ph type="title"/>
+          </p:nvPr>
+        </p:nvSpPr>
+        <p:spPr/>
+        <p:txBody>
+          <a:bodyPr/>
+          <a:lstStyle/>
+          <a:p>
+            <a:r>
+              <a:rPr lang="en-US" altLang="zh-CN" dirty="0"/>
+              <a:t>Outline</a:t>
+            </a:r>
+            <a:endParaRPr lang="en-US" dirty="0"/>
+          </a:p>
+        </p:txBody>
+      </p:sp>
+      <p:sp>
+        <p:nvSpPr>
+          <p:cNvPr id="3" name="Content Placeholder 2">
+            <a:extLst>
+              <a:ext uri="{FF2B5EF4-FFF2-40B4-BE49-F238E27FC236}">
+                <a16:creationId xmlns:a16="http://schemas.microsoft.com/office/drawing/2014/main" id="{265E1C30-3735-4E19-5D3A-4A7BD106F24D}"/>
+              </a:ext>
+            </a:extLst>
+          </p:cNvPr>
+          <p:cNvSpPr>
+            <a:spLocks noGrp="1"/>
+          </p:cNvSpPr>
+          <p:nvPr>
+            <p:ph idx="1"/>
+          </p:nvPr>
+        </p:nvSpPr>
+        <p:spPr/>
+        <p:txBody>
+          <a:bodyPr/>
+          <a:lstStyle/>
+          <a:p>
+            <a:r>
+              <a:rPr lang="en-US" altLang="zh-CN" dirty="0">
+                <a:solidFill>
+                  <a:schemeClr val="bg1">
+                    <a:lumMod val="75000"/>
+                  </a:schemeClr>
+                </a:solidFill>
+              </a:rPr>
+              <a:t>Key</a:t>
+            </a:r>
+            <a:r>
+              <a:rPr lang="zh-CN" altLang="en-US" dirty="0">
+                <a:solidFill>
+                  <a:schemeClr val="bg1">
+                    <a:lumMod val="75000"/>
+                  </a:schemeClr>
+                </a:solidFill>
+              </a:rPr>
+              <a:t> </a:t>
+            </a:r>
+            <a:r>
+              <a:rPr lang="en-US" altLang="zh-CN" dirty="0">
+                <a:solidFill>
+                  <a:schemeClr val="bg1">
+                    <a:lumMod val="75000"/>
+                  </a:schemeClr>
+                </a:solidFill>
+              </a:rPr>
+              <a:t>Idea:</a:t>
+            </a:r>
+            <a:r>
+              <a:rPr lang="zh-CN" altLang="en-US" dirty="0">
+                <a:solidFill>
+                  <a:schemeClr val="bg1">
+                    <a:lumMod val="75000"/>
+                  </a:schemeClr>
+                </a:solidFill>
+              </a:rPr>
+              <a:t> </a:t>
+            </a:r>
+            <a:r>
+              <a:rPr lang="en-US" altLang="zh-CN" dirty="0">
+                <a:solidFill>
+                  <a:schemeClr val="bg1">
+                    <a:lumMod val="75000"/>
+                  </a:schemeClr>
+                </a:solidFill>
+              </a:rPr>
+              <a:t>Writing</a:t>
+            </a:r>
+            <a:r>
+              <a:rPr lang="zh-CN" altLang="en-US" dirty="0">
+                <a:solidFill>
+                  <a:schemeClr val="bg1">
+                    <a:lumMod val="75000"/>
+                  </a:schemeClr>
+                </a:solidFill>
+              </a:rPr>
+              <a:t> </a:t>
+            </a:r>
+            <a:r>
+              <a:rPr lang="en-US" altLang="zh-CN" dirty="0">
+                <a:solidFill>
+                  <a:schemeClr val="bg1">
+                    <a:lumMod val="75000"/>
+                  </a:schemeClr>
+                </a:solidFill>
+              </a:rPr>
+              <a:t>Sequentially</a:t>
+            </a:r>
+          </a:p>
+          <a:p>
+            <a:r>
+              <a:rPr lang="en-US" altLang="zh-CN" dirty="0">
+                <a:solidFill>
+                  <a:schemeClr val="bg1">
+                    <a:lumMod val="75000"/>
+                  </a:schemeClr>
+                </a:solidFill>
+              </a:rPr>
+              <a:t>Indirect</a:t>
+            </a:r>
+            <a:r>
+              <a:rPr lang="zh-CN" altLang="en-US" dirty="0">
+                <a:solidFill>
+                  <a:schemeClr val="bg1">
+                    <a:lumMod val="75000"/>
+                  </a:schemeClr>
+                </a:solidFill>
+              </a:rPr>
+              <a:t> </a:t>
+            </a:r>
+            <a:r>
+              <a:rPr lang="en-US" altLang="zh-CN" dirty="0">
+                <a:solidFill>
+                  <a:schemeClr val="bg1">
+                    <a:lumMod val="75000"/>
+                  </a:schemeClr>
+                </a:solidFill>
+              </a:rPr>
+              <a:t>Mapping</a:t>
+            </a:r>
+            <a:r>
+              <a:rPr lang="zh-CN" altLang="en-US" dirty="0">
+                <a:solidFill>
+                  <a:schemeClr val="bg1">
+                    <a:lumMod val="75000"/>
+                  </a:schemeClr>
+                </a:solidFill>
+              </a:rPr>
+              <a:t> </a:t>
+            </a:r>
+            <a:r>
+              <a:rPr lang="en-US" altLang="zh-CN" dirty="0">
+                <a:solidFill>
+                  <a:schemeClr val="bg1">
+                    <a:lumMod val="75000"/>
+                  </a:schemeClr>
+                </a:solidFill>
+              </a:rPr>
+              <a:t>and</a:t>
+            </a:r>
+            <a:r>
+              <a:rPr lang="zh-CN" altLang="en-US" dirty="0">
+                <a:solidFill>
+                  <a:schemeClr val="bg1">
+                    <a:lumMod val="75000"/>
+                  </a:schemeClr>
+                </a:solidFill>
+              </a:rPr>
+              <a:t> </a:t>
+            </a:r>
+            <a:r>
+              <a:rPr lang="en-US" altLang="zh-CN" dirty="0">
+                <a:solidFill>
+                  <a:schemeClr val="bg1">
+                    <a:lumMod val="75000"/>
+                  </a:schemeClr>
+                </a:solidFill>
+              </a:rPr>
+              <a:t>Checkpoint</a:t>
+            </a:r>
+            <a:r>
+              <a:rPr lang="zh-CN" altLang="en-US" dirty="0">
+                <a:solidFill>
+                  <a:schemeClr val="bg1">
+                    <a:lumMod val="75000"/>
+                  </a:schemeClr>
+                </a:solidFill>
+              </a:rPr>
+              <a:t> </a:t>
+            </a:r>
+            <a:r>
+              <a:rPr lang="en-US" altLang="zh-CN" dirty="0">
+                <a:solidFill>
+                  <a:schemeClr val="bg1">
+                    <a:lumMod val="75000"/>
+                  </a:schemeClr>
+                </a:solidFill>
+              </a:rPr>
+              <a:t>Region</a:t>
+            </a:r>
+          </a:p>
+          <a:p>
+            <a:r>
+              <a:rPr lang="en-US" altLang="zh-CN" dirty="0"/>
+              <a:t>Directories</a:t>
+            </a:r>
+          </a:p>
+          <a:p>
+            <a:r>
+              <a:rPr lang="en-US" altLang="zh-CN" dirty="0">
+                <a:solidFill>
+                  <a:schemeClr val="bg1">
+                    <a:lumMod val="75000"/>
+                  </a:schemeClr>
+                </a:solidFill>
+              </a:rPr>
+              <a:t>Garbage</a:t>
+            </a:r>
+            <a:r>
+              <a:rPr lang="zh-CN" altLang="en-US" dirty="0">
+                <a:solidFill>
+                  <a:schemeClr val="bg1">
+                    <a:lumMod val="75000"/>
+                  </a:schemeClr>
+                </a:solidFill>
+              </a:rPr>
+              <a:t> </a:t>
+            </a:r>
+            <a:r>
+              <a:rPr lang="en-US" altLang="zh-CN" dirty="0">
+                <a:solidFill>
+                  <a:schemeClr val="bg1">
+                    <a:lumMod val="75000"/>
+                  </a:schemeClr>
+                </a:solidFill>
+              </a:rPr>
+              <a:t>Collection</a:t>
+            </a:r>
+          </a:p>
+          <a:p>
+            <a:r>
+              <a:rPr lang="en-US" altLang="zh-CN" dirty="0">
+                <a:solidFill>
+                  <a:schemeClr val="bg1">
+                    <a:lumMod val="75000"/>
+                  </a:schemeClr>
+                </a:solidFill>
+              </a:rPr>
+              <a:t>Crash</a:t>
+            </a:r>
+            <a:r>
+              <a:rPr lang="zh-CN" altLang="en-US" dirty="0">
+                <a:solidFill>
+                  <a:schemeClr val="bg1">
+                    <a:lumMod val="75000"/>
+                  </a:schemeClr>
+                </a:solidFill>
+              </a:rPr>
+              <a:t> </a:t>
+            </a:r>
+            <a:r>
+              <a:rPr lang="en-US" altLang="zh-CN" dirty="0">
+                <a:solidFill>
+                  <a:schemeClr val="bg1">
+                    <a:lumMod val="75000"/>
+                  </a:schemeClr>
+                </a:solidFill>
+              </a:rPr>
+              <a:t>Recovery</a:t>
+            </a:r>
+            <a:endParaRPr lang="en-US" dirty="0">
+              <a:solidFill>
+                <a:schemeClr val="bg1">
+                  <a:lumMod val="75000"/>
+                </a:schemeClr>
+              </a:solidFill>
+            </a:endParaRPr>
+          </a:p>
+        </p:txBody>
+      </p:sp>
+      <p:sp>
+        <p:nvSpPr>
+          <p:cNvPr id="4" name="Slide Number Placeholder 3">
+            <a:extLst>
+              <a:ext uri="{FF2B5EF4-FFF2-40B4-BE49-F238E27FC236}">
+                <a16:creationId xmlns:a16="http://schemas.microsoft.com/office/drawing/2014/main" id="{56A48ABF-E430-9B0E-A608-CA945D17D7F1}"/>
+              </a:ext>
+            </a:extLst>
+          </p:cNvPr>
+          <p:cNvSpPr>
+            <a:spLocks noGrp="1"/>
+          </p:cNvSpPr>
+          <p:nvPr>
+            <p:ph type="sldNum" sz="quarter" idx="11"/>
+          </p:nvPr>
+        </p:nvSpPr>
+        <p:spPr/>
+        <p:txBody>
+          <a:bodyPr/>
+          <a:lstStyle/>
+          <a:p>
+            <a:pPr>
+              <a:defRPr/>
+            </a:pPr>
+            <a:fld id="{515CC4ED-1449-4712-AE45-EBC263B4DD26}" type="slidenum">
+              <a:rPr lang="en-US" altLang="ko-KR" smtClean="0">
+                <a:solidFill>
+                  <a:srgbClr val="1F497D">
+                    <a:lumMod val="50000"/>
+                  </a:srgbClr>
+                </a:solidFill>
+              </a:rPr>
+              <a:pPr>
+                <a:defRPr/>
+              </a:pPr>
+              <a:t>12</a:t>
+            </a:fld>
+            <a:r>
+              <a:rPr lang="en-US" altLang="ko-KR">
+                <a:solidFill>
+                  <a:srgbClr val="1F497D">
+                    <a:lumMod val="50000"/>
+                  </a:srgbClr>
+                </a:solidFill>
+              </a:rPr>
+              <a:t> </a:t>
+            </a:r>
+          </a:p>
+        </p:txBody>
+      </p:sp>
+      <p:sp>
+        <p:nvSpPr>
+          <p:cNvPr id="5" name="Footer Placeholder 4">
+            <a:extLst>
+              <a:ext uri="{FF2B5EF4-FFF2-40B4-BE49-F238E27FC236}">
+                <a16:creationId xmlns:a16="http://schemas.microsoft.com/office/drawing/2014/main" id="{44619BD4-E6A7-A916-2E2C-0FC12DC44766}"/>
+              </a:ext>
+            </a:extLst>
+          </p:cNvPr>
+          <p:cNvSpPr>
+            <a:spLocks noGrp="1"/>
+          </p:cNvSpPr>
+          <p:nvPr>
+            <p:ph type="ftr" sz="quarter" idx="3"/>
+          </p:nvPr>
+        </p:nvSpPr>
+        <p:spPr/>
+        <p:txBody>
+          <a:bodyPr/>
+          <a:lstStyle/>
+          <a:p>
+            <a:pPr fontAlgn="base">
+              <a:spcBef>
+                <a:spcPct val="0"/>
+              </a:spcBef>
+              <a:spcAft>
+                <a:spcPct val="0"/>
+              </a:spcAft>
+              <a:defRPr/>
+            </a:pPr>
+            <a:r>
+              <a:rPr kumimoji="1" lang="en-US" altLang="ko-KR">
+                <a:solidFill>
+                  <a:prstClr val="black"/>
+                </a:solidFill>
+              </a:rPr>
+              <a:t>CSCI3150 Intro to OS</a:t>
+            </a:r>
+            <a:endParaRPr kumimoji="1" lang="ko-KR" altLang="en-US" dirty="0">
+              <a:solidFill>
+                <a:prstClr val="black"/>
+              </a:solidFill>
+            </a:endParaRPr>
+          </a:p>
+        </p:txBody>
+      </p:sp>
+    </p:spTree>
+    <p:extLst>
+      <p:ext uri="{BB962C8B-B14F-4D97-AF65-F5344CB8AC3E}">
+        <p14:creationId xmlns:p14="http://schemas.microsoft.com/office/powerpoint/2010/main" val="1150401835"/>
+      </p:ext>
+    </p:extLst>
+  </p:cSld>
+  <p:clrMapOvr>
+    <a:masterClrMapping/>
+  </p:clrMapOvr>
+</p:sld>
+</file>
+
+<file path=ppt/slides/slide13.xml><?xml version="1.0" encoding="utf-8"?>
+<p:sld xmlns:a="http://schemas.openxmlformats.org/drawingml/2006/main" xmlns:r="http://schemas.openxmlformats.org/officeDocument/2006/relationships" xmlns:p="http://schemas.openxmlformats.org/presentationml/2006/main">
+  <p:cSld>
+    <p:spTree>
+      <p:nvGrpSpPr>
+        <p:cNvPr id="1" name=""/>
+        <p:cNvGrpSpPr/>
+        <p:nvPr/>
+      </p:nvGrpSpPr>
+      <p:grpSpPr>
+        <a:xfrm>
+          <a:off x="0" y="0"/>
+          <a:ext cx="0" cy="0"/>
+          <a:chOff x="0" y="0"/>
+          <a:chExt cx="0" cy="0"/>
+        </a:xfrm>
+      </p:grpSpPr>
+      <p:sp>
+        <p:nvSpPr>
+          <p:cNvPr id="2" name="제목 1"/>
+          <p:cNvSpPr>
+            <a:spLocks noGrp="1"/>
+          </p:cNvSpPr>
+          <p:nvPr>
+            <p:ph type="title"/>
+          </p:nvPr>
+        </p:nvSpPr>
+        <p:spPr/>
+        <p:txBody>
+          <a:bodyPr/>
+          <a:lstStyle/>
+          <a:p>
+            <a:r>
+              <a:rPr lang="en-US" altLang="zh-CN" dirty="0"/>
+              <a:t>Issue</a:t>
+            </a:r>
+            <a:r>
+              <a:rPr lang="zh-CN" altLang="en-US" dirty="0"/>
+              <a:t> </a:t>
+            </a:r>
+            <a:r>
+              <a:rPr lang="en-US" altLang="zh-CN" dirty="0"/>
+              <a:t>#3:</a:t>
+            </a:r>
+            <a:r>
+              <a:rPr lang="zh-CN" altLang="en-US" dirty="0"/>
+              <a:t> </a:t>
+            </a:r>
+            <a:r>
+              <a:rPr lang="en-US" altLang="ko-KR" dirty="0"/>
+              <a:t>What About Directories?</a:t>
+            </a:r>
+            <a:endParaRPr lang="ko-KR" altLang="en-US" dirty="0"/>
+          </a:p>
+        </p:txBody>
+      </p:sp>
+      <p:sp>
+        <p:nvSpPr>
+          <p:cNvPr id="3" name="내용 개체 틀 2"/>
+          <p:cNvSpPr>
+            <a:spLocks noGrp="1"/>
+          </p:cNvSpPr>
+          <p:nvPr>
+            <p:ph idx="1"/>
+          </p:nvPr>
+        </p:nvSpPr>
+        <p:spPr>
+          <a:xfrm>
+            <a:off x="223888" y="714178"/>
+            <a:ext cx="8786812" cy="3115504"/>
+          </a:xfrm>
+        </p:spPr>
+        <p:txBody>
+          <a:bodyPr/>
+          <a:lstStyle/>
+          <a:p>
+            <a:r>
+              <a:rPr lang="en-US" altLang="ko-KR" sz="1800" dirty="0"/>
+              <a:t>Directory: a set of &lt;</a:t>
+            </a:r>
+            <a:r>
+              <a:rPr lang="en-US" altLang="ko-KR" sz="1800" dirty="0" err="1"/>
+              <a:t>inode</a:t>
+            </a:r>
+            <a:r>
+              <a:rPr lang="en-US" altLang="ko-KR" sz="1800" dirty="0"/>
+              <a:t>, filename&gt;</a:t>
+            </a:r>
+          </a:p>
+          <a:p>
+            <a:r>
+              <a:rPr lang="en-US" altLang="ko-KR" sz="1800" dirty="0"/>
+              <a:t>How does LFS store directory data?</a:t>
+            </a:r>
+          </a:p>
+          <a:p>
+            <a:r>
+              <a:rPr lang="en-US" altLang="ko-KR" sz="1800" dirty="0"/>
+              <a:t>Creating a file: </a:t>
+            </a:r>
+            <a:r>
+              <a:rPr lang="en-US" altLang="ko-KR" sz="1800" dirty="0">
+                <a:latin typeface="Courier New" panose="02070309020205020404" pitchFamily="49" charset="0"/>
+                <a:cs typeface="Courier New" panose="02070309020205020404" pitchFamily="49" charset="0"/>
+              </a:rPr>
+              <a:t>foo</a:t>
+            </a:r>
+          </a:p>
+          <a:p>
+            <a:pPr lvl="1"/>
+            <a:r>
+              <a:rPr lang="en-US" altLang="ko-KR" sz="1600" dirty="0"/>
+              <a:t>Update the directory </a:t>
+            </a:r>
+            <a:r>
+              <a:rPr lang="en-US" altLang="ko-KR" sz="1600" dirty="0" err="1"/>
+              <a:t>inode</a:t>
+            </a:r>
+            <a:r>
+              <a:rPr lang="en-US" altLang="ko-KR" sz="1600" dirty="0"/>
+              <a:t>. (</a:t>
+            </a:r>
+            <a:r>
+              <a:rPr lang="en-US" altLang="ko-KR" sz="1600" dirty="0" err="1"/>
+              <a:t>inode</a:t>
+            </a:r>
+            <a:r>
+              <a:rPr lang="en-US" altLang="ko-KR" sz="1600" dirty="0"/>
+              <a:t> #: </a:t>
+            </a:r>
+            <a:r>
+              <a:rPr lang="en-US" altLang="ko-KR" sz="1600" dirty="0" err="1"/>
+              <a:t>dir</a:t>
+            </a:r>
+            <a:r>
+              <a:rPr lang="en-US" altLang="ko-KR" sz="1600" dirty="0"/>
+              <a:t>)</a:t>
+            </a:r>
+          </a:p>
+          <a:p>
+            <a:pPr lvl="1"/>
+            <a:r>
+              <a:rPr lang="en-US" altLang="ko-KR" sz="1600" dirty="0"/>
+              <a:t>Update the directory entry. (</a:t>
+            </a:r>
+            <a:r>
+              <a:rPr lang="en-US" altLang="ko-KR" sz="1600" dirty="0">
+                <a:latin typeface="Courier New" panose="02070309020205020404" pitchFamily="49" charset="0"/>
+                <a:cs typeface="Courier New" panose="02070309020205020404" pitchFamily="49" charset="0"/>
+              </a:rPr>
+              <a:t>foo</a:t>
+            </a:r>
+            <a:r>
+              <a:rPr lang="en-US" altLang="ko-KR" sz="1600" dirty="0"/>
+              <a:t>, k)</a:t>
+            </a:r>
+          </a:p>
+          <a:p>
+            <a:pPr lvl="1"/>
+            <a:r>
+              <a:rPr lang="en-US" altLang="ko-KR" sz="1600" dirty="0"/>
+              <a:t>Update </a:t>
+            </a:r>
+            <a:r>
+              <a:rPr lang="en-US" altLang="ko-KR" sz="1600" dirty="0" err="1"/>
+              <a:t>inode</a:t>
+            </a:r>
+            <a:r>
+              <a:rPr lang="en-US" altLang="ko-KR" sz="1600" dirty="0"/>
+              <a:t> for the created file. (</a:t>
+            </a:r>
+            <a:r>
+              <a:rPr lang="en-US" altLang="ko-KR" sz="1600" dirty="0" err="1"/>
+              <a:t>inode</a:t>
+            </a:r>
+            <a:r>
+              <a:rPr lang="en-US" altLang="ko-KR" sz="1600" dirty="0"/>
+              <a:t> #: k)</a:t>
+            </a:r>
+          </a:p>
+          <a:p>
+            <a:pPr lvl="1"/>
+            <a:r>
+              <a:rPr lang="en-US" altLang="ko-KR" sz="1600" dirty="0"/>
+              <a:t>Update the data block for the created file.</a:t>
+            </a:r>
+          </a:p>
+        </p:txBody>
+      </p:sp>
+      <p:sp>
+        <p:nvSpPr>
+          <p:cNvPr id="4" name="슬라이드 번호 개체 틀 3"/>
+          <p:cNvSpPr>
+            <a:spLocks noGrp="1"/>
+          </p:cNvSpPr>
+          <p:nvPr>
+            <p:ph type="sldNum" sz="quarter" idx="11"/>
+          </p:nvPr>
+        </p:nvSpPr>
+        <p:spPr/>
+        <p:txBody>
+          <a:bodyPr/>
+          <a:lstStyle/>
+          <a:p>
+            <a:pPr>
+              <a:defRPr/>
+            </a:pPr>
+            <a:fld id="{515CC4ED-1449-4712-AE45-EBC263B4DD26}" type="slidenum">
+              <a:rPr lang="en-US" altLang="ko-KR" smtClean="0">
+                <a:solidFill>
+                  <a:srgbClr val="1F497D">
+                    <a:lumMod val="50000"/>
+                  </a:srgbClr>
+                </a:solidFill>
+              </a:rPr>
+              <a:pPr>
+                <a:defRPr/>
+              </a:pPr>
+              <a:t>13</a:t>
+            </a:fld>
+            <a:r>
+              <a:rPr lang="en-US" altLang="ko-KR">
+                <a:solidFill>
+                  <a:srgbClr val="1F497D">
+                    <a:lumMod val="50000"/>
+                  </a:srgbClr>
+                </a:solidFill>
+              </a:rPr>
+              <a:t> </a:t>
+            </a:r>
+          </a:p>
+        </p:txBody>
+      </p:sp>
+      <p:sp>
+        <p:nvSpPr>
+          <p:cNvPr id="5" name="바닥글 개체 틀 4"/>
+          <p:cNvSpPr>
+            <a:spLocks noGrp="1"/>
+          </p:cNvSpPr>
+          <p:nvPr>
+            <p:ph type="ftr" sz="quarter" idx="3"/>
+          </p:nvPr>
+        </p:nvSpPr>
+        <p:spPr/>
+        <p:txBody>
+          <a:bodyPr/>
+          <a:lstStyle/>
+          <a:p>
+            <a:pPr>
+              <a:defRPr/>
+            </a:pPr>
+            <a:r>
+              <a:rPr lang="en-US" altLang="ko-KR">
+                <a:solidFill>
+                  <a:prstClr val="black"/>
+                </a:solidFill>
+              </a:rPr>
+              <a:t>CSCI3150 Intro to OS</a:t>
+            </a:r>
+            <a:endParaRPr lang="ko-KR" altLang="en-US">
+              <a:solidFill>
+                <a:prstClr val="black"/>
+              </a:solidFill>
+            </a:endParaRPr>
+          </a:p>
+        </p:txBody>
+      </p:sp>
+      <p:graphicFrame>
+        <p:nvGraphicFramePr>
           <p:cNvPr id="23" name="표 22"/>
           <p:cNvGraphicFramePr>
             <a:graphicFrameLocks noGrp="1"/>
@@ -3180,13 +5674,13 @@
           <p:nvPr>
             <p:extLst>
               <p:ext uri="{D42A27DB-BD31-4B8C-83A1-F6EECF244321}">
-                <p14:modId xmlns:p14="http://schemas.microsoft.com/office/powerpoint/2010/main" val="2314271669"/>
+                <p14:modId xmlns:p14="http://schemas.microsoft.com/office/powerpoint/2010/main" val="789981001"/>
               </p:ext>
             </p:extLst>
           </p:nvPr>
         </p:nvGraphicFramePr>
         <p:xfrm>
-          <a:off x="1331640" y="4287216"/>
+          <a:off x="1331640" y="4575531"/>
           <a:ext cx="6768752" cy="774272"/>
         </p:xfrm>
         <a:graphic>
@@ -3941,7 +6435,7 @@
         </p:nvSpPr>
         <p:spPr>
           <a:xfrm>
-            <a:off x="2611754" y="5065156"/>
+            <a:off x="2611754" y="5353471"/>
             <a:ext cx="402675" cy="307777"/>
           </a:xfrm>
           <a:prstGeom prst="rect">
@@ -3973,7 +6467,7 @@
         </p:nvSpPr>
         <p:spPr>
           <a:xfrm>
-            <a:off x="3331834" y="5065156"/>
+            <a:off x="3331834" y="5353471"/>
             <a:ext cx="402675" cy="307777"/>
           </a:xfrm>
           <a:prstGeom prst="rect">
@@ -4009,7 +6503,7 @@
         </p:nvSpPr>
         <p:spPr>
           <a:xfrm>
-            <a:off x="1891674" y="5065156"/>
+            <a:off x="1891674" y="5353471"/>
             <a:ext cx="402675" cy="307777"/>
           </a:xfrm>
           <a:prstGeom prst="rect">
@@ -4041,7 +6535,7 @@
         </p:nvCxnSpPr>
         <p:spPr>
           <a:xfrm flipH="1" flipV="1">
-            <a:off x="5580112" y="3688336"/>
+            <a:off x="5580112" y="3976651"/>
             <a:ext cx="1" cy="609957"/>
           </a:xfrm>
           <a:prstGeom prst="line">
@@ -4077,7 +6571,7 @@
         </p:nvCxnSpPr>
         <p:spPr>
           <a:xfrm flipH="1" flipV="1">
-            <a:off x="2051282" y="4012790"/>
+            <a:off x="2051282" y="4301105"/>
             <a:ext cx="1008517" cy="2680"/>
           </a:xfrm>
           <a:prstGeom prst="line">
@@ -4116,7 +6610,7 @@
         </p:nvCxnSpPr>
         <p:spPr>
           <a:xfrm>
-            <a:off x="2051282" y="4026972"/>
+            <a:off x="2051282" y="4315287"/>
             <a:ext cx="0" cy="248577"/>
           </a:xfrm>
           <a:prstGeom prst="line">
@@ -4155,7 +6649,7 @@
         </p:nvCxnSpPr>
         <p:spPr>
           <a:xfrm flipV="1">
-            <a:off x="3063925" y="4018541"/>
+            <a:off x="3063925" y="4306856"/>
             <a:ext cx="0" cy="251257"/>
           </a:xfrm>
           <a:prstGeom prst="line">
@@ -4194,7 +6688,7 @@
         </p:nvCxnSpPr>
         <p:spPr>
           <a:xfrm flipV="1">
-            <a:off x="2799562" y="3677259"/>
+            <a:off x="2799562" y="3972510"/>
             <a:ext cx="0" cy="608618"/>
           </a:xfrm>
           <a:prstGeom prst="line">
@@ -4231,7 +6725,7 @@
         </p:nvSpPr>
         <p:spPr>
           <a:xfrm>
-            <a:off x="2771683" y="4285876"/>
+            <a:off x="2771683" y="4574191"/>
             <a:ext cx="792205" cy="276999"/>
           </a:xfrm>
           <a:prstGeom prst="rect">
@@ -4270,7 +6764,7 @@
         </p:nvSpPr>
         <p:spPr>
           <a:xfrm>
-            <a:off x="4944493" y="4253323"/>
+            <a:off x="4944493" y="4541638"/>
             <a:ext cx="923651" cy="430887"/>
           </a:xfrm>
           <a:prstGeom prst="rect">
@@ -4337,7 +6831,7 @@
         </p:nvSpPr>
         <p:spPr>
           <a:xfrm>
-            <a:off x="3576038" y="4264356"/>
+            <a:off x="3576038" y="4552671"/>
             <a:ext cx="623890" cy="276999"/>
           </a:xfrm>
           <a:prstGeom prst="rect">
@@ -4383,7 +6877,7 @@
         </p:nvSpPr>
         <p:spPr>
           <a:xfrm>
-            <a:off x="4221192" y="4253323"/>
+            <a:off x="4221192" y="4541638"/>
             <a:ext cx="792205" cy="276999"/>
           </a:xfrm>
           <a:prstGeom prst="rect">
@@ -4433,7 +6927,7 @@
         </p:nvSpPr>
         <p:spPr>
           <a:xfrm>
-            <a:off x="4051914" y="5065156"/>
+            <a:off x="4051914" y="5353471"/>
             <a:ext cx="402675" cy="307777"/>
           </a:xfrm>
           <a:prstGeom prst="rect">
@@ -4469,7 +6963,7 @@
         </p:nvCxnSpPr>
         <p:spPr>
           <a:xfrm flipH="1" flipV="1">
-            <a:off x="5580111" y="3688336"/>
+            <a:off x="5580111" y="3976651"/>
             <a:ext cx="1" cy="609957"/>
           </a:xfrm>
           <a:prstGeom prst="line">
@@ -4507,7 +7001,7 @@
         </p:nvCxnSpPr>
         <p:spPr>
           <a:xfrm flipH="1">
-            <a:off x="2799562" y="3677259"/>
+            <a:off x="2799562" y="3972510"/>
             <a:ext cx="2780549" cy="0"/>
           </a:xfrm>
           <a:prstGeom prst="line">
@@ -4543,7 +7037,7 @@
         </p:nvCxnSpPr>
         <p:spPr>
           <a:xfrm flipV="1">
-            <a:off x="4254615" y="3956346"/>
+            <a:off x="4254615" y="4244661"/>
             <a:ext cx="0" cy="340608"/>
           </a:xfrm>
           <a:prstGeom prst="line">
@@ -4580,7 +7074,7 @@
         </p:nvCxnSpPr>
         <p:spPr>
           <a:xfrm flipH="1" flipV="1">
-            <a:off x="5364087" y="3956346"/>
+            <a:off x="5364087" y="4244661"/>
             <a:ext cx="2758" cy="329530"/>
           </a:xfrm>
           <a:prstGeom prst="line">
@@ -4616,7 +7110,7 @@
         </p:nvCxnSpPr>
         <p:spPr>
           <a:xfrm flipH="1">
-            <a:off x="4254615" y="3956346"/>
+            <a:off x="4254615" y="4244661"/>
             <a:ext cx="1112231" cy="0"/>
           </a:xfrm>
           <a:prstGeom prst="line">
@@ -4652,7 +7146,7 @@
         </p:nvCxnSpPr>
         <p:spPr>
           <a:xfrm flipH="1">
-            <a:off x="3526386" y="4037299"/>
+            <a:off x="3526386" y="4325614"/>
             <a:ext cx="972386" cy="2680"/>
           </a:xfrm>
           <a:prstGeom prst="line">
@@ -4691,7 +7185,7 @@
         </p:nvCxnSpPr>
         <p:spPr>
           <a:xfrm>
-            <a:off x="3526386" y="4039979"/>
+            <a:off x="3526386" y="4328294"/>
             <a:ext cx="0" cy="248577"/>
           </a:xfrm>
           <a:prstGeom prst="line">
@@ -4730,7 +7224,7 @@
         </p:nvCxnSpPr>
         <p:spPr>
           <a:xfrm flipV="1">
-            <a:off x="4498772" y="4037299"/>
+            <a:off x="4498772" y="4325614"/>
             <a:ext cx="0" cy="251257"/>
           </a:xfrm>
           <a:prstGeom prst="line">
@@ -4761,263 +7255,6 @@
           </a:fontRef>
         </p:style>
       </p:cxnSp>
-      <p:sp>
-        <p:nvSpPr>
-          <p:cNvPr id="28" name="내용 개체 틀 2">
-            <a:extLst>
-              <a:ext uri="{FF2B5EF4-FFF2-40B4-BE49-F238E27FC236}">
-                <a16:creationId xmlns:a16="http://schemas.microsoft.com/office/drawing/2014/main" id="{098B04BD-03E2-1449-9AB5-A107E9B3AED9}"/>
-              </a:ext>
-            </a:extLst>
-          </p:cNvPr>
-          <p:cNvSpPr txBox="1">
-            <a:spLocks/>
-          </p:cNvSpPr>
-          <p:nvPr/>
-        </p:nvSpPr>
-        <p:spPr bwMode="auto">
-          <a:xfrm>
-            <a:off x="249684" y="5446886"/>
-            <a:ext cx="8670428" cy="986896"/>
-          </a:xfrm>
-          <a:prstGeom prst="rect">
-            <a:avLst/>
-          </a:prstGeom>
-          <a:noFill/>
-          <a:ln w="9525">
-            <a:noFill/>
-            <a:miter lim="800000"/>
-            <a:headEnd/>
-            <a:tailEnd/>
-          </a:ln>
-        </p:spPr>
-        <p:txBody>
-          <a:bodyPr vert="horz" wrap="square" lIns="91440" tIns="45720" rIns="91440" bIns="45720" numCol="1" anchor="t" anchorCtr="0" compatLnSpc="1">
-            <a:prstTxWarp prst="textNoShape">
-              <a:avLst/>
-            </a:prstTxWarp>
-          </a:bodyPr>
-          <a:lstStyle>
-            <a:lvl1pPr marL="342900" indent="-342900" algn="l" rtl="0" eaLnBrk="0" fontAlgn="base" latinLnBrk="1" hangingPunct="0">
-              <a:lnSpc>
-                <a:spcPct val="150000"/>
-              </a:lnSpc>
-              <a:spcBef>
-                <a:spcPct val="20000"/>
-              </a:spcBef>
-              <a:spcAft>
-                <a:spcPct val="0"/>
-              </a:spcAft>
-              <a:buClr>
-                <a:srgbClr val="002060"/>
-              </a:buClr>
-              <a:buSzPct val="65000"/>
-              <a:buFont typeface="Wingdings" pitchFamily="2" charset="2"/>
-              <a:buChar char=""/>
-              <a:defRPr kumimoji="1" sz="2000" b="0">
-                <a:solidFill>
-                  <a:schemeClr val="tx1"/>
-                </a:solidFill>
-                <a:latin typeface="맑은 고딕" pitchFamily="50" charset="-127"/>
-                <a:ea typeface="맑은 고딕" pitchFamily="50" charset="-127"/>
-                <a:cs typeface="+mn-cs"/>
-              </a:defRPr>
-            </a:lvl1pPr>
-            <a:lvl2pPr marL="742950" indent="-285750" algn="l" rtl="0" eaLnBrk="0" fontAlgn="base" latinLnBrk="1" hangingPunct="0">
-              <a:lnSpc>
-                <a:spcPct val="150000"/>
-              </a:lnSpc>
-              <a:spcBef>
-                <a:spcPct val="20000"/>
-              </a:spcBef>
-              <a:spcAft>
-                <a:spcPct val="0"/>
-              </a:spcAft>
-              <a:buClr>
-                <a:srgbClr val="002060"/>
-              </a:buClr>
-              <a:buSzPct val="100000"/>
-              <a:buFont typeface="Wingdings" pitchFamily="2" charset="2"/>
-              <a:buChar char=""/>
-              <a:defRPr kumimoji="1" sz="1800">
-                <a:solidFill>
-                  <a:schemeClr val="tx1"/>
-                </a:solidFill>
-                <a:latin typeface="맑은 고딕" pitchFamily="50" charset="-127"/>
-                <a:ea typeface="맑은 고딕" pitchFamily="50" charset="-127"/>
-              </a:defRPr>
-            </a:lvl2pPr>
-            <a:lvl3pPr marL="1143000" indent="-228600" algn="l" rtl="0" eaLnBrk="0" fontAlgn="base" latinLnBrk="1" hangingPunct="0">
-              <a:lnSpc>
-                <a:spcPct val="150000"/>
-              </a:lnSpc>
-              <a:spcBef>
-                <a:spcPct val="20000"/>
-              </a:spcBef>
-              <a:spcAft>
-                <a:spcPct val="0"/>
-              </a:spcAft>
-              <a:buClr>
-                <a:srgbClr val="002060"/>
-              </a:buClr>
-              <a:buSzPct val="65000"/>
-              <a:buFont typeface="Wingdings" pitchFamily="2" charset="2"/>
-              <a:buChar char=""/>
-              <a:defRPr kumimoji="1" sz="1600">
-                <a:solidFill>
-                  <a:schemeClr val="tx1"/>
-                </a:solidFill>
-                <a:latin typeface="맑은 고딕" pitchFamily="50" charset="-127"/>
-                <a:ea typeface="맑은 고딕" pitchFamily="50" charset="-127"/>
-              </a:defRPr>
-            </a:lvl3pPr>
-            <a:lvl4pPr marL="1600200" indent="-228600" algn="l" rtl="0" eaLnBrk="0" fontAlgn="base" latinLnBrk="1" hangingPunct="0">
-              <a:lnSpc>
-                <a:spcPct val="150000"/>
-              </a:lnSpc>
-              <a:spcBef>
-                <a:spcPct val="20000"/>
-              </a:spcBef>
-              <a:spcAft>
-                <a:spcPct val="0"/>
-              </a:spcAft>
-              <a:buClr>
-                <a:srgbClr val="002060"/>
-              </a:buClr>
-              <a:buSzPct val="65000"/>
-              <a:buFont typeface="Wingdings" pitchFamily="2" charset="2"/>
-              <a:buChar char=""/>
-              <a:defRPr kumimoji="1" sz="1400">
-                <a:solidFill>
-                  <a:schemeClr val="tx1"/>
-                </a:solidFill>
-                <a:latin typeface="맑은 고딕" pitchFamily="50" charset="-127"/>
-                <a:ea typeface="맑은 고딕" pitchFamily="50" charset="-127"/>
-              </a:defRPr>
-            </a:lvl4pPr>
-            <a:lvl5pPr marL="2057400" indent="-228600" algn="l" rtl="0" eaLnBrk="0" fontAlgn="base" latinLnBrk="1" hangingPunct="0">
-              <a:lnSpc>
-                <a:spcPct val="150000"/>
-              </a:lnSpc>
-              <a:spcBef>
-                <a:spcPct val="20000"/>
-              </a:spcBef>
-              <a:spcAft>
-                <a:spcPct val="0"/>
-              </a:spcAft>
-              <a:buClr>
-                <a:srgbClr val="002060"/>
-              </a:buClr>
-              <a:buFont typeface="Wingdings" pitchFamily="2" charset="2"/>
-              <a:buChar char=""/>
-              <a:defRPr kumimoji="1" sz="1400">
-                <a:solidFill>
-                  <a:schemeClr val="tx1"/>
-                </a:solidFill>
-                <a:latin typeface="맑은 고딕" pitchFamily="50" charset="-127"/>
-                <a:ea typeface="맑은 고딕" pitchFamily="50" charset="-127"/>
-              </a:defRPr>
-            </a:lvl5pPr>
-            <a:lvl6pPr marL="2514600" indent="-228600" algn="l" rtl="0" eaLnBrk="1" fontAlgn="base" latinLnBrk="1" hangingPunct="1">
-              <a:spcBef>
-                <a:spcPct val="20000"/>
-              </a:spcBef>
-              <a:spcAft>
-                <a:spcPct val="0"/>
-              </a:spcAft>
-              <a:buChar char="»"/>
-              <a:defRPr kumimoji="1" sz="2000">
-                <a:solidFill>
-                  <a:schemeClr val="tx1"/>
-                </a:solidFill>
-                <a:latin typeface="+mn-lt"/>
-                <a:ea typeface="+mn-ea"/>
-              </a:defRPr>
-            </a:lvl6pPr>
-            <a:lvl7pPr marL="2971800" indent="-228600" algn="l" rtl="0" eaLnBrk="1" fontAlgn="base" latinLnBrk="1" hangingPunct="1">
-              <a:spcBef>
-                <a:spcPct val="20000"/>
-              </a:spcBef>
-              <a:spcAft>
-                <a:spcPct val="0"/>
-              </a:spcAft>
-              <a:buChar char="»"/>
-              <a:defRPr kumimoji="1" sz="2000">
-                <a:solidFill>
-                  <a:schemeClr val="tx1"/>
-                </a:solidFill>
-                <a:latin typeface="+mn-lt"/>
-                <a:ea typeface="+mn-ea"/>
-              </a:defRPr>
-            </a:lvl7pPr>
-            <a:lvl8pPr marL="3429000" indent="-228600" algn="l" rtl="0" eaLnBrk="1" fontAlgn="base" latinLnBrk="1" hangingPunct="1">
-              <a:spcBef>
-                <a:spcPct val="20000"/>
-              </a:spcBef>
-              <a:spcAft>
-                <a:spcPct val="0"/>
-              </a:spcAft>
-              <a:buChar char="»"/>
-              <a:defRPr kumimoji="1" sz="2000">
-                <a:solidFill>
-                  <a:schemeClr val="tx1"/>
-                </a:solidFill>
-                <a:latin typeface="+mn-lt"/>
-                <a:ea typeface="+mn-ea"/>
-              </a:defRPr>
-            </a:lvl8pPr>
-            <a:lvl9pPr marL="3886200" indent="-228600" algn="l" rtl="0" eaLnBrk="1" fontAlgn="base" latinLnBrk="1" hangingPunct="1">
-              <a:spcBef>
-                <a:spcPct val="20000"/>
-              </a:spcBef>
-              <a:spcAft>
-                <a:spcPct val="0"/>
-              </a:spcAft>
-              <a:buChar char="»"/>
-              <a:defRPr kumimoji="1" sz="2000">
-                <a:solidFill>
-                  <a:schemeClr val="tx1"/>
-                </a:solidFill>
-                <a:latin typeface="+mn-lt"/>
-                <a:ea typeface="+mn-ea"/>
-              </a:defRPr>
-            </a:lvl9pPr>
-          </a:lstStyle>
-          <a:p>
-            <a:r>
-              <a:rPr lang="en-US" altLang="ko-KR" sz="1600" kern="0" dirty="0"/>
-              <a:t>Recursive update (cascade update issue): the location of the </a:t>
-            </a:r>
-            <a:r>
-              <a:rPr lang="en-US" altLang="ko-KR" sz="1600" kern="0" dirty="0" err="1"/>
-              <a:t>inode</a:t>
-            </a:r>
-            <a:r>
-              <a:rPr lang="en-US" altLang="ko-KR" sz="1600" kern="0" dirty="0"/>
-              <a:t> keeps changing. </a:t>
-            </a:r>
-            <a:r>
-              <a:rPr lang="en-US" altLang="ko-KR" sz="1600" kern="0" dirty="0">
-                <a:sym typeface="Wingdings" pitchFamily="2" charset="2"/>
-              </a:rPr>
-              <a:t> the associated directory entry can be updated as well.  solved by </a:t>
-            </a:r>
-            <a:r>
-              <a:rPr lang="en-US" altLang="ko-KR" sz="1600" kern="0" dirty="0" err="1">
-                <a:sym typeface="Wingdings" pitchFamily="2" charset="2"/>
-              </a:rPr>
-              <a:t>inode</a:t>
-            </a:r>
-            <a:r>
-              <a:rPr lang="en-US" altLang="ko-KR" sz="1600" kern="0" dirty="0">
-                <a:sym typeface="Wingdings" pitchFamily="2" charset="2"/>
-              </a:rPr>
-              <a:t> map.</a:t>
-            </a:r>
-            <a:endParaRPr lang="en-US" altLang="ko-KR" sz="1600" kern="0" dirty="0"/>
-          </a:p>
-        </p:txBody>
-      </p:sp>
     </p:spTree>
     <p:extLst>
       <p:ext uri="{BB962C8B-B14F-4D97-AF65-F5344CB8AC3E}">
@@ -5031,7 +7268,1515 @@
 </p:sld>
 </file>
 
-<file path=ppt/slides/slide11.xml><?xml version="1.0" encoding="utf-8"?>
+<file path=ppt/slides/slide14.xml><?xml version="1.0" encoding="utf-8"?>
+<p:sld xmlns:a="http://schemas.openxmlformats.org/drawingml/2006/main" xmlns:r="http://schemas.openxmlformats.org/officeDocument/2006/relationships" xmlns:p="http://schemas.openxmlformats.org/presentationml/2006/main">
+  <p:cSld>
+    <p:spTree>
+      <p:nvGrpSpPr>
+        <p:cNvPr id="1" name=""/>
+        <p:cNvGrpSpPr/>
+        <p:nvPr/>
+      </p:nvGrpSpPr>
+      <p:grpSpPr>
+        <a:xfrm>
+          <a:off x="0" y="0"/>
+          <a:ext cx="0" cy="0"/>
+          <a:chOff x="0" y="0"/>
+          <a:chExt cx="0" cy="0"/>
+        </a:xfrm>
+      </p:grpSpPr>
+      <p:sp>
+        <p:nvSpPr>
+          <p:cNvPr id="2" name="Title 1">
+            <a:extLst>
+              <a:ext uri="{FF2B5EF4-FFF2-40B4-BE49-F238E27FC236}">
+                <a16:creationId xmlns:a16="http://schemas.microsoft.com/office/drawing/2014/main" id="{7010E4C5-E508-1DAB-46D3-31C3E7F42203}"/>
+              </a:ext>
+            </a:extLst>
+          </p:cNvPr>
+          <p:cNvSpPr>
+            <a:spLocks noGrp="1"/>
+          </p:cNvSpPr>
+          <p:nvPr>
+            <p:ph type="title"/>
+          </p:nvPr>
+        </p:nvSpPr>
+        <p:spPr/>
+        <p:txBody>
+          <a:bodyPr/>
+          <a:lstStyle/>
+          <a:p>
+            <a:r>
+              <a:rPr lang="en-US" altLang="zh-CN" dirty="0"/>
+              <a:t>Issue</a:t>
+            </a:r>
+            <a:r>
+              <a:rPr lang="zh-CN" altLang="en-US" dirty="0"/>
+              <a:t> </a:t>
+            </a:r>
+            <a:r>
+              <a:rPr lang="en-US" altLang="zh-CN" dirty="0"/>
+              <a:t>#3:</a:t>
+            </a:r>
+            <a:r>
+              <a:rPr lang="zh-CN" altLang="en-US" dirty="0"/>
+              <a:t> </a:t>
+            </a:r>
+            <a:r>
+              <a:rPr lang="en-US" altLang="ko-KR" dirty="0"/>
+              <a:t>What About Directories?</a:t>
+            </a:r>
+            <a:endParaRPr lang="en-US" dirty="0"/>
+          </a:p>
+        </p:txBody>
+      </p:sp>
+      <p:sp>
+        <p:nvSpPr>
+          <p:cNvPr id="3" name="Content Placeholder 2">
+            <a:extLst>
+              <a:ext uri="{FF2B5EF4-FFF2-40B4-BE49-F238E27FC236}">
+                <a16:creationId xmlns:a16="http://schemas.microsoft.com/office/drawing/2014/main" id="{E31DB443-F83B-3FD4-0B8A-874B5D7A20E9}"/>
+              </a:ext>
+            </a:extLst>
+          </p:cNvPr>
+          <p:cNvSpPr>
+            <a:spLocks noGrp="1"/>
+          </p:cNvSpPr>
+          <p:nvPr>
+            <p:ph idx="1"/>
+          </p:nvPr>
+        </p:nvSpPr>
+        <p:spPr/>
+        <p:txBody>
+          <a:bodyPr/>
+          <a:lstStyle/>
+          <a:p>
+            <a:pPr latinLnBrk="0" hangingPunct="0"/>
+            <a:r>
+              <a:rPr lang="en-US" altLang="zh-CN" dirty="0"/>
+              <a:t>Recursive</a:t>
+            </a:r>
+            <a:r>
+              <a:rPr lang="zh-CN" altLang="en-US" dirty="0"/>
+              <a:t> </a:t>
+            </a:r>
+            <a:r>
+              <a:rPr lang="en-US" altLang="zh-CN" dirty="0"/>
+              <a:t>update:</a:t>
+            </a:r>
+            <a:r>
+              <a:rPr lang="zh-CN" altLang="en-US" dirty="0"/>
+              <a:t> </a:t>
+            </a:r>
+            <a:r>
+              <a:rPr lang="en-US" altLang="zh-CN" dirty="0"/>
+              <a:t>A</a:t>
+            </a:r>
+            <a:r>
+              <a:rPr lang="zh-CN" altLang="en-US" dirty="0"/>
+              <a:t> </a:t>
+            </a:r>
+            <a:r>
+              <a:rPr lang="en-US" altLang="zh-CN" dirty="0"/>
+              <a:t>serious</a:t>
+            </a:r>
+            <a:r>
+              <a:rPr lang="zh-CN" altLang="en-US" dirty="0"/>
+              <a:t> </a:t>
+            </a:r>
+            <a:r>
+              <a:rPr lang="en-US" altLang="zh-CN" dirty="0"/>
+              <a:t>problem</a:t>
+            </a:r>
+            <a:r>
+              <a:rPr lang="zh-CN" altLang="en-US" dirty="0"/>
+              <a:t> </a:t>
+            </a:r>
+            <a:r>
+              <a:rPr lang="en-US" altLang="zh-CN" dirty="0"/>
+              <a:t>in</a:t>
+            </a:r>
+            <a:r>
+              <a:rPr lang="zh-CN" altLang="en-US" dirty="0"/>
+              <a:t> </a:t>
+            </a:r>
+            <a:r>
+              <a:rPr lang="en-US" altLang="zh-CN" dirty="0"/>
+              <a:t>any</a:t>
+            </a:r>
+            <a:r>
+              <a:rPr lang="zh-CN" altLang="en-US" dirty="0"/>
+              <a:t> </a:t>
+            </a:r>
+            <a:r>
+              <a:rPr lang="en-US" altLang="zh-CN" dirty="0"/>
+              <a:t>FS</a:t>
+            </a:r>
+            <a:r>
+              <a:rPr lang="zh-CN" altLang="en-US" dirty="0"/>
+              <a:t> </a:t>
+            </a:r>
+            <a:r>
+              <a:rPr lang="en-US" altLang="zh-CN" dirty="0"/>
+              <a:t>that</a:t>
+            </a:r>
+            <a:r>
+              <a:rPr lang="zh-CN" altLang="en-US" dirty="0"/>
+              <a:t> </a:t>
+            </a:r>
+            <a:r>
+              <a:rPr lang="en-US" altLang="zh-CN" dirty="0"/>
+              <a:t>never</a:t>
+            </a:r>
+            <a:r>
+              <a:rPr lang="zh-CN" altLang="en-US" dirty="0"/>
+              <a:t> </a:t>
+            </a:r>
+            <a:r>
+              <a:rPr lang="en-US" altLang="zh-CN" dirty="0"/>
+              <a:t>updates</a:t>
+            </a:r>
+            <a:r>
+              <a:rPr lang="zh-CN" altLang="en-US" dirty="0"/>
+              <a:t> </a:t>
+            </a:r>
+            <a:r>
+              <a:rPr lang="en-US" altLang="zh-CN" dirty="0"/>
+              <a:t>in</a:t>
+            </a:r>
+            <a:r>
+              <a:rPr lang="zh-CN" altLang="en-US" dirty="0"/>
+              <a:t> </a:t>
+            </a:r>
+            <a:r>
+              <a:rPr lang="en-US" altLang="zh-CN" dirty="0"/>
+              <a:t>place</a:t>
+            </a:r>
+          </a:p>
+          <a:p>
+            <a:pPr lvl="1" latinLnBrk="0" hangingPunct="0"/>
+            <a:r>
+              <a:rPr lang="en-US" altLang="zh-CN" dirty="0"/>
+              <a:t>Whenever</a:t>
+            </a:r>
+            <a:r>
+              <a:rPr lang="zh-CN" altLang="en-US" dirty="0"/>
+              <a:t> </a:t>
+            </a:r>
+            <a:r>
+              <a:rPr lang="en-US" altLang="zh-CN" dirty="0"/>
+              <a:t>an</a:t>
+            </a:r>
+            <a:r>
+              <a:rPr lang="zh-CN" altLang="en-US" dirty="0"/>
+              <a:t> </a:t>
+            </a:r>
+            <a:r>
+              <a:rPr lang="en-US" altLang="zh-CN" dirty="0" err="1"/>
+              <a:t>inode</a:t>
+            </a:r>
+            <a:r>
+              <a:rPr lang="zh-CN" altLang="en-US" dirty="0"/>
+              <a:t> </a:t>
+            </a:r>
+            <a:r>
+              <a:rPr lang="en-US" altLang="zh-CN" dirty="0"/>
+              <a:t>is</a:t>
+            </a:r>
+            <a:r>
+              <a:rPr lang="zh-CN" altLang="en-US" dirty="0"/>
+              <a:t> </a:t>
+            </a:r>
+            <a:r>
+              <a:rPr lang="en-US" altLang="zh-CN" dirty="0"/>
+              <a:t>updated,</a:t>
+            </a:r>
+            <a:r>
+              <a:rPr lang="zh-CN" altLang="en-US" dirty="0"/>
+              <a:t> </a:t>
+            </a:r>
+            <a:r>
+              <a:rPr lang="en-US" altLang="zh-CN" dirty="0"/>
+              <a:t>its</a:t>
+            </a:r>
+            <a:r>
+              <a:rPr lang="zh-CN" altLang="en-US" dirty="0"/>
+              <a:t> </a:t>
+            </a:r>
+            <a:r>
+              <a:rPr lang="en-US" altLang="zh-CN" dirty="0">
+                <a:solidFill>
+                  <a:srgbClr val="FF0000"/>
+                </a:solidFill>
+              </a:rPr>
+              <a:t>location</a:t>
+            </a:r>
+            <a:r>
+              <a:rPr lang="zh-CN" altLang="en-US" dirty="0"/>
+              <a:t> </a:t>
+            </a:r>
+            <a:r>
+              <a:rPr lang="en-US" altLang="zh-CN" dirty="0"/>
+              <a:t>on</a:t>
+            </a:r>
+            <a:r>
+              <a:rPr lang="zh-CN" altLang="en-US" dirty="0"/>
+              <a:t> </a:t>
+            </a:r>
+            <a:r>
+              <a:rPr lang="en-US" altLang="zh-CN" dirty="0"/>
+              <a:t>disk</a:t>
+            </a:r>
+            <a:r>
+              <a:rPr lang="zh-CN" altLang="en-US" dirty="0"/>
+              <a:t> </a:t>
+            </a:r>
+            <a:r>
+              <a:rPr lang="en-US" altLang="zh-CN" dirty="0"/>
+              <a:t>changes</a:t>
+            </a:r>
+          </a:p>
+          <a:p>
+            <a:pPr lvl="2" latinLnBrk="0" hangingPunct="0"/>
+            <a:r>
+              <a:rPr lang="en-US" altLang="zh-CN" dirty="0"/>
+              <a:t>To</a:t>
+            </a:r>
+            <a:r>
+              <a:rPr lang="zh-CN" altLang="en-US" dirty="0"/>
+              <a:t> </a:t>
+            </a:r>
+            <a:r>
+              <a:rPr lang="en-US" altLang="zh-CN" dirty="0"/>
+              <a:t>keep</a:t>
+            </a:r>
+            <a:r>
+              <a:rPr lang="zh-CN" altLang="en-US" dirty="0"/>
+              <a:t> </a:t>
+            </a:r>
+            <a:r>
+              <a:rPr lang="en-US" altLang="zh-CN" dirty="0"/>
+              <a:t>track</a:t>
+            </a:r>
+            <a:r>
+              <a:rPr lang="zh-CN" altLang="en-US" dirty="0"/>
+              <a:t> </a:t>
+            </a:r>
+            <a:r>
+              <a:rPr lang="en-US" altLang="zh-CN" dirty="0"/>
+              <a:t>of</a:t>
+            </a:r>
+            <a:r>
+              <a:rPr lang="zh-CN" altLang="en-US" dirty="0"/>
+              <a:t> </a:t>
+            </a:r>
+            <a:r>
+              <a:rPr lang="en-US" altLang="zh-CN" dirty="0" err="1"/>
+              <a:t>inodes</a:t>
+            </a:r>
+            <a:r>
+              <a:rPr lang="en-US" altLang="zh-CN" dirty="0"/>
+              <a:t>,</a:t>
+            </a:r>
+            <a:r>
+              <a:rPr lang="zh-CN" altLang="en-US" dirty="0"/>
+              <a:t> </a:t>
+            </a:r>
+            <a:r>
+              <a:rPr lang="en-US" altLang="zh-CN" dirty="0"/>
+              <a:t>a</a:t>
+            </a:r>
+            <a:r>
+              <a:rPr lang="zh-CN" altLang="en-US" dirty="0"/>
+              <a:t> </a:t>
+            </a:r>
+            <a:r>
+              <a:rPr lang="en-US" altLang="zh-CN" dirty="0"/>
+              <a:t>directory</a:t>
+            </a:r>
+            <a:r>
+              <a:rPr lang="zh-CN" altLang="en-US" dirty="0"/>
+              <a:t> </a:t>
+            </a:r>
+            <a:r>
+              <a:rPr lang="en-US" altLang="zh-CN" dirty="0"/>
+              <a:t>may</a:t>
+            </a:r>
+            <a:r>
+              <a:rPr lang="zh-CN" altLang="en-US" dirty="0"/>
+              <a:t> </a:t>
+            </a:r>
+            <a:r>
+              <a:rPr lang="en-US" altLang="zh-CN" dirty="0"/>
+              <a:t>have</a:t>
+            </a:r>
+            <a:r>
+              <a:rPr lang="zh-CN" altLang="en-US" dirty="0"/>
+              <a:t> </a:t>
+            </a:r>
+            <a:r>
+              <a:rPr lang="en-US" altLang="zh-CN" dirty="0"/>
+              <a:t>to</a:t>
+            </a:r>
+            <a:r>
+              <a:rPr lang="zh-CN" altLang="en-US" dirty="0"/>
+              <a:t> </a:t>
+            </a:r>
+            <a:r>
+              <a:rPr lang="en-US" altLang="zh-CN" dirty="0"/>
+              <a:t>record</a:t>
+            </a:r>
+            <a:r>
+              <a:rPr lang="zh-CN" altLang="en-US" dirty="0"/>
+              <a:t> </a:t>
+            </a:r>
+            <a:r>
+              <a:rPr lang="en-US" altLang="zh-CN" dirty="0"/>
+              <a:t>a</a:t>
+            </a:r>
+            <a:r>
+              <a:rPr lang="zh-CN" altLang="en-US" dirty="0"/>
+              <a:t> </a:t>
+            </a:r>
+            <a:r>
+              <a:rPr lang="en-US" altLang="zh-CN" dirty="0"/>
+              <a:t>collection</a:t>
+            </a:r>
+            <a:r>
+              <a:rPr lang="zh-CN" altLang="en-US" dirty="0"/>
+              <a:t> </a:t>
+            </a:r>
+            <a:r>
+              <a:rPr lang="en-US" altLang="zh-CN" dirty="0"/>
+              <a:t>of</a:t>
+            </a:r>
+            <a:r>
+              <a:rPr lang="zh-CN" altLang="en-US" dirty="0"/>
+              <a:t> </a:t>
+            </a:r>
+            <a:r>
+              <a:rPr lang="en-US" altLang="zh-CN" dirty="0"/>
+              <a:t>(name,</a:t>
+            </a:r>
+            <a:r>
+              <a:rPr lang="zh-CN" altLang="en-US" dirty="0"/>
+              <a:t> </a:t>
+            </a:r>
+            <a:r>
+              <a:rPr lang="en-US" altLang="zh-CN" dirty="0" err="1"/>
+              <a:t>inode</a:t>
+            </a:r>
+            <a:r>
+              <a:rPr lang="en-US" altLang="zh-CN" dirty="0"/>
+              <a:t>-</a:t>
+            </a:r>
+            <a:r>
+              <a:rPr lang="en-US" altLang="zh-CN" dirty="0">
+                <a:solidFill>
+                  <a:srgbClr val="FF0000"/>
+                </a:solidFill>
+              </a:rPr>
+              <a:t>location</a:t>
+            </a:r>
+            <a:r>
+              <a:rPr lang="en-US" altLang="zh-CN" dirty="0"/>
+              <a:t>)</a:t>
+            </a:r>
+            <a:r>
+              <a:rPr lang="zh-CN" altLang="en-US" dirty="0"/>
+              <a:t> </a:t>
+            </a:r>
+            <a:r>
+              <a:rPr lang="en-US" altLang="zh-CN" dirty="0"/>
+              <a:t>pairs</a:t>
+            </a:r>
+            <a:r>
+              <a:rPr lang="zh-CN" altLang="en-US" dirty="0"/>
+              <a:t> </a:t>
+            </a:r>
+            <a:r>
+              <a:rPr lang="en-US" altLang="zh-CN" dirty="0"/>
+              <a:t>instead</a:t>
+            </a:r>
+          </a:p>
+          <a:p>
+            <a:pPr lvl="1" latinLnBrk="0" hangingPunct="0"/>
+            <a:r>
+              <a:rPr lang="en-US" altLang="zh-CN" dirty="0"/>
+              <a:t>This</a:t>
+            </a:r>
+            <a:r>
+              <a:rPr lang="zh-CN" altLang="en-US" dirty="0"/>
+              <a:t> </a:t>
+            </a:r>
+            <a:r>
+              <a:rPr lang="en-US" altLang="zh-CN" dirty="0"/>
+              <a:t>would</a:t>
+            </a:r>
+            <a:r>
+              <a:rPr lang="zh-CN" altLang="en-US" dirty="0"/>
+              <a:t> </a:t>
+            </a:r>
+            <a:r>
+              <a:rPr lang="en-US" altLang="zh-CN" dirty="0"/>
+              <a:t>have</a:t>
+            </a:r>
+            <a:r>
+              <a:rPr lang="zh-CN" altLang="en-US" dirty="0"/>
+              <a:t> </a:t>
+            </a:r>
+            <a:r>
+              <a:rPr lang="en-US" altLang="zh-CN" dirty="0"/>
+              <a:t>also</a:t>
+            </a:r>
+            <a:r>
+              <a:rPr lang="zh-CN" altLang="en-US" dirty="0"/>
+              <a:t> </a:t>
+            </a:r>
+            <a:r>
+              <a:rPr lang="en-US" altLang="zh-CN" dirty="0"/>
+              <a:t>entailed</a:t>
+            </a:r>
+            <a:r>
+              <a:rPr lang="zh-CN" altLang="en-US" dirty="0"/>
+              <a:t> </a:t>
+            </a:r>
+            <a:r>
+              <a:rPr lang="en-US" altLang="zh-CN" dirty="0">
+                <a:solidFill>
+                  <a:srgbClr val="FF0000"/>
+                </a:solidFill>
+              </a:rPr>
+              <a:t>recursive</a:t>
+            </a:r>
+            <a:r>
+              <a:rPr lang="zh-CN" altLang="en-US" dirty="0">
+                <a:solidFill>
+                  <a:srgbClr val="FF0000"/>
+                </a:solidFill>
+              </a:rPr>
+              <a:t> </a:t>
+            </a:r>
+            <a:r>
+              <a:rPr lang="en-US" altLang="zh-CN" dirty="0">
+                <a:solidFill>
+                  <a:srgbClr val="FF0000"/>
+                </a:solidFill>
+              </a:rPr>
+              <a:t>updates</a:t>
+            </a:r>
+            <a:r>
+              <a:rPr lang="zh-CN" altLang="en-US" dirty="0">
+                <a:solidFill>
+                  <a:srgbClr val="FF0000"/>
+                </a:solidFill>
+              </a:rPr>
+              <a:t> </a:t>
+            </a:r>
+            <a:r>
+              <a:rPr lang="en-US" altLang="zh-CN" dirty="0"/>
+              <a:t>to</a:t>
+            </a:r>
+            <a:r>
+              <a:rPr lang="zh-CN" altLang="en-US" dirty="0"/>
+              <a:t> </a:t>
+            </a:r>
+            <a:r>
+              <a:rPr lang="en-US" altLang="zh-CN" dirty="0"/>
+              <a:t>the</a:t>
+            </a:r>
+            <a:r>
+              <a:rPr lang="zh-CN" altLang="en-US" dirty="0"/>
+              <a:t> </a:t>
+            </a:r>
+            <a:r>
+              <a:rPr lang="en-US" altLang="zh-CN" dirty="0"/>
+              <a:t>directory</a:t>
+            </a:r>
+            <a:r>
+              <a:rPr lang="zh-CN" altLang="en-US" dirty="0"/>
+              <a:t> </a:t>
+            </a:r>
+            <a:r>
+              <a:rPr lang="en-US" altLang="zh-CN" dirty="0"/>
+              <a:t>that</a:t>
+            </a:r>
+            <a:r>
+              <a:rPr lang="zh-CN" altLang="en-US" dirty="0"/>
+              <a:t> </a:t>
+            </a:r>
+            <a:r>
+              <a:rPr lang="en-US" altLang="zh-CN" dirty="0"/>
+              <a:t>points</a:t>
+            </a:r>
+            <a:r>
+              <a:rPr lang="zh-CN" altLang="en-US" dirty="0"/>
+              <a:t> </a:t>
+            </a:r>
+            <a:r>
+              <a:rPr lang="en-US" altLang="zh-CN" dirty="0"/>
+              <a:t>to</a:t>
+            </a:r>
+            <a:r>
+              <a:rPr lang="zh-CN" altLang="en-US" dirty="0"/>
+              <a:t> </a:t>
+            </a:r>
+            <a:r>
+              <a:rPr lang="en-US" altLang="zh-CN" dirty="0"/>
+              <a:t>the</a:t>
+            </a:r>
+            <a:r>
+              <a:rPr lang="zh-CN" altLang="en-US" dirty="0"/>
+              <a:t> </a:t>
+            </a:r>
+            <a:r>
+              <a:rPr lang="en-US" altLang="zh-CN" dirty="0"/>
+              <a:t>file,</a:t>
+            </a:r>
+            <a:r>
+              <a:rPr lang="zh-CN" altLang="en-US" dirty="0"/>
+              <a:t> </a:t>
+            </a:r>
+            <a:r>
+              <a:rPr lang="en-US" altLang="zh-CN" dirty="0"/>
+              <a:t>the</a:t>
+            </a:r>
+            <a:r>
+              <a:rPr lang="zh-CN" altLang="en-US" dirty="0"/>
+              <a:t> </a:t>
+            </a:r>
+            <a:r>
+              <a:rPr lang="en-US" altLang="zh-CN" dirty="0"/>
+              <a:t>parent</a:t>
+            </a:r>
+            <a:r>
+              <a:rPr lang="zh-CN" altLang="en-US" dirty="0"/>
+              <a:t> </a:t>
+            </a:r>
+            <a:r>
+              <a:rPr lang="en-US" altLang="zh-CN" dirty="0"/>
+              <a:t>of</a:t>
+            </a:r>
+            <a:r>
+              <a:rPr lang="zh-CN" altLang="en-US" dirty="0"/>
+              <a:t> </a:t>
+            </a:r>
+            <a:r>
+              <a:rPr lang="en-US" altLang="zh-CN" dirty="0"/>
+              <a:t>that</a:t>
+            </a:r>
+            <a:r>
+              <a:rPr lang="zh-CN" altLang="en-US" dirty="0"/>
+              <a:t> </a:t>
+            </a:r>
+            <a:r>
+              <a:rPr lang="en-US" altLang="zh-CN" dirty="0"/>
+              <a:t>directory,</a:t>
+            </a:r>
+            <a:r>
+              <a:rPr lang="zh-CN" altLang="en-US" dirty="0"/>
+              <a:t> </a:t>
+            </a:r>
+            <a:r>
+              <a:rPr lang="en-US" altLang="zh-CN" dirty="0"/>
+              <a:t>…,</a:t>
+            </a:r>
+            <a:r>
+              <a:rPr lang="zh-CN" altLang="en-US" dirty="0"/>
+              <a:t> </a:t>
+            </a:r>
+            <a:r>
+              <a:rPr lang="en-US" altLang="zh-CN" dirty="0"/>
+              <a:t>all</a:t>
+            </a:r>
+            <a:r>
+              <a:rPr lang="zh-CN" altLang="en-US" dirty="0"/>
+              <a:t> </a:t>
+            </a:r>
+            <a:r>
+              <a:rPr lang="en-US" altLang="zh-CN" dirty="0"/>
+              <a:t>the</a:t>
+            </a:r>
+            <a:r>
+              <a:rPr lang="zh-CN" altLang="en-US" dirty="0"/>
+              <a:t> </a:t>
+            </a:r>
+            <a:r>
+              <a:rPr lang="en-US" altLang="zh-CN" dirty="0"/>
+              <a:t>way</a:t>
+            </a:r>
+            <a:r>
+              <a:rPr lang="zh-CN" altLang="en-US" dirty="0"/>
+              <a:t> </a:t>
+            </a:r>
+            <a:r>
+              <a:rPr lang="en-US" altLang="zh-CN" dirty="0"/>
+              <a:t>up</a:t>
+            </a:r>
+            <a:r>
+              <a:rPr lang="zh-CN" altLang="en-US" dirty="0"/>
+              <a:t> </a:t>
+            </a:r>
+            <a:r>
+              <a:rPr lang="en-US" altLang="zh-CN" dirty="0"/>
+              <a:t>the</a:t>
+            </a:r>
+            <a:r>
+              <a:rPr lang="zh-CN" altLang="en-US" dirty="0"/>
+              <a:t> </a:t>
+            </a:r>
+            <a:r>
+              <a:rPr lang="en-US" altLang="zh-CN" dirty="0"/>
+              <a:t>file</a:t>
+            </a:r>
+            <a:r>
+              <a:rPr lang="zh-CN" altLang="en-US" dirty="0"/>
+              <a:t> </a:t>
+            </a:r>
+            <a:r>
+              <a:rPr lang="en-US" altLang="zh-CN" dirty="0"/>
+              <a:t>system</a:t>
+            </a:r>
+            <a:r>
+              <a:rPr lang="zh-CN" altLang="en-US" dirty="0"/>
+              <a:t> </a:t>
+            </a:r>
+            <a:r>
+              <a:rPr lang="en-US" altLang="zh-CN" dirty="0"/>
+              <a:t>tree</a:t>
+            </a:r>
+          </a:p>
+          <a:p>
+            <a:pPr latinLnBrk="0" hangingPunct="0"/>
+            <a:r>
+              <a:rPr lang="en-US" altLang="zh-CN" dirty="0"/>
+              <a:t>LFS</a:t>
+            </a:r>
+            <a:r>
+              <a:rPr lang="zh-CN" altLang="en-US" dirty="0"/>
+              <a:t> </a:t>
+            </a:r>
+            <a:r>
+              <a:rPr lang="en-US" altLang="zh-CN" dirty="0"/>
+              <a:t>cleverly</a:t>
+            </a:r>
+            <a:r>
+              <a:rPr lang="zh-CN" altLang="en-US" dirty="0"/>
+              <a:t> </a:t>
+            </a:r>
+            <a:r>
+              <a:rPr lang="en-US" altLang="zh-CN" dirty="0"/>
+              <a:t>avoids</a:t>
+            </a:r>
+            <a:r>
+              <a:rPr lang="zh-CN" altLang="en-US" dirty="0"/>
+              <a:t> </a:t>
+            </a:r>
+            <a:r>
+              <a:rPr lang="en-US" altLang="zh-CN" dirty="0"/>
+              <a:t>this</a:t>
+            </a:r>
+            <a:r>
+              <a:rPr lang="zh-CN" altLang="en-US" dirty="0"/>
+              <a:t> </a:t>
+            </a:r>
+            <a:r>
+              <a:rPr lang="en-US" altLang="zh-CN" dirty="0"/>
+              <a:t>problem</a:t>
+            </a:r>
+            <a:r>
+              <a:rPr lang="zh-CN" altLang="en-US" dirty="0"/>
+              <a:t> </a:t>
+            </a:r>
+            <a:r>
+              <a:rPr lang="en-US" altLang="zh-CN" dirty="0"/>
+              <a:t>with</a:t>
+            </a:r>
+            <a:r>
+              <a:rPr lang="zh-CN" altLang="en-US" dirty="0"/>
+              <a:t> </a:t>
+            </a:r>
+            <a:r>
+              <a:rPr lang="en-US" altLang="zh-CN" dirty="0" err="1"/>
+              <a:t>imap</a:t>
+            </a:r>
+            <a:endParaRPr lang="en-US" altLang="zh-CN" dirty="0"/>
+          </a:p>
+          <a:p>
+            <a:pPr lvl="1" latinLnBrk="0" hangingPunct="0"/>
+            <a:r>
+              <a:rPr lang="en-US" altLang="zh-CN" dirty="0"/>
+              <a:t>The</a:t>
+            </a:r>
+            <a:r>
+              <a:rPr lang="zh-CN" altLang="en-US" dirty="0"/>
+              <a:t> </a:t>
+            </a:r>
+            <a:r>
+              <a:rPr lang="en-US" altLang="zh-CN" dirty="0"/>
+              <a:t>directory</a:t>
+            </a:r>
+            <a:r>
+              <a:rPr lang="zh-CN" altLang="en-US" dirty="0"/>
+              <a:t> </a:t>
+            </a:r>
+            <a:r>
+              <a:rPr lang="en-US" altLang="zh-CN" dirty="0"/>
+              <a:t>is</a:t>
+            </a:r>
+            <a:r>
+              <a:rPr lang="zh-CN" altLang="en-US" dirty="0"/>
+              <a:t> </a:t>
+            </a:r>
+            <a:r>
+              <a:rPr lang="en-US" altLang="zh-CN" dirty="0"/>
+              <a:t>still</a:t>
+            </a:r>
+            <a:r>
+              <a:rPr lang="zh-CN" altLang="en-US" dirty="0"/>
+              <a:t> </a:t>
+            </a:r>
+            <a:r>
+              <a:rPr lang="en-US" altLang="zh-CN" dirty="0"/>
+              <a:t>(name,</a:t>
+            </a:r>
+            <a:r>
+              <a:rPr lang="zh-CN" altLang="en-US" dirty="0"/>
+              <a:t> </a:t>
+            </a:r>
+            <a:r>
+              <a:rPr lang="en-US" altLang="zh-CN" dirty="0" err="1"/>
+              <a:t>inode</a:t>
+            </a:r>
+            <a:r>
+              <a:rPr lang="en-US" altLang="zh-CN" dirty="0"/>
+              <a:t>-</a:t>
+            </a:r>
+            <a:r>
+              <a:rPr lang="en-US" altLang="zh-CN" dirty="0">
+                <a:solidFill>
+                  <a:srgbClr val="00B0F0"/>
+                </a:solidFill>
+              </a:rPr>
+              <a:t>num</a:t>
+            </a:r>
+            <a:r>
+              <a:rPr lang="en-US" altLang="zh-CN" dirty="0"/>
+              <a:t>)</a:t>
+            </a:r>
+            <a:r>
+              <a:rPr lang="zh-CN" altLang="en-US" dirty="0"/>
+              <a:t> </a:t>
+            </a:r>
+            <a:r>
+              <a:rPr lang="en-US" altLang="zh-CN" dirty="0"/>
+              <a:t>pairs.</a:t>
+            </a:r>
+          </a:p>
+          <a:p>
+            <a:pPr lvl="1" latinLnBrk="0" hangingPunct="0"/>
+            <a:r>
+              <a:rPr lang="en-US" altLang="zh-CN" dirty="0"/>
+              <a:t>The</a:t>
+            </a:r>
+            <a:r>
+              <a:rPr lang="zh-CN" altLang="en-US" dirty="0"/>
+              <a:t> </a:t>
+            </a:r>
+            <a:r>
+              <a:rPr lang="en-US" altLang="zh-CN" dirty="0" err="1"/>
+              <a:t>imap</a:t>
+            </a:r>
+            <a:r>
+              <a:rPr lang="zh-CN" altLang="en-US" dirty="0"/>
+              <a:t> </a:t>
+            </a:r>
+            <a:r>
+              <a:rPr lang="en-US" altLang="zh-CN" dirty="0"/>
+              <a:t>keeps</a:t>
+            </a:r>
+            <a:r>
+              <a:rPr lang="zh-CN" altLang="en-US" dirty="0"/>
+              <a:t> </a:t>
+            </a:r>
+            <a:r>
+              <a:rPr lang="en-US" altLang="zh-CN" dirty="0"/>
+              <a:t>the</a:t>
+            </a:r>
+            <a:r>
+              <a:rPr lang="zh-CN" altLang="en-US" dirty="0"/>
+              <a:t> </a:t>
+            </a:r>
+            <a:r>
+              <a:rPr lang="en-US" altLang="zh-CN" dirty="0" err="1"/>
+              <a:t>inode</a:t>
+            </a:r>
+            <a:r>
+              <a:rPr lang="en-US" altLang="zh-CN" dirty="0"/>
+              <a:t>-</a:t>
+            </a:r>
+            <a:r>
+              <a:rPr lang="en-US" altLang="zh-CN" dirty="0">
+                <a:solidFill>
+                  <a:srgbClr val="00B0F0"/>
+                </a:solidFill>
+              </a:rPr>
+              <a:t>num</a:t>
+            </a:r>
+            <a:r>
+              <a:rPr lang="zh-CN" altLang="en-US" dirty="0"/>
+              <a:t> </a:t>
+            </a:r>
+            <a:r>
+              <a:rPr lang="en-US" altLang="zh-CN" dirty="0"/>
+              <a:t>to</a:t>
+            </a:r>
+            <a:r>
+              <a:rPr lang="zh-CN" altLang="en-US" dirty="0"/>
+              <a:t> </a:t>
+            </a:r>
+            <a:r>
+              <a:rPr lang="en-US" altLang="zh-CN" dirty="0" err="1"/>
+              <a:t>inode</a:t>
+            </a:r>
+            <a:r>
+              <a:rPr lang="en-US" altLang="zh-CN" dirty="0"/>
+              <a:t>-</a:t>
+            </a:r>
+            <a:r>
+              <a:rPr lang="en-US" altLang="zh-CN" dirty="0">
+                <a:solidFill>
+                  <a:srgbClr val="FF0000"/>
+                </a:solidFill>
+              </a:rPr>
+              <a:t>location</a:t>
+            </a:r>
+            <a:r>
+              <a:rPr lang="zh-CN" altLang="en-US" dirty="0"/>
+              <a:t> </a:t>
+            </a:r>
+            <a:r>
+              <a:rPr lang="en-US" altLang="zh-CN" dirty="0"/>
+              <a:t>mappings</a:t>
+            </a:r>
+          </a:p>
+          <a:p>
+            <a:pPr lvl="2" latinLnBrk="0" hangingPunct="0"/>
+            <a:r>
+              <a:rPr lang="en-US" altLang="zh-CN" dirty="0"/>
+              <a:t>The</a:t>
+            </a:r>
+            <a:r>
+              <a:rPr lang="zh-CN" altLang="en-US" dirty="0"/>
+              <a:t> </a:t>
+            </a:r>
+            <a:r>
+              <a:rPr lang="en-US" altLang="zh-CN" dirty="0"/>
+              <a:t>change</a:t>
+            </a:r>
+            <a:r>
+              <a:rPr lang="zh-CN" altLang="en-US" dirty="0"/>
+              <a:t> </a:t>
+            </a:r>
+            <a:r>
+              <a:rPr lang="en-US" altLang="zh-CN" dirty="0"/>
+              <a:t>in</a:t>
+            </a:r>
+            <a:r>
+              <a:rPr lang="zh-CN" altLang="en-US" dirty="0"/>
+              <a:t> </a:t>
+            </a:r>
+            <a:r>
+              <a:rPr lang="en-US" altLang="zh-CN" dirty="0" err="1"/>
+              <a:t>inode</a:t>
+            </a:r>
+            <a:r>
+              <a:rPr lang="zh-CN" altLang="en-US" dirty="0"/>
+              <a:t> </a:t>
+            </a:r>
+            <a:r>
+              <a:rPr lang="en-US" altLang="zh-CN" dirty="0"/>
+              <a:t>location</a:t>
+            </a:r>
+            <a:r>
+              <a:rPr lang="zh-CN" altLang="en-US" dirty="0"/>
+              <a:t> </a:t>
+            </a:r>
+            <a:r>
+              <a:rPr lang="en-US" altLang="zh-CN" dirty="0"/>
+              <a:t>is</a:t>
+            </a:r>
+            <a:r>
+              <a:rPr lang="zh-CN" altLang="en-US" dirty="0"/>
+              <a:t> </a:t>
+            </a:r>
+            <a:r>
+              <a:rPr lang="en-US" altLang="zh-CN" dirty="0"/>
+              <a:t>never</a:t>
+            </a:r>
+            <a:r>
+              <a:rPr lang="zh-CN" altLang="en-US" dirty="0"/>
+              <a:t> </a:t>
+            </a:r>
+            <a:r>
+              <a:rPr lang="en-US" altLang="zh-CN" dirty="0"/>
+              <a:t>reflected</a:t>
+            </a:r>
+            <a:r>
+              <a:rPr lang="zh-CN" altLang="en-US" dirty="0"/>
+              <a:t> </a:t>
+            </a:r>
+            <a:r>
+              <a:rPr lang="en-US" altLang="zh-CN" dirty="0"/>
+              <a:t>in</a:t>
+            </a:r>
+            <a:r>
+              <a:rPr lang="zh-CN" altLang="en-US" dirty="0"/>
+              <a:t> </a:t>
+            </a:r>
+            <a:r>
+              <a:rPr lang="en-US" altLang="zh-CN" dirty="0"/>
+              <a:t>the</a:t>
+            </a:r>
+            <a:r>
+              <a:rPr lang="zh-CN" altLang="en-US" dirty="0"/>
+              <a:t> </a:t>
+            </a:r>
+            <a:r>
+              <a:rPr lang="en-US" altLang="zh-CN" dirty="0"/>
+              <a:t>directory</a:t>
+            </a:r>
+            <a:r>
+              <a:rPr lang="zh-CN" altLang="en-US" dirty="0"/>
+              <a:t> </a:t>
+            </a:r>
+            <a:r>
+              <a:rPr lang="en-US" altLang="zh-CN" dirty="0"/>
+              <a:t>itself</a:t>
+            </a:r>
+          </a:p>
+          <a:p>
+            <a:pPr latinLnBrk="0" hangingPunct="0"/>
+            <a:endParaRPr lang="en-US" dirty="0"/>
+          </a:p>
+        </p:txBody>
+      </p:sp>
+      <p:sp>
+        <p:nvSpPr>
+          <p:cNvPr id="4" name="Slide Number Placeholder 3">
+            <a:extLst>
+              <a:ext uri="{FF2B5EF4-FFF2-40B4-BE49-F238E27FC236}">
+                <a16:creationId xmlns:a16="http://schemas.microsoft.com/office/drawing/2014/main" id="{0EE9CBD7-6E0B-33E2-AA40-2461958BB282}"/>
+              </a:ext>
+            </a:extLst>
+          </p:cNvPr>
+          <p:cNvSpPr>
+            <a:spLocks noGrp="1"/>
+          </p:cNvSpPr>
+          <p:nvPr>
+            <p:ph type="sldNum" sz="quarter" idx="11"/>
+          </p:nvPr>
+        </p:nvSpPr>
+        <p:spPr/>
+        <p:txBody>
+          <a:bodyPr/>
+          <a:lstStyle/>
+          <a:p>
+            <a:pPr>
+              <a:defRPr/>
+            </a:pPr>
+            <a:fld id="{515CC4ED-1449-4712-AE45-EBC263B4DD26}" type="slidenum">
+              <a:rPr lang="en-US" altLang="ko-KR" smtClean="0">
+                <a:solidFill>
+                  <a:srgbClr val="1F497D">
+                    <a:lumMod val="50000"/>
+                  </a:srgbClr>
+                </a:solidFill>
+              </a:rPr>
+              <a:pPr>
+                <a:defRPr/>
+              </a:pPr>
+              <a:t>14</a:t>
+            </a:fld>
+            <a:r>
+              <a:rPr lang="en-US" altLang="ko-KR">
+                <a:solidFill>
+                  <a:srgbClr val="1F497D">
+                    <a:lumMod val="50000"/>
+                  </a:srgbClr>
+                </a:solidFill>
+              </a:rPr>
+              <a:t> </a:t>
+            </a:r>
+          </a:p>
+        </p:txBody>
+      </p:sp>
+      <p:sp>
+        <p:nvSpPr>
+          <p:cNvPr id="5" name="Footer Placeholder 4">
+            <a:extLst>
+              <a:ext uri="{FF2B5EF4-FFF2-40B4-BE49-F238E27FC236}">
+                <a16:creationId xmlns:a16="http://schemas.microsoft.com/office/drawing/2014/main" id="{B03FFEF3-6FF8-193A-3F19-59651B2A5EA2}"/>
+              </a:ext>
+            </a:extLst>
+          </p:cNvPr>
+          <p:cNvSpPr>
+            <a:spLocks noGrp="1"/>
+          </p:cNvSpPr>
+          <p:nvPr>
+            <p:ph type="ftr" sz="quarter" idx="3"/>
+          </p:nvPr>
+        </p:nvSpPr>
+        <p:spPr/>
+        <p:txBody>
+          <a:bodyPr/>
+          <a:lstStyle/>
+          <a:p>
+            <a:pPr fontAlgn="base">
+              <a:spcBef>
+                <a:spcPct val="0"/>
+              </a:spcBef>
+              <a:spcAft>
+                <a:spcPct val="0"/>
+              </a:spcAft>
+              <a:defRPr/>
+            </a:pPr>
+            <a:r>
+              <a:rPr kumimoji="1" lang="en-US" altLang="ko-KR">
+                <a:solidFill>
+                  <a:prstClr val="black"/>
+                </a:solidFill>
+              </a:rPr>
+              <a:t>CSCI3150 Intro to OS</a:t>
+            </a:r>
+            <a:endParaRPr kumimoji="1" lang="ko-KR" altLang="en-US" dirty="0">
+              <a:solidFill>
+                <a:prstClr val="black"/>
+              </a:solidFill>
+            </a:endParaRPr>
+          </a:p>
+        </p:txBody>
+      </p:sp>
+    </p:spTree>
+    <p:extLst>
+      <p:ext uri="{BB962C8B-B14F-4D97-AF65-F5344CB8AC3E}">
+        <p14:creationId xmlns:p14="http://schemas.microsoft.com/office/powerpoint/2010/main" val="2179263366"/>
+      </p:ext>
+    </p:extLst>
+  </p:cSld>
+  <p:clrMapOvr>
+    <a:masterClrMapping/>
+  </p:clrMapOvr>
+</p:sld>
+</file>
+
+<file path=ppt/slides/slide15.xml><?xml version="1.0" encoding="utf-8"?>
+<p:sld xmlns:a="http://schemas.openxmlformats.org/drawingml/2006/main" xmlns:r="http://schemas.openxmlformats.org/officeDocument/2006/relationships" xmlns:p="http://schemas.openxmlformats.org/presentationml/2006/main">
+  <p:cSld>
+    <p:spTree>
+      <p:nvGrpSpPr>
+        <p:cNvPr id="1" name=""/>
+        <p:cNvGrpSpPr/>
+        <p:nvPr/>
+      </p:nvGrpSpPr>
+      <p:grpSpPr>
+        <a:xfrm>
+          <a:off x="0" y="0"/>
+          <a:ext cx="0" cy="0"/>
+          <a:chOff x="0" y="0"/>
+          <a:chExt cx="0" cy="0"/>
+        </a:xfrm>
+      </p:grpSpPr>
+      <p:sp>
+        <p:nvSpPr>
+          <p:cNvPr id="2" name="Title 1">
+            <a:extLst>
+              <a:ext uri="{FF2B5EF4-FFF2-40B4-BE49-F238E27FC236}">
+                <a16:creationId xmlns:a16="http://schemas.microsoft.com/office/drawing/2014/main" id="{11C56675-3645-39EE-69DF-A6574ADB1737}"/>
+              </a:ext>
+            </a:extLst>
+          </p:cNvPr>
+          <p:cNvSpPr>
+            <a:spLocks noGrp="1"/>
+          </p:cNvSpPr>
+          <p:nvPr>
+            <p:ph type="title"/>
+          </p:nvPr>
+        </p:nvSpPr>
+        <p:spPr/>
+        <p:txBody>
+          <a:bodyPr/>
+          <a:lstStyle/>
+          <a:p>
+            <a:r>
+              <a:rPr lang="en-US" altLang="zh-CN" dirty="0"/>
+              <a:t>Outline</a:t>
+            </a:r>
+            <a:endParaRPr lang="en-US" dirty="0"/>
+          </a:p>
+        </p:txBody>
+      </p:sp>
+      <p:sp>
+        <p:nvSpPr>
+          <p:cNvPr id="3" name="Content Placeholder 2">
+            <a:extLst>
+              <a:ext uri="{FF2B5EF4-FFF2-40B4-BE49-F238E27FC236}">
+                <a16:creationId xmlns:a16="http://schemas.microsoft.com/office/drawing/2014/main" id="{265E1C30-3735-4E19-5D3A-4A7BD106F24D}"/>
+              </a:ext>
+            </a:extLst>
+          </p:cNvPr>
+          <p:cNvSpPr>
+            <a:spLocks noGrp="1"/>
+          </p:cNvSpPr>
+          <p:nvPr>
+            <p:ph idx="1"/>
+          </p:nvPr>
+        </p:nvSpPr>
+        <p:spPr/>
+        <p:txBody>
+          <a:bodyPr/>
+          <a:lstStyle/>
+          <a:p>
+            <a:r>
+              <a:rPr lang="en-US" altLang="zh-CN" dirty="0">
+                <a:solidFill>
+                  <a:schemeClr val="bg1">
+                    <a:lumMod val="75000"/>
+                  </a:schemeClr>
+                </a:solidFill>
+              </a:rPr>
+              <a:t>Key</a:t>
+            </a:r>
+            <a:r>
+              <a:rPr lang="zh-CN" altLang="en-US" dirty="0">
+                <a:solidFill>
+                  <a:schemeClr val="bg1">
+                    <a:lumMod val="75000"/>
+                  </a:schemeClr>
+                </a:solidFill>
+              </a:rPr>
+              <a:t> </a:t>
+            </a:r>
+            <a:r>
+              <a:rPr lang="en-US" altLang="zh-CN" dirty="0">
+                <a:solidFill>
+                  <a:schemeClr val="bg1">
+                    <a:lumMod val="75000"/>
+                  </a:schemeClr>
+                </a:solidFill>
+              </a:rPr>
+              <a:t>Idea:</a:t>
+            </a:r>
+            <a:r>
+              <a:rPr lang="zh-CN" altLang="en-US" dirty="0">
+                <a:solidFill>
+                  <a:schemeClr val="bg1">
+                    <a:lumMod val="75000"/>
+                  </a:schemeClr>
+                </a:solidFill>
+              </a:rPr>
+              <a:t> </a:t>
+            </a:r>
+            <a:r>
+              <a:rPr lang="en-US" altLang="zh-CN" dirty="0">
+                <a:solidFill>
+                  <a:schemeClr val="bg1">
+                    <a:lumMod val="75000"/>
+                  </a:schemeClr>
+                </a:solidFill>
+              </a:rPr>
+              <a:t>Writing</a:t>
+            </a:r>
+            <a:r>
+              <a:rPr lang="zh-CN" altLang="en-US" dirty="0">
+                <a:solidFill>
+                  <a:schemeClr val="bg1">
+                    <a:lumMod val="75000"/>
+                  </a:schemeClr>
+                </a:solidFill>
+              </a:rPr>
+              <a:t> </a:t>
+            </a:r>
+            <a:r>
+              <a:rPr lang="en-US" altLang="zh-CN" dirty="0">
+                <a:solidFill>
+                  <a:schemeClr val="bg1">
+                    <a:lumMod val="75000"/>
+                  </a:schemeClr>
+                </a:solidFill>
+              </a:rPr>
+              <a:t>Sequentially</a:t>
+            </a:r>
+          </a:p>
+          <a:p>
+            <a:r>
+              <a:rPr lang="en-US" altLang="zh-CN" dirty="0">
+                <a:solidFill>
+                  <a:schemeClr val="bg1">
+                    <a:lumMod val="75000"/>
+                  </a:schemeClr>
+                </a:solidFill>
+              </a:rPr>
+              <a:t>Indirect</a:t>
+            </a:r>
+            <a:r>
+              <a:rPr lang="zh-CN" altLang="en-US" dirty="0">
+                <a:solidFill>
+                  <a:schemeClr val="bg1">
+                    <a:lumMod val="75000"/>
+                  </a:schemeClr>
+                </a:solidFill>
+              </a:rPr>
+              <a:t> </a:t>
+            </a:r>
+            <a:r>
+              <a:rPr lang="en-US" altLang="zh-CN" dirty="0">
+                <a:solidFill>
+                  <a:schemeClr val="bg1">
+                    <a:lumMod val="75000"/>
+                  </a:schemeClr>
+                </a:solidFill>
+              </a:rPr>
+              <a:t>Mapping</a:t>
+            </a:r>
+            <a:r>
+              <a:rPr lang="zh-CN" altLang="en-US" dirty="0">
+                <a:solidFill>
+                  <a:schemeClr val="bg1">
+                    <a:lumMod val="75000"/>
+                  </a:schemeClr>
+                </a:solidFill>
+              </a:rPr>
+              <a:t> </a:t>
+            </a:r>
+            <a:r>
+              <a:rPr lang="en-US" altLang="zh-CN" dirty="0">
+                <a:solidFill>
+                  <a:schemeClr val="bg1">
+                    <a:lumMod val="75000"/>
+                  </a:schemeClr>
+                </a:solidFill>
+              </a:rPr>
+              <a:t>and</a:t>
+            </a:r>
+            <a:r>
+              <a:rPr lang="zh-CN" altLang="en-US" dirty="0">
+                <a:solidFill>
+                  <a:schemeClr val="bg1">
+                    <a:lumMod val="75000"/>
+                  </a:schemeClr>
+                </a:solidFill>
+              </a:rPr>
+              <a:t> </a:t>
+            </a:r>
+            <a:r>
+              <a:rPr lang="en-US" altLang="zh-CN" dirty="0">
+                <a:solidFill>
+                  <a:schemeClr val="bg1">
+                    <a:lumMod val="75000"/>
+                  </a:schemeClr>
+                </a:solidFill>
+              </a:rPr>
+              <a:t>Checkpoint</a:t>
+            </a:r>
+            <a:r>
+              <a:rPr lang="zh-CN" altLang="en-US" dirty="0">
+                <a:solidFill>
+                  <a:schemeClr val="bg1">
+                    <a:lumMod val="75000"/>
+                  </a:schemeClr>
+                </a:solidFill>
+              </a:rPr>
+              <a:t> </a:t>
+            </a:r>
+            <a:r>
+              <a:rPr lang="en-US" altLang="zh-CN" dirty="0">
+                <a:solidFill>
+                  <a:schemeClr val="bg1">
+                    <a:lumMod val="75000"/>
+                  </a:schemeClr>
+                </a:solidFill>
+              </a:rPr>
+              <a:t>Region</a:t>
+            </a:r>
+          </a:p>
+          <a:p>
+            <a:r>
+              <a:rPr lang="en-US" altLang="zh-CN" dirty="0">
+                <a:solidFill>
+                  <a:schemeClr val="bg1">
+                    <a:lumMod val="75000"/>
+                  </a:schemeClr>
+                </a:solidFill>
+              </a:rPr>
+              <a:t>Directories</a:t>
+            </a:r>
+          </a:p>
+          <a:p>
+            <a:r>
+              <a:rPr lang="en-US" altLang="zh-CN" dirty="0"/>
+              <a:t>Garbage</a:t>
+            </a:r>
+            <a:r>
+              <a:rPr lang="zh-CN" altLang="en-US" dirty="0"/>
+              <a:t> </a:t>
+            </a:r>
+            <a:r>
+              <a:rPr lang="en-US" altLang="zh-CN" dirty="0"/>
+              <a:t>Collection</a:t>
+            </a:r>
+          </a:p>
+          <a:p>
+            <a:r>
+              <a:rPr lang="en-US" altLang="zh-CN" dirty="0">
+                <a:solidFill>
+                  <a:schemeClr val="bg1">
+                    <a:lumMod val="75000"/>
+                  </a:schemeClr>
+                </a:solidFill>
+              </a:rPr>
+              <a:t>Crash</a:t>
+            </a:r>
+            <a:r>
+              <a:rPr lang="zh-CN" altLang="en-US" dirty="0">
+                <a:solidFill>
+                  <a:schemeClr val="bg1">
+                    <a:lumMod val="75000"/>
+                  </a:schemeClr>
+                </a:solidFill>
+              </a:rPr>
+              <a:t> </a:t>
+            </a:r>
+            <a:r>
+              <a:rPr lang="en-US" altLang="zh-CN" dirty="0">
+                <a:solidFill>
+                  <a:schemeClr val="bg1">
+                    <a:lumMod val="75000"/>
+                  </a:schemeClr>
+                </a:solidFill>
+              </a:rPr>
+              <a:t>Recovery</a:t>
+            </a:r>
+            <a:endParaRPr lang="en-US" dirty="0">
+              <a:solidFill>
+                <a:schemeClr val="bg1">
+                  <a:lumMod val="75000"/>
+                </a:schemeClr>
+              </a:solidFill>
+            </a:endParaRPr>
+          </a:p>
+        </p:txBody>
+      </p:sp>
+      <p:sp>
+        <p:nvSpPr>
+          <p:cNvPr id="4" name="Slide Number Placeholder 3">
+            <a:extLst>
+              <a:ext uri="{FF2B5EF4-FFF2-40B4-BE49-F238E27FC236}">
+                <a16:creationId xmlns:a16="http://schemas.microsoft.com/office/drawing/2014/main" id="{56A48ABF-E430-9B0E-A608-CA945D17D7F1}"/>
+              </a:ext>
+            </a:extLst>
+          </p:cNvPr>
+          <p:cNvSpPr>
+            <a:spLocks noGrp="1"/>
+          </p:cNvSpPr>
+          <p:nvPr>
+            <p:ph type="sldNum" sz="quarter" idx="11"/>
+          </p:nvPr>
+        </p:nvSpPr>
+        <p:spPr/>
+        <p:txBody>
+          <a:bodyPr/>
+          <a:lstStyle/>
+          <a:p>
+            <a:pPr>
+              <a:defRPr/>
+            </a:pPr>
+            <a:fld id="{515CC4ED-1449-4712-AE45-EBC263B4DD26}" type="slidenum">
+              <a:rPr lang="en-US" altLang="ko-KR" smtClean="0">
+                <a:solidFill>
+                  <a:srgbClr val="1F497D">
+                    <a:lumMod val="50000"/>
+                  </a:srgbClr>
+                </a:solidFill>
+              </a:rPr>
+              <a:pPr>
+                <a:defRPr/>
+              </a:pPr>
+              <a:t>15</a:t>
+            </a:fld>
+            <a:r>
+              <a:rPr lang="en-US" altLang="ko-KR">
+                <a:solidFill>
+                  <a:srgbClr val="1F497D">
+                    <a:lumMod val="50000"/>
+                  </a:srgbClr>
+                </a:solidFill>
+              </a:rPr>
+              <a:t> </a:t>
+            </a:r>
+          </a:p>
+        </p:txBody>
+      </p:sp>
+      <p:sp>
+        <p:nvSpPr>
+          <p:cNvPr id="5" name="Footer Placeholder 4">
+            <a:extLst>
+              <a:ext uri="{FF2B5EF4-FFF2-40B4-BE49-F238E27FC236}">
+                <a16:creationId xmlns:a16="http://schemas.microsoft.com/office/drawing/2014/main" id="{44619BD4-E6A7-A916-2E2C-0FC12DC44766}"/>
+              </a:ext>
+            </a:extLst>
+          </p:cNvPr>
+          <p:cNvSpPr>
+            <a:spLocks noGrp="1"/>
+          </p:cNvSpPr>
+          <p:nvPr>
+            <p:ph type="ftr" sz="quarter" idx="3"/>
+          </p:nvPr>
+        </p:nvSpPr>
+        <p:spPr/>
+        <p:txBody>
+          <a:bodyPr/>
+          <a:lstStyle/>
+          <a:p>
+            <a:pPr fontAlgn="base">
+              <a:spcBef>
+                <a:spcPct val="0"/>
+              </a:spcBef>
+              <a:spcAft>
+                <a:spcPct val="0"/>
+              </a:spcAft>
+              <a:defRPr/>
+            </a:pPr>
+            <a:r>
+              <a:rPr kumimoji="1" lang="en-US" altLang="ko-KR">
+                <a:solidFill>
+                  <a:prstClr val="black"/>
+                </a:solidFill>
+              </a:rPr>
+              <a:t>CSCI3150 Intro to OS</a:t>
+            </a:r>
+            <a:endParaRPr kumimoji="1" lang="ko-KR" altLang="en-US" dirty="0">
+              <a:solidFill>
+                <a:prstClr val="black"/>
+              </a:solidFill>
+            </a:endParaRPr>
+          </a:p>
+        </p:txBody>
+      </p:sp>
+    </p:spTree>
+    <p:extLst>
+      <p:ext uri="{BB962C8B-B14F-4D97-AF65-F5344CB8AC3E}">
+        <p14:creationId xmlns:p14="http://schemas.microsoft.com/office/powerpoint/2010/main" val="702129458"/>
+      </p:ext>
+    </p:extLst>
+  </p:cSld>
+  <p:clrMapOvr>
+    <a:masterClrMapping/>
+  </p:clrMapOvr>
+</p:sld>
+</file>
+
+<file path=ppt/slides/slide16.xml><?xml version="1.0" encoding="utf-8"?>
 <p:sld xmlns:a="http://schemas.openxmlformats.org/drawingml/2006/main" xmlns:r="http://schemas.openxmlformats.org/officeDocument/2006/relationships" xmlns:p="http://schemas.openxmlformats.org/presentationml/2006/main">
   <p:cSld>
     <p:spTree>
@@ -5064,8 +8809,32 @@
           <a:lstStyle/>
           <a:p>
             <a:r>
+              <a:rPr lang="en-US" altLang="zh-CN" dirty="0"/>
+              <a:t>Issue</a:t>
+            </a:r>
+            <a:r>
+              <a:rPr lang="zh-CN" altLang="en-US" dirty="0"/>
+              <a:t> </a:t>
+            </a:r>
+            <a:r>
+              <a:rPr lang="en-US" altLang="zh-CN" dirty="0"/>
+              <a:t>#4:</a:t>
+            </a:r>
+            <a:r>
+              <a:rPr lang="zh-CN" altLang="en-US" dirty="0"/>
+              <a:t> </a:t>
+            </a:r>
+            <a:r>
               <a:rPr lang="en-US" altLang="ko-KR" dirty="0"/>
               <a:t>Garbage</a:t>
+            </a:r>
+            <a:r>
+              <a:rPr lang="zh-CN" altLang="en-US" dirty="0"/>
+              <a:t> </a:t>
+            </a:r>
+            <a:r>
+              <a:rPr lang="en-US" altLang="zh-CN" dirty="0"/>
+              <a:t>Collection</a:t>
             </a:r>
             <a:endParaRPr lang="ko-KR" altLang="en-US" dirty="0"/>
           </a:p>
@@ -5176,7 +8945,7 @@
               <a:pPr>
                 <a:defRPr/>
               </a:pPr>
-              <a:t>11</a:t>
+              <a:t>16</a:t>
             </a:fld>
             <a:r>
               <a:rPr lang="en-US" altLang="ko-KR">
@@ -7622,7 +11391,7 @@
 </p:sld>
 </file>
 
-<file path=ppt/slides/slide12.xml><?xml version="1.0" encoding="utf-8"?>
+<file path=ppt/slides/slide17.xml><?xml version="1.0" encoding="utf-8"?>
 <p:sld xmlns:a="http://schemas.openxmlformats.org/drawingml/2006/main" xmlns:r="http://schemas.openxmlformats.org/officeDocument/2006/relationships" xmlns:p="http://schemas.openxmlformats.org/presentationml/2006/main">
   <p:cSld>
     <p:spTree>
@@ -7661,20 +11430,32 @@
           <a:lstStyle/>
           <a:p>
             <a:r>
-              <a:rPr kumimoji="1" lang="en-US" altLang="ko-KR" dirty="0"/>
-              <a:t>Garbage Collection</a:t>
-            </a:r>
-            <a:r>
-              <a:rPr kumimoji="1" lang="ko-KR" altLang="en-US" dirty="0"/>
+              <a:rPr lang="en-US" altLang="zh-CN" dirty="0"/>
+              <a:t>Issue</a:t>
+            </a:r>
+            <a:r>
+              <a:rPr lang="zh-CN" altLang="en-US" dirty="0"/>
               <a:t> </a:t>
             </a:r>
             <a:r>
-              <a:rPr kumimoji="1" lang="en-US" altLang="ko-KR" dirty="0"/>
-              <a:t>(</a:t>
+              <a:rPr lang="en-US" altLang="zh-CN" dirty="0"/>
+              <a:t>#4:</a:t>
+            </a:r>
+            <a:r>
+              <a:rPr lang="zh-CN" altLang="en-US" dirty="0"/>
+              <a:t> </a:t>
             </a:r>
             <a:r>
               <a:rPr lang="en-US" altLang="ko-KR" dirty="0"/>
-              <a:t>segment cleaning)</a:t>
+              <a:t>Garbage</a:t>
+            </a:r>
+            <a:r>
+              <a:rPr lang="zh-CN" altLang="en-US" dirty="0"/>
+              <a:t> </a:t>
+            </a:r>
+            <a:r>
+              <a:rPr lang="en-US" altLang="zh-CN" dirty="0"/>
+              <a:t>Collection</a:t>
             </a:r>
             <a:endParaRPr kumimoji="1" lang="ko-KR" altLang="en-US" dirty="0"/>
           </a:p>
@@ -7816,7 +11597,7 @@
               <a:pPr>
                 <a:defRPr/>
               </a:pPr>
-              <a:t>12</a:t>
+              <a:t>17</a:t>
             </a:fld>
             <a:r>
               <a:rPr lang="en-US" altLang="ko-KR">
@@ -7890,7 +11671,7 @@
 </p:sld>
 </file>
 
-<file path=ppt/slides/slide13.xml><?xml version="1.0" encoding="utf-8"?>
+<file path=ppt/slides/slide18.xml><?xml version="1.0" encoding="utf-8"?>
 <p:sld xmlns:a="http://schemas.openxmlformats.org/drawingml/2006/main" xmlns:r="http://schemas.openxmlformats.org/officeDocument/2006/relationships" xmlns:p="http://schemas.openxmlformats.org/presentationml/2006/main">
   <p:cSld>
     <p:spTree>
@@ -7923,10 +11704,34 @@
           <a:lstStyle/>
           <a:p>
             <a:r>
-              <a:rPr lang="en-US" altLang="ko-KR"/>
-              <a:t>Garbage collection</a:t>
-            </a:r>
-            <a:endParaRPr lang="ko-KR" altLang="en-US"/>
+              <a:rPr lang="en-US" altLang="zh-CN" dirty="0"/>
+              <a:t>Issue</a:t>
+            </a:r>
+            <a:r>
+              <a:rPr lang="zh-CN" altLang="en-US" dirty="0"/>
+              <a:t> </a:t>
+            </a:r>
+            <a:r>
+              <a:rPr lang="en-US" altLang="zh-CN" dirty="0"/>
+              <a:t>#4:</a:t>
+            </a:r>
+            <a:r>
+              <a:rPr lang="zh-CN" altLang="en-US" dirty="0"/>
+              <a:t> </a:t>
+            </a:r>
+            <a:r>
+              <a:rPr lang="en-US" altLang="ko-KR" dirty="0"/>
+              <a:t>Garbage</a:t>
+            </a:r>
+            <a:r>
+              <a:rPr lang="zh-CN" altLang="en-US" dirty="0"/>
+              <a:t> </a:t>
+            </a:r>
+            <a:r>
+              <a:rPr lang="en-US" altLang="zh-CN" dirty="0"/>
+              <a:t>Collection</a:t>
+            </a:r>
+            <a:endParaRPr lang="ko-KR" altLang="en-US" dirty="0"/>
           </a:p>
         </p:txBody>
       </p:sp>
@@ -8088,7 +11893,7 @@
             <a:fld id="{BB0E6C08-344E-4025-83FB-FC65F265D156}" type="slidenum">
               <a:rPr lang="en-US" altLang="ko-KR" smtClean="0"/>
               <a:pPr/>
-              <a:t>13</a:t>
+              <a:t>18</a:t>
             </a:fld>
             <a:endParaRPr lang="en-US" altLang="ko-KR"/>
           </a:p>
@@ -12466,7 +16271,7 @@
 </p:sld>
 </file>
 
-<file path=ppt/slides/slide14.xml><?xml version="1.0" encoding="utf-8"?>
+<file path=ppt/slides/slide19.xml><?xml version="1.0" encoding="utf-8"?>
 <p:sld xmlns:a="http://schemas.openxmlformats.org/drawingml/2006/main" xmlns:r="http://schemas.openxmlformats.org/officeDocument/2006/relationships" xmlns:p="http://schemas.openxmlformats.org/presentationml/2006/main">
   <p:cSld>
     <p:spTree>
@@ -12499,6 +16304,14 @@
           <a:lstStyle/>
           <a:p>
             <a:r>
+              <a:rPr lang="en-US" altLang="zh-CN" dirty="0"/>
+              <a:t>Mechanism:</a:t>
+            </a:r>
+            <a:r>
+              <a:rPr lang="zh-CN" altLang="en-US" dirty="0"/>
+              <a:t> </a:t>
+            </a:r>
+            <a:r>
               <a:rPr lang="en-US" altLang="ko-KR" dirty="0"/>
               <a:t>Segment Summary Block</a:t>
             </a:r>
@@ -12526,12 +16339,52 @@
               <a:t>Store the </a:t>
             </a:r>
             <a:r>
-              <a:rPr lang="en-US" altLang="ko-KR" sz="1800" dirty="0" err="1"/>
+              <a:rPr lang="en-US" altLang="ko-KR" sz="1800" dirty="0" err="1">
+                <a:solidFill>
+                  <a:srgbClr val="FF0000"/>
+                </a:solidFill>
+              </a:rPr>
               <a:t>inode</a:t>
             </a:r>
             <a:r>
+              <a:rPr lang="zh-CN" altLang="en-US" sz="1800" dirty="0">
+                <a:solidFill>
+                  <a:srgbClr val="FF0000"/>
+                </a:solidFill>
+              </a:rPr>
+              <a:t> </a:t>
+            </a:r>
+            <a:r>
+              <a:rPr lang="en-US" altLang="zh-CN" sz="1800" dirty="0">
+                <a:solidFill>
+                  <a:srgbClr val="FF0000"/>
+                </a:solidFill>
+              </a:rPr>
+              <a:t>number</a:t>
+            </a:r>
+            <a:r>
+              <a:rPr lang="en-US" altLang="ko-KR" sz="1800" dirty="0">
+                <a:solidFill>
+                  <a:srgbClr val="FF0000"/>
+                </a:solidFill>
+              </a:rPr>
+              <a:t> </a:t>
+            </a:r>
+            <a:r>
               <a:rPr lang="en-US" altLang="ko-KR" sz="1800" dirty="0"/>
-              <a:t> and the file offset for each data block in it.</a:t>
+              <a:t>and the </a:t>
+            </a:r>
+            <a:r>
+              <a:rPr lang="en-US" altLang="ko-KR" sz="1800" dirty="0">
+                <a:solidFill>
+                  <a:srgbClr val="FF0000"/>
+                </a:solidFill>
+              </a:rPr>
+              <a:t>offset for each data block </a:t>
+            </a:r>
+            <a:r>
+              <a:rPr lang="en-US" altLang="ko-KR" sz="1800" dirty="0"/>
+              <a:t>in it.</a:t>
             </a:r>
             <a:endParaRPr lang="en-US" altLang="ko-KR" sz="1800" b="1" dirty="0"/>
           </a:p>
@@ -12544,7 +16397,7 @@
           <a:p>
             <a:r>
               <a:rPr lang="en-US" altLang="ko-KR" sz="1800" dirty="0"/>
-              <a:t>Compare the block address of file K offset 0 based upon the Segment Summary and based upon the in-memory </a:t>
+              <a:t>Compare the block address of file k, block offset 0, based upon the Segment Summary and based upon the in-memory </a:t>
             </a:r>
             <a:r>
               <a:rPr lang="en-US" altLang="ko-KR" sz="1800" dirty="0" err="1"/>
@@ -12552,13 +16405,7 @@
             </a:r>
             <a:r>
               <a:rPr lang="en-US" altLang="ko-KR" sz="1800" dirty="0"/>
-              <a:t>. If they coincide, the block is alive. </a:t>
-            </a:r>
-            <a:r>
-              <a:rPr lang="en-US" altLang="ko-KR" sz="1800" dirty="0">
-                <a:sym typeface="Wingdings" pitchFamily="2" charset="2"/>
-              </a:rPr>
-              <a:t> expensive</a:t>
+              <a:t>. If they coincide, the block is alive</a:t>
             </a:r>
             <a:endParaRPr lang="ko-KR" altLang="en-US" sz="1800" dirty="0"/>
           </a:p>
@@ -12593,7 +16440,7 @@
               <a:pPr>
                 <a:defRPr/>
               </a:pPr>
-              <a:t>14</a:t>
+              <a:t>19</a:t>
             </a:fld>
             <a:r>
               <a:rPr lang="en-US" altLang="ko-KR">
@@ -12651,7 +16498,7 @@
           <p:nvPr>
             <p:extLst>
               <p:ext uri="{D42A27DB-BD31-4B8C-83A1-F6EECF244321}">
-                <p14:modId xmlns:p14="http://schemas.microsoft.com/office/powerpoint/2010/main" val="371580419"/>
+                <p14:modId xmlns:p14="http://schemas.microsoft.com/office/powerpoint/2010/main" val="590621383"/>
               </p:ext>
             </p:extLst>
           </p:nvPr>
@@ -12762,7 +16609,7 @@
                           <a:ea typeface="맑은 고딕" panose="020B0503020000020004" pitchFamily="50" charset="-127"/>
                           <a:cs typeface="+mn-cs"/>
                         </a:rPr>
-                        <a:t>(K,0)</a:t>
+                        <a:t>(k,0)</a:t>
                       </a:r>
                     </a:p>
                     <a:p>
@@ -13758,7 +17605,287 @@
 </p:sld>
 </file>
 
-<file path=ppt/slides/slide15.xml><?xml version="1.0" encoding="utf-8"?>
+<file path=ppt/slides/slide2.xml><?xml version="1.0" encoding="utf-8"?>
+<p:sld xmlns:a="http://schemas.openxmlformats.org/drawingml/2006/main" xmlns:r="http://schemas.openxmlformats.org/officeDocument/2006/relationships" xmlns:p="http://schemas.openxmlformats.org/presentationml/2006/main">
+  <p:cSld>
+    <p:spTree>
+      <p:nvGrpSpPr>
+        <p:cNvPr id="1" name=""/>
+        <p:cNvGrpSpPr/>
+        <p:nvPr/>
+      </p:nvGrpSpPr>
+      <p:grpSpPr>
+        <a:xfrm>
+          <a:off x="0" y="0"/>
+          <a:ext cx="0" cy="0"/>
+          <a:chOff x="0" y="0"/>
+          <a:chExt cx="0" cy="0"/>
+        </a:xfrm>
+      </p:grpSpPr>
+      <p:sp>
+        <p:nvSpPr>
+          <p:cNvPr id="2" name="Title 1">
+            <a:extLst>
+              <a:ext uri="{FF2B5EF4-FFF2-40B4-BE49-F238E27FC236}">
+                <a16:creationId xmlns:a16="http://schemas.microsoft.com/office/drawing/2014/main" id="{11C56675-3645-39EE-69DF-A6574ADB1737}"/>
+              </a:ext>
+            </a:extLst>
+          </p:cNvPr>
+          <p:cNvSpPr>
+            <a:spLocks noGrp="1"/>
+          </p:cNvSpPr>
+          <p:nvPr>
+            <p:ph type="title"/>
+          </p:nvPr>
+        </p:nvSpPr>
+        <p:spPr/>
+        <p:txBody>
+          <a:bodyPr/>
+          <a:lstStyle/>
+          <a:p>
+            <a:r>
+              <a:rPr lang="en-US" altLang="zh-CN" dirty="0"/>
+              <a:t>Outline</a:t>
+            </a:r>
+            <a:endParaRPr lang="en-US" dirty="0"/>
+          </a:p>
+        </p:txBody>
+      </p:sp>
+      <p:sp>
+        <p:nvSpPr>
+          <p:cNvPr id="3" name="Content Placeholder 2">
+            <a:extLst>
+              <a:ext uri="{FF2B5EF4-FFF2-40B4-BE49-F238E27FC236}">
+                <a16:creationId xmlns:a16="http://schemas.microsoft.com/office/drawing/2014/main" id="{265E1C30-3735-4E19-5D3A-4A7BD106F24D}"/>
+              </a:ext>
+            </a:extLst>
+          </p:cNvPr>
+          <p:cNvSpPr>
+            <a:spLocks noGrp="1"/>
+          </p:cNvSpPr>
+          <p:nvPr>
+            <p:ph idx="1"/>
+          </p:nvPr>
+        </p:nvSpPr>
+        <p:spPr/>
+        <p:txBody>
+          <a:bodyPr/>
+          <a:lstStyle/>
+          <a:p>
+            <a:r>
+              <a:rPr lang="en-US" altLang="zh-CN" dirty="0"/>
+              <a:t>Key</a:t>
+            </a:r>
+            <a:r>
+              <a:rPr lang="zh-CN" altLang="en-US" dirty="0"/>
+              <a:t> </a:t>
+            </a:r>
+            <a:r>
+              <a:rPr lang="en-US" altLang="zh-CN" dirty="0"/>
+              <a:t>Idea:</a:t>
+            </a:r>
+            <a:r>
+              <a:rPr lang="zh-CN" altLang="en-US" dirty="0"/>
+              <a:t> </a:t>
+            </a:r>
+            <a:r>
+              <a:rPr lang="en-US" altLang="zh-CN" dirty="0"/>
+              <a:t>Writing</a:t>
+            </a:r>
+            <a:r>
+              <a:rPr lang="zh-CN" altLang="en-US" dirty="0"/>
+              <a:t> </a:t>
+            </a:r>
+            <a:r>
+              <a:rPr lang="en-US" altLang="zh-CN" dirty="0"/>
+              <a:t>Sequentially</a:t>
+            </a:r>
+          </a:p>
+          <a:p>
+            <a:r>
+              <a:rPr lang="en-US" altLang="zh-CN" dirty="0"/>
+              <a:t>Indirect</a:t>
+            </a:r>
+            <a:r>
+              <a:rPr lang="zh-CN" altLang="en-US" dirty="0"/>
+              <a:t> </a:t>
+            </a:r>
+            <a:r>
+              <a:rPr lang="en-US" altLang="zh-CN" dirty="0"/>
+              <a:t>Mapping</a:t>
+            </a:r>
+            <a:r>
+              <a:rPr lang="zh-CN" altLang="en-US" dirty="0"/>
+              <a:t> </a:t>
+            </a:r>
+            <a:r>
+              <a:rPr lang="en-US" altLang="zh-CN" dirty="0"/>
+              <a:t>and</a:t>
+            </a:r>
+            <a:r>
+              <a:rPr lang="zh-CN" altLang="en-US" dirty="0"/>
+              <a:t> </a:t>
+            </a:r>
+            <a:r>
+              <a:rPr lang="en-US" altLang="zh-CN" dirty="0"/>
+              <a:t>Checkpoint</a:t>
+            </a:r>
+            <a:r>
+              <a:rPr lang="zh-CN" altLang="en-US" dirty="0"/>
+              <a:t> </a:t>
+            </a:r>
+            <a:r>
+              <a:rPr lang="en-US" altLang="zh-CN" dirty="0"/>
+              <a:t>Region</a:t>
+            </a:r>
+          </a:p>
+          <a:p>
+            <a:r>
+              <a:rPr lang="en-US" altLang="zh-CN" dirty="0"/>
+              <a:t>Directories</a:t>
+            </a:r>
+          </a:p>
+          <a:p>
+            <a:r>
+              <a:rPr lang="en-US" altLang="zh-CN" dirty="0"/>
+              <a:t>Garbage</a:t>
+            </a:r>
+            <a:r>
+              <a:rPr lang="zh-CN" altLang="en-US" dirty="0"/>
+              <a:t> </a:t>
+            </a:r>
+            <a:r>
+              <a:rPr lang="en-US" altLang="zh-CN" dirty="0"/>
+              <a:t>Collection</a:t>
+            </a:r>
+          </a:p>
+          <a:p>
+            <a:r>
+              <a:rPr lang="en-US" altLang="zh-CN" dirty="0"/>
+              <a:t>Crash</a:t>
+            </a:r>
+            <a:r>
+              <a:rPr lang="zh-CN" altLang="en-US" dirty="0"/>
+              <a:t> </a:t>
+            </a:r>
+            <a:r>
+              <a:rPr lang="en-US" altLang="zh-CN" dirty="0"/>
+              <a:t>Recovery</a:t>
+            </a:r>
+            <a:endParaRPr lang="en-US" dirty="0"/>
+          </a:p>
+        </p:txBody>
+      </p:sp>
+      <p:sp>
+        <p:nvSpPr>
+          <p:cNvPr id="4" name="Slide Number Placeholder 3">
+            <a:extLst>
+              <a:ext uri="{FF2B5EF4-FFF2-40B4-BE49-F238E27FC236}">
+                <a16:creationId xmlns:a16="http://schemas.microsoft.com/office/drawing/2014/main" id="{56A48ABF-E430-9B0E-A608-CA945D17D7F1}"/>
+              </a:ext>
+            </a:extLst>
+          </p:cNvPr>
+          <p:cNvSpPr>
+            <a:spLocks noGrp="1"/>
+          </p:cNvSpPr>
+          <p:nvPr>
+            <p:ph type="sldNum" sz="quarter" idx="11"/>
+          </p:nvPr>
+        </p:nvSpPr>
+        <p:spPr/>
+        <p:txBody>
+          <a:bodyPr/>
+          <a:lstStyle/>
+          <a:p>
+            <a:pPr>
+              <a:defRPr/>
+            </a:pPr>
+            <a:fld id="{515CC4ED-1449-4712-AE45-EBC263B4DD26}" type="slidenum">
+              <a:rPr lang="en-US" altLang="ko-KR" smtClean="0">
+                <a:solidFill>
+                  <a:srgbClr val="1F497D">
+                    <a:lumMod val="50000"/>
+                  </a:srgbClr>
+                </a:solidFill>
+              </a:rPr>
+              <a:pPr>
+                <a:defRPr/>
+              </a:pPr>
+              <a:t>2</a:t>
+            </a:fld>
+            <a:r>
+              <a:rPr lang="en-US" altLang="ko-KR">
+                <a:solidFill>
+                  <a:srgbClr val="1F497D">
+                    <a:lumMod val="50000"/>
+                  </a:srgbClr>
+                </a:solidFill>
+              </a:rPr>
+              <a:t> </a:t>
+            </a:r>
+          </a:p>
+        </p:txBody>
+      </p:sp>
+      <p:sp>
+        <p:nvSpPr>
+          <p:cNvPr id="5" name="Footer Placeholder 4">
+            <a:extLst>
+              <a:ext uri="{FF2B5EF4-FFF2-40B4-BE49-F238E27FC236}">
+                <a16:creationId xmlns:a16="http://schemas.microsoft.com/office/drawing/2014/main" id="{44619BD4-E6A7-A916-2E2C-0FC12DC44766}"/>
+              </a:ext>
+            </a:extLst>
+          </p:cNvPr>
+          <p:cNvSpPr>
+            <a:spLocks noGrp="1"/>
+          </p:cNvSpPr>
+          <p:nvPr>
+            <p:ph type="ftr" sz="quarter" idx="3"/>
+          </p:nvPr>
+        </p:nvSpPr>
+        <p:spPr/>
+        <p:txBody>
+          <a:bodyPr/>
+          <a:lstStyle/>
+          <a:p>
+            <a:pPr fontAlgn="base">
+              <a:spcBef>
+                <a:spcPct val="0"/>
+              </a:spcBef>
+              <a:spcAft>
+                <a:spcPct val="0"/>
+              </a:spcAft>
+              <a:defRPr/>
+            </a:pPr>
+            <a:r>
+              <a:rPr kumimoji="1" lang="en-US" altLang="ko-KR">
+                <a:solidFill>
+                  <a:prstClr val="black"/>
+                </a:solidFill>
+              </a:rPr>
+              <a:t>CSCI3150 Intro to OS</a:t>
+            </a:r>
+            <a:endParaRPr kumimoji="1" lang="ko-KR" altLang="en-US" dirty="0">
+              <a:solidFill>
+                <a:prstClr val="black"/>
+              </a:solidFill>
+            </a:endParaRPr>
+          </a:p>
+        </p:txBody>
+      </p:sp>
+    </p:spTree>
+    <p:extLst>
+      <p:ext uri="{BB962C8B-B14F-4D97-AF65-F5344CB8AC3E}">
+        <p14:creationId xmlns:p14="http://schemas.microsoft.com/office/powerpoint/2010/main" val="1009093035"/>
+      </p:ext>
+    </p:extLst>
+  </p:cSld>
+  <p:clrMapOvr>
+    <a:masterClrMapping/>
+  </p:clrMapOvr>
+</p:sld>
+</file>
+
+<file path=ppt/slides/slide20.xml><?xml version="1.0" encoding="utf-8"?>
 <p:sld xmlns:a="http://schemas.openxmlformats.org/drawingml/2006/main" xmlns:r="http://schemas.openxmlformats.org/officeDocument/2006/relationships" xmlns:p="http://schemas.openxmlformats.org/presentationml/2006/main">
   <p:cSld>
     <p:spTree>
@@ -13798,7 +17925,7 @@
           <a:p>
             <a:r>
               <a:rPr lang="en-US" altLang="ko-KR" dirty="0"/>
-              <a:t>Issues in garbage collection</a:t>
+              <a:t>Policy of Garbage Collection</a:t>
             </a:r>
             <a:endParaRPr kumimoji="1" lang="ko-KR" altLang="en-US" dirty="0"/>
           </a:p>
@@ -13854,7 +17981,19 @@
           <a:p>
             <a:r>
               <a:rPr kumimoji="1" lang="en-US" altLang="ko-KR" sz="1800" dirty="0"/>
-              <a:t>Which block to consolidate?</a:t>
+              <a:t>Which block to consolidate? (</a:t>
+            </a:r>
+            <a:r>
+              <a:rPr kumimoji="1" lang="en-US" altLang="zh-CN" sz="1800" dirty="0"/>
+              <a:t>heuristic</a:t>
+            </a:r>
+            <a:r>
+              <a:rPr kumimoji="1" lang="zh-CN" altLang="en-US" sz="1800" dirty="0"/>
+              <a:t> </a:t>
+            </a:r>
+            <a:r>
+              <a:rPr kumimoji="1" lang="en-US" altLang="ko-KR" sz="1800" dirty="0"/>
+              <a:t>from the original LFS paper)</a:t>
             </a:r>
           </a:p>
           <a:p>
@@ -13884,7 +18023,13 @@
               <a:rPr lang="en-US" altLang="ko-KR" sz="1600" dirty="0"/>
               <a:t>Cold segment: clean sooner.</a:t>
             </a:r>
-            <a:endParaRPr kumimoji="1" lang="ko-KR" altLang="en-US" sz="1600" dirty="0"/>
+          </a:p>
+          <a:p>
+            <a:r>
+              <a:rPr kumimoji="1" lang="en-US" altLang="ko-KR" sz="1800" dirty="0"/>
+              <a:t>Other policies are possible</a:t>
+            </a:r>
+            <a:endParaRPr kumimoji="1" lang="ko-KR" altLang="en-US" sz="1800" dirty="0"/>
           </a:p>
         </p:txBody>
       </p:sp>
@@ -13923,7 +18068,7 @@
               <a:pPr>
                 <a:defRPr/>
               </a:pPr>
-              <a:t>15</a:t>
+              <a:t>20</a:t>
             </a:fld>
             <a:r>
               <a:rPr lang="en-US" altLang="ko-KR">
@@ -13997,7 +18142,407 @@
 </p:sld>
 </file>
 
-<file path=ppt/slides/slide16.xml><?xml version="1.0" encoding="utf-8"?>
+<file path=ppt/slides/slide21.xml><?xml version="1.0" encoding="utf-8"?>
+<p:sld xmlns:a="http://schemas.openxmlformats.org/drawingml/2006/main" xmlns:r="http://schemas.openxmlformats.org/officeDocument/2006/relationships" xmlns:p="http://schemas.openxmlformats.org/presentationml/2006/main">
+  <p:cSld>
+    <p:spTree>
+      <p:nvGrpSpPr>
+        <p:cNvPr id="1" name=""/>
+        <p:cNvGrpSpPr/>
+        <p:nvPr/>
+      </p:nvGrpSpPr>
+      <p:grpSpPr>
+        <a:xfrm>
+          <a:off x="0" y="0"/>
+          <a:ext cx="0" cy="0"/>
+          <a:chOff x="0" y="0"/>
+          <a:chExt cx="0" cy="0"/>
+        </a:xfrm>
+      </p:grpSpPr>
+      <p:sp>
+        <p:nvSpPr>
+          <p:cNvPr id="2" name="Title 1">
+            <a:extLst>
+              <a:ext uri="{FF2B5EF4-FFF2-40B4-BE49-F238E27FC236}">
+                <a16:creationId xmlns:a16="http://schemas.microsoft.com/office/drawing/2014/main" id="{11C56675-3645-39EE-69DF-A6574ADB1737}"/>
+              </a:ext>
+            </a:extLst>
+          </p:cNvPr>
+          <p:cNvSpPr>
+            <a:spLocks noGrp="1"/>
+          </p:cNvSpPr>
+          <p:nvPr>
+            <p:ph type="title"/>
+          </p:nvPr>
+        </p:nvSpPr>
+        <p:spPr/>
+        <p:txBody>
+          <a:bodyPr/>
+          <a:lstStyle/>
+          <a:p>
+            <a:r>
+              <a:rPr lang="en-US" altLang="zh-CN" dirty="0"/>
+              <a:t>Outline</a:t>
+            </a:r>
+            <a:endParaRPr lang="en-US" dirty="0"/>
+          </a:p>
+        </p:txBody>
+      </p:sp>
+      <p:sp>
+        <p:nvSpPr>
+          <p:cNvPr id="3" name="Content Placeholder 2">
+            <a:extLst>
+              <a:ext uri="{FF2B5EF4-FFF2-40B4-BE49-F238E27FC236}">
+                <a16:creationId xmlns:a16="http://schemas.microsoft.com/office/drawing/2014/main" id="{265E1C30-3735-4E19-5D3A-4A7BD106F24D}"/>
+              </a:ext>
+            </a:extLst>
+          </p:cNvPr>
+          <p:cNvSpPr>
+            <a:spLocks noGrp="1"/>
+          </p:cNvSpPr>
+          <p:nvPr>
+            <p:ph idx="1"/>
+          </p:nvPr>
+        </p:nvSpPr>
+        <p:spPr/>
+        <p:txBody>
+          <a:bodyPr/>
+          <a:lstStyle/>
+          <a:p>
+            <a:r>
+              <a:rPr lang="en-US" altLang="zh-CN" dirty="0">
+                <a:solidFill>
+                  <a:schemeClr val="bg1">
+                    <a:lumMod val="75000"/>
+                  </a:schemeClr>
+                </a:solidFill>
+              </a:rPr>
+              <a:t>Key</a:t>
+            </a:r>
+            <a:r>
+              <a:rPr lang="zh-CN" altLang="en-US" dirty="0">
+                <a:solidFill>
+                  <a:schemeClr val="bg1">
+                    <a:lumMod val="75000"/>
+                  </a:schemeClr>
+                </a:solidFill>
+              </a:rPr>
+              <a:t> </a:t>
+            </a:r>
+            <a:r>
+              <a:rPr lang="en-US" altLang="zh-CN" dirty="0">
+                <a:solidFill>
+                  <a:schemeClr val="bg1">
+                    <a:lumMod val="75000"/>
+                  </a:schemeClr>
+                </a:solidFill>
+              </a:rPr>
+              <a:t>Idea:</a:t>
+            </a:r>
+            <a:r>
+              <a:rPr lang="zh-CN" altLang="en-US" dirty="0">
+                <a:solidFill>
+                  <a:schemeClr val="bg1">
+                    <a:lumMod val="75000"/>
+                  </a:schemeClr>
+                </a:solidFill>
+              </a:rPr>
+              <a:t> </a:t>
+            </a:r>
+            <a:r>
+              <a:rPr lang="en-US" altLang="zh-CN" dirty="0">
+                <a:solidFill>
+                  <a:schemeClr val="bg1">
+                    <a:lumMod val="75000"/>
+                  </a:schemeClr>
+                </a:solidFill>
+              </a:rPr>
+              <a:t>Writing</a:t>
+            </a:r>
+            <a:r>
+              <a:rPr lang="zh-CN" altLang="en-US" dirty="0">
+                <a:solidFill>
+                  <a:schemeClr val="bg1">
+                    <a:lumMod val="75000"/>
+                  </a:schemeClr>
+                </a:solidFill>
+              </a:rPr>
+              <a:t> </a:t>
+            </a:r>
+            <a:r>
+              <a:rPr lang="en-US" altLang="zh-CN" dirty="0">
+                <a:solidFill>
+                  <a:schemeClr val="bg1">
+                    <a:lumMod val="75000"/>
+                  </a:schemeClr>
+                </a:solidFill>
+              </a:rPr>
+              <a:t>Sequentially</a:t>
+            </a:r>
+          </a:p>
+          <a:p>
+            <a:r>
+              <a:rPr lang="en-US" altLang="zh-CN" dirty="0">
+                <a:solidFill>
+                  <a:schemeClr val="bg1">
+                    <a:lumMod val="75000"/>
+                  </a:schemeClr>
+                </a:solidFill>
+              </a:rPr>
+              <a:t>Indirect</a:t>
+            </a:r>
+            <a:r>
+              <a:rPr lang="zh-CN" altLang="en-US" dirty="0">
+                <a:solidFill>
+                  <a:schemeClr val="bg1">
+                    <a:lumMod val="75000"/>
+                  </a:schemeClr>
+                </a:solidFill>
+              </a:rPr>
+              <a:t> </a:t>
+            </a:r>
+            <a:r>
+              <a:rPr lang="en-US" altLang="zh-CN" dirty="0">
+                <a:solidFill>
+                  <a:schemeClr val="bg1">
+                    <a:lumMod val="75000"/>
+                  </a:schemeClr>
+                </a:solidFill>
+              </a:rPr>
+              <a:t>Mapping</a:t>
+            </a:r>
+            <a:r>
+              <a:rPr lang="zh-CN" altLang="en-US" dirty="0">
+                <a:solidFill>
+                  <a:schemeClr val="bg1">
+                    <a:lumMod val="75000"/>
+                  </a:schemeClr>
+                </a:solidFill>
+              </a:rPr>
+              <a:t> </a:t>
+            </a:r>
+            <a:r>
+              <a:rPr lang="en-US" altLang="zh-CN" dirty="0">
+                <a:solidFill>
+                  <a:schemeClr val="bg1">
+                    <a:lumMod val="75000"/>
+                  </a:schemeClr>
+                </a:solidFill>
+              </a:rPr>
+              <a:t>and</a:t>
+            </a:r>
+            <a:r>
+              <a:rPr lang="zh-CN" altLang="en-US" dirty="0">
+                <a:solidFill>
+                  <a:schemeClr val="bg1">
+                    <a:lumMod val="75000"/>
+                  </a:schemeClr>
+                </a:solidFill>
+              </a:rPr>
+              <a:t> </a:t>
+            </a:r>
+            <a:r>
+              <a:rPr lang="en-US" altLang="zh-CN" dirty="0">
+                <a:solidFill>
+                  <a:schemeClr val="bg1">
+                    <a:lumMod val="75000"/>
+                  </a:schemeClr>
+                </a:solidFill>
+              </a:rPr>
+              <a:t>Checkpoint</a:t>
+            </a:r>
+            <a:r>
+              <a:rPr lang="zh-CN" altLang="en-US" dirty="0">
+                <a:solidFill>
+                  <a:schemeClr val="bg1">
+                    <a:lumMod val="75000"/>
+                  </a:schemeClr>
+                </a:solidFill>
+              </a:rPr>
+              <a:t> </a:t>
+            </a:r>
+            <a:r>
+              <a:rPr lang="en-US" altLang="zh-CN" dirty="0">
+                <a:solidFill>
+                  <a:schemeClr val="bg1">
+                    <a:lumMod val="75000"/>
+                  </a:schemeClr>
+                </a:solidFill>
+              </a:rPr>
+              <a:t>Region</a:t>
+            </a:r>
+          </a:p>
+          <a:p>
+            <a:r>
+              <a:rPr lang="en-US" altLang="zh-CN" dirty="0">
+                <a:solidFill>
+                  <a:schemeClr val="bg1">
+                    <a:lumMod val="75000"/>
+                  </a:schemeClr>
+                </a:solidFill>
+              </a:rPr>
+              <a:t>Directories</a:t>
+            </a:r>
+          </a:p>
+          <a:p>
+            <a:r>
+              <a:rPr lang="en-US" altLang="zh-CN" dirty="0">
+                <a:solidFill>
+                  <a:schemeClr val="bg1">
+                    <a:lumMod val="75000"/>
+                  </a:schemeClr>
+                </a:solidFill>
+              </a:rPr>
+              <a:t>Garbage</a:t>
+            </a:r>
+            <a:r>
+              <a:rPr lang="zh-CN" altLang="en-US" dirty="0">
+                <a:solidFill>
+                  <a:schemeClr val="bg1">
+                    <a:lumMod val="75000"/>
+                  </a:schemeClr>
+                </a:solidFill>
+              </a:rPr>
+              <a:t> </a:t>
+            </a:r>
+            <a:r>
+              <a:rPr lang="en-US" altLang="zh-CN" dirty="0">
+                <a:solidFill>
+                  <a:schemeClr val="bg1">
+                    <a:lumMod val="75000"/>
+                  </a:schemeClr>
+                </a:solidFill>
+              </a:rPr>
+              <a:t>Collection</a:t>
+            </a:r>
+          </a:p>
+          <a:p>
+            <a:r>
+              <a:rPr lang="en-US" altLang="zh-CN" dirty="0"/>
+              <a:t>Crash</a:t>
+            </a:r>
+            <a:r>
+              <a:rPr lang="zh-CN" altLang="en-US" dirty="0"/>
+              <a:t> </a:t>
+            </a:r>
+            <a:r>
+              <a:rPr lang="en-US" altLang="zh-CN" dirty="0"/>
+              <a:t>Recovery</a:t>
+            </a:r>
+            <a:endParaRPr lang="en-US" dirty="0"/>
+          </a:p>
+        </p:txBody>
+      </p:sp>
+      <p:sp>
+        <p:nvSpPr>
+          <p:cNvPr id="4" name="Slide Number Placeholder 3">
+            <a:extLst>
+              <a:ext uri="{FF2B5EF4-FFF2-40B4-BE49-F238E27FC236}">
+                <a16:creationId xmlns:a16="http://schemas.microsoft.com/office/drawing/2014/main" id="{56A48ABF-E430-9B0E-A608-CA945D17D7F1}"/>
+              </a:ext>
+            </a:extLst>
+          </p:cNvPr>
+          <p:cNvSpPr>
+            <a:spLocks noGrp="1"/>
+          </p:cNvSpPr>
+          <p:nvPr>
+            <p:ph type="sldNum" sz="quarter" idx="11"/>
+          </p:nvPr>
+        </p:nvSpPr>
+        <p:spPr/>
+        <p:txBody>
+          <a:bodyPr/>
+          <a:lstStyle/>
+          <a:p>
+            <a:pPr>
+              <a:defRPr/>
+            </a:pPr>
+            <a:fld id="{515CC4ED-1449-4712-AE45-EBC263B4DD26}" type="slidenum">
+              <a:rPr lang="en-US" altLang="ko-KR" smtClean="0">
+                <a:solidFill>
+                  <a:srgbClr val="1F497D">
+                    <a:lumMod val="50000"/>
+                  </a:srgbClr>
+                </a:solidFill>
+              </a:rPr>
+              <a:pPr>
+                <a:defRPr/>
+              </a:pPr>
+              <a:t>21</a:t>
+            </a:fld>
+            <a:r>
+              <a:rPr lang="en-US" altLang="ko-KR">
+                <a:solidFill>
+                  <a:srgbClr val="1F497D">
+                    <a:lumMod val="50000"/>
+                  </a:srgbClr>
+                </a:solidFill>
+              </a:rPr>
+              <a:t> </a:t>
+            </a:r>
+          </a:p>
+        </p:txBody>
+      </p:sp>
+      <p:sp>
+        <p:nvSpPr>
+          <p:cNvPr id="5" name="Footer Placeholder 4">
+            <a:extLst>
+              <a:ext uri="{FF2B5EF4-FFF2-40B4-BE49-F238E27FC236}">
+                <a16:creationId xmlns:a16="http://schemas.microsoft.com/office/drawing/2014/main" id="{44619BD4-E6A7-A916-2E2C-0FC12DC44766}"/>
+              </a:ext>
+            </a:extLst>
+          </p:cNvPr>
+          <p:cNvSpPr>
+            <a:spLocks noGrp="1"/>
+          </p:cNvSpPr>
+          <p:nvPr>
+            <p:ph type="ftr" sz="quarter" idx="3"/>
+          </p:nvPr>
+        </p:nvSpPr>
+        <p:spPr/>
+        <p:txBody>
+          <a:bodyPr/>
+          <a:lstStyle/>
+          <a:p>
+            <a:pPr fontAlgn="base">
+              <a:spcBef>
+                <a:spcPct val="0"/>
+              </a:spcBef>
+              <a:spcAft>
+                <a:spcPct val="0"/>
+              </a:spcAft>
+              <a:defRPr/>
+            </a:pPr>
+            <a:r>
+              <a:rPr kumimoji="1" lang="en-US" altLang="ko-KR">
+                <a:solidFill>
+                  <a:prstClr val="black"/>
+                </a:solidFill>
+              </a:rPr>
+              <a:t>CSCI3150 Intro to OS</a:t>
+            </a:r>
+            <a:endParaRPr kumimoji="1" lang="ko-KR" altLang="en-US" dirty="0">
+              <a:solidFill>
+                <a:prstClr val="black"/>
+              </a:solidFill>
+            </a:endParaRPr>
+          </a:p>
+        </p:txBody>
+      </p:sp>
+    </p:spTree>
+    <p:extLst>
+      <p:ext uri="{BB962C8B-B14F-4D97-AF65-F5344CB8AC3E}">
+        <p14:creationId xmlns:p14="http://schemas.microsoft.com/office/powerpoint/2010/main" val="3885818250"/>
+      </p:ext>
+    </p:extLst>
+  </p:cSld>
+  <p:clrMapOvr>
+    <a:masterClrMapping/>
+  </p:clrMapOvr>
+</p:sld>
+</file>
+
+<file path=ppt/slides/slide22.xml><?xml version="1.0" encoding="utf-8"?>
 <p:sld xmlns:a="http://schemas.openxmlformats.org/drawingml/2006/main" xmlns:r="http://schemas.openxmlformats.org/officeDocument/2006/relationships" xmlns:p="http://schemas.openxmlformats.org/presentationml/2006/main">
   <p:cSld>
     <p:spTree>
@@ -14133,7 +18678,7 @@
               <a:pPr>
                 <a:defRPr/>
               </a:pPr>
-              <a:t>16</a:t>
+              <a:t>22</a:t>
             </a:fld>
             <a:r>
               <a:rPr lang="en-US" altLang="ko-KR">
@@ -15280,7 +19825,7 @@
 </p:sld>
 </file>
 
-<file path=ppt/slides/slide17.xml><?xml version="1.0" encoding="utf-8"?>
+<file path=ppt/slides/slide23.xml><?xml version="1.0" encoding="utf-8"?>
 <p:sld xmlns:a="http://schemas.openxmlformats.org/drawingml/2006/main" xmlns:r="http://schemas.openxmlformats.org/officeDocument/2006/relationships" xmlns:p="http://schemas.openxmlformats.org/presentationml/2006/main">
   <p:cSld>
     <p:spTree>
@@ -15493,7 +20038,7 @@
               <a:pPr>
                 <a:defRPr/>
               </a:pPr>
-              <a:t>17</a:t>
+              <a:t>23</a:t>
             </a:fld>
             <a:r>
               <a:rPr lang="en-US" altLang="ko-KR">
@@ -16494,7 +21039,7 @@
 </p:sld>
 </file>
 
-<file path=ppt/slides/slide18.xml><?xml version="1.0" encoding="utf-8"?>
+<file path=ppt/slides/slide24.xml><?xml version="1.0" encoding="utf-8"?>
 <p:sld xmlns:a="http://schemas.openxmlformats.org/drawingml/2006/main" xmlns:r="http://schemas.openxmlformats.org/officeDocument/2006/relationships" xmlns:p="http://schemas.openxmlformats.org/presentationml/2006/main">
   <p:cSld>
     <p:spTree>
@@ -16684,7 +21229,7 @@
               <a:pPr>
                 <a:defRPr/>
               </a:pPr>
-              <a:t>18</a:t>
+              <a:t>24</a:t>
             </a:fld>
             <a:r>
               <a:rPr lang="en-US" altLang="ko-KR">
@@ -16746,7 +21291,7 @@
 </p:sld>
 </file>
 
-<file path=ppt/slides/slide2.xml><?xml version="1.0" encoding="utf-8"?>
+<file path=ppt/slides/slide3.xml><?xml version="1.0" encoding="utf-8"?>
 <p:sld xmlns:a="http://schemas.openxmlformats.org/drawingml/2006/main" xmlns:r="http://schemas.openxmlformats.org/officeDocument/2006/relationships" xmlns:p="http://schemas.openxmlformats.org/presentationml/2006/main">
   <p:cSld>
     <p:spTree>
@@ -16868,7 +21413,7 @@
           <a:p>
             <a:r>
               <a:rPr lang="en-US" altLang="ko-KR" sz="1800" dirty="0"/>
-              <a:t>In this chapter, we study Log-Structured Filesystem(LFS). </a:t>
+              <a:t>In this chapter, we study Log-Structured Filesystem (LFS). </a:t>
             </a:r>
           </a:p>
           <a:p>
@@ -16918,7 +21463,7 @@
               <a:pPr>
                 <a:defRPr/>
               </a:pPr>
-              <a:t>2</a:t>
+              <a:t>3</a:t>
             </a:fld>
             <a:r>
               <a:rPr lang="en-US" altLang="ko-KR">
@@ -17183,10 +21728,202 @@
   <p:clrMapOvr>
     <a:masterClrMapping/>
   </p:clrMapOvr>
+  <p:timing>
+    <p:tnLst>
+      <p:par>
+        <p:cTn id="1" dur="indefinite" restart="never" nodeType="tmRoot">
+          <p:childTnLst>
+            <p:seq concurrent="1" nextAc="seek">
+              <p:cTn id="2" dur="indefinite" nodeType="mainSeq">
+                <p:childTnLst>
+                  <p:par>
+                    <p:cTn id="3" fill="hold">
+                      <p:stCondLst>
+                        <p:cond delay="indefinite"/>
+                      </p:stCondLst>
+                      <p:childTnLst>
+                        <p:par>
+                          <p:cTn id="4" fill="hold">
+                            <p:stCondLst>
+                              <p:cond delay="0"/>
+                            </p:stCondLst>
+                            <p:childTnLst>
+                              <p:par>
+                                <p:cTn id="5" presetID="5" presetClass="entr" presetSubtype="10" fill="hold" grpId="0" nodeType="clickEffect">
+                                  <p:stCondLst>
+                                    <p:cond delay="0"/>
+                                  </p:stCondLst>
+                                  <p:childTnLst>
+                                    <p:set>
+                                      <p:cBhvr>
+                                        <p:cTn id="6" dur="1" fill="hold">
+                                          <p:stCondLst>
+                                            <p:cond delay="0"/>
+                                          </p:stCondLst>
+                                        </p:cTn>
+                                        <p:tgtEl>
+                                          <p:spTgt spid="7"/>
+                                        </p:tgtEl>
+                                        <p:attrNameLst>
+                                          <p:attrName>style.visibility</p:attrName>
+                                        </p:attrNameLst>
+                                      </p:cBhvr>
+                                      <p:to>
+                                        <p:strVal val="visible"/>
+                                      </p:to>
+                                    </p:set>
+                                    <p:animEffect transition="in" filter="checkerboard(across)">
+                                      <p:cBhvr>
+                                        <p:cTn id="7" dur="500"/>
+                                        <p:tgtEl>
+                                          <p:spTgt spid="7"/>
+                                        </p:tgtEl>
+                                      </p:cBhvr>
+                                    </p:animEffect>
+                                  </p:childTnLst>
+                                </p:cTn>
+                              </p:par>
+                              <p:par>
+                                <p:cTn id="8" presetID="5" presetClass="entr" presetSubtype="10" fill="hold" nodeType="withEffect">
+                                  <p:stCondLst>
+                                    <p:cond delay="0"/>
+                                  </p:stCondLst>
+                                  <p:childTnLst>
+                                    <p:set>
+                                      <p:cBhvr>
+                                        <p:cTn id="9" dur="1" fill="hold">
+                                          <p:stCondLst>
+                                            <p:cond delay="0"/>
+                                          </p:stCondLst>
+                                        </p:cTn>
+                                        <p:tgtEl>
+                                          <p:spTgt spid="1026"/>
+                                        </p:tgtEl>
+                                        <p:attrNameLst>
+                                          <p:attrName>style.visibility</p:attrName>
+                                        </p:attrNameLst>
+                                      </p:cBhvr>
+                                      <p:to>
+                                        <p:strVal val="visible"/>
+                                      </p:to>
+                                    </p:set>
+                                    <p:animEffect transition="in" filter="checkerboard(across)">
+                                      <p:cBhvr>
+                                        <p:cTn id="10" dur="500"/>
+                                        <p:tgtEl>
+                                          <p:spTgt spid="1026"/>
+                                        </p:tgtEl>
+                                      </p:cBhvr>
+                                    </p:animEffect>
+                                  </p:childTnLst>
+                                </p:cTn>
+                              </p:par>
+                              <p:par>
+                                <p:cTn id="11" presetID="5" presetClass="entr" presetSubtype="10" fill="hold" nodeType="withEffect">
+                                  <p:stCondLst>
+                                    <p:cond delay="0"/>
+                                  </p:stCondLst>
+                                  <p:childTnLst>
+                                    <p:set>
+                                      <p:cBhvr>
+                                        <p:cTn id="12" dur="1" fill="hold">
+                                          <p:stCondLst>
+                                            <p:cond delay="0"/>
+                                          </p:stCondLst>
+                                        </p:cTn>
+                                        <p:tgtEl>
+                                          <p:spTgt spid="1028"/>
+                                        </p:tgtEl>
+                                        <p:attrNameLst>
+                                          <p:attrName>style.visibility</p:attrName>
+                                        </p:attrNameLst>
+                                      </p:cBhvr>
+                                      <p:to>
+                                        <p:strVal val="visible"/>
+                                      </p:to>
+                                    </p:set>
+                                    <p:animEffect transition="in" filter="checkerboard(across)">
+                                      <p:cBhvr>
+                                        <p:cTn id="13" dur="500"/>
+                                        <p:tgtEl>
+                                          <p:spTgt spid="1028"/>
+                                        </p:tgtEl>
+                                      </p:cBhvr>
+                                    </p:animEffect>
+                                  </p:childTnLst>
+                                </p:cTn>
+                              </p:par>
+                              <p:par>
+                                <p:cTn id="14" presetID="5" presetClass="entr" presetSubtype="10" fill="hold" grpId="0" nodeType="withEffect">
+                                  <p:stCondLst>
+                                    <p:cond delay="0"/>
+                                  </p:stCondLst>
+                                  <p:childTnLst>
+                                    <p:set>
+                                      <p:cBhvr>
+                                        <p:cTn id="15" dur="1" fill="hold">
+                                          <p:stCondLst>
+                                            <p:cond delay="0"/>
+                                          </p:stCondLst>
+                                        </p:cTn>
+                                        <p:tgtEl>
+                                          <p:spTgt spid="6"/>
+                                        </p:tgtEl>
+                                        <p:attrNameLst>
+                                          <p:attrName>style.visibility</p:attrName>
+                                        </p:attrNameLst>
+                                      </p:cBhvr>
+                                      <p:to>
+                                        <p:strVal val="visible"/>
+                                      </p:to>
+                                    </p:set>
+                                    <p:animEffect transition="in" filter="checkerboard(across)">
+                                      <p:cBhvr>
+                                        <p:cTn id="16" dur="500"/>
+                                        <p:tgtEl>
+                                          <p:spTgt spid="6"/>
+                                        </p:tgtEl>
+                                      </p:cBhvr>
+                                    </p:animEffect>
+                                  </p:childTnLst>
+                                </p:cTn>
+                              </p:par>
+                            </p:childTnLst>
+                          </p:cTn>
+                        </p:par>
+                      </p:childTnLst>
+                    </p:cTn>
+                  </p:par>
+                </p:childTnLst>
+              </p:cTn>
+              <p:prevCondLst>
+                <p:cond evt="onPrev" delay="0">
+                  <p:tgtEl>
+                    <p:sldTgt/>
+                  </p:tgtEl>
+                </p:cond>
+              </p:prevCondLst>
+              <p:nextCondLst>
+                <p:cond evt="onNext" delay="0">
+                  <p:tgtEl>
+                    <p:sldTgt/>
+                  </p:tgtEl>
+                </p:cond>
+              </p:nextCondLst>
+            </p:seq>
+          </p:childTnLst>
+        </p:cTn>
+      </p:par>
+    </p:tnLst>
+    <p:bldLst>
+      <p:bldP spid="6" grpId="0"/>
+      <p:bldP spid="7" grpId="0"/>
+    </p:bldLst>
+  </p:timing>
 </p:sld>
 </file>
 
-<file path=ppt/slides/slide3.xml><?xml version="1.0" encoding="utf-8"?>
+<file path=ppt/slides/slide4.xml><?xml version="1.0" encoding="utf-8"?>
 <p:sld xmlns:a="http://schemas.openxmlformats.org/drawingml/2006/main" xmlns:r="http://schemas.openxmlformats.org/officeDocument/2006/relationships" xmlns:p="http://schemas.openxmlformats.org/presentationml/2006/main">
   <p:cSld>
     <p:spTree>
@@ -17312,7 +22049,7 @@
               <a:pPr>
                 <a:defRPr/>
               </a:pPr>
-              <a:t>3</a:t>
+              <a:t>4</a:t>
             </a:fld>
             <a:r>
               <a:rPr lang="en-US" altLang="ko-KR">
@@ -18177,7 +22914,7 @@
 </p:sld>
 </file>
 
-<file path=ppt/slides/slide4.xml><?xml version="1.0" encoding="utf-8"?>
+<file path=ppt/slides/slide5.xml><?xml version="1.0" encoding="utf-8"?>
 <p:sld xmlns:a="http://schemas.openxmlformats.org/drawingml/2006/main" xmlns:r="http://schemas.openxmlformats.org/officeDocument/2006/relationships" xmlns:p="http://schemas.openxmlformats.org/presentationml/2006/main">
   <p:cSld>
     <p:spTree>
@@ -18210,8 +22947,36 @@
           <a:lstStyle/>
           <a:p>
             <a:r>
-              <a:rPr lang="en-US" altLang="ko-KR" dirty="0"/>
-              <a:t>Segment</a:t>
+              <a:rPr lang="en-US" altLang="zh-CN" dirty="0"/>
+              <a:t>Writing</a:t>
+            </a:r>
+            <a:r>
+              <a:rPr lang="zh-CN" altLang="en-US" dirty="0"/>
+              <a:t> </a:t>
+            </a:r>
+            <a:r>
+              <a:rPr lang="en-US" altLang="zh-CN" dirty="0"/>
+              <a:t>Sequentially,</a:t>
+            </a:r>
+            <a:r>
+              <a:rPr lang="zh-CN" altLang="en-US" dirty="0"/>
+              <a:t> </a:t>
+            </a:r>
+            <a:r>
+              <a:rPr lang="en-US" altLang="zh-CN" dirty="0"/>
+              <a:t>and</a:t>
+            </a:r>
+            <a:r>
+              <a:rPr lang="zh-CN" altLang="en-US" dirty="0"/>
+              <a:t> </a:t>
+            </a:r>
+            <a:r>
+              <a:rPr lang="en-US" altLang="zh-CN" dirty="0" err="1"/>
+              <a:t>Effeciently</a:t>
+            </a:r>
+            <a:r>
+              <a:rPr lang="en-US" altLang="zh-CN" dirty="0"/>
+              <a:t>!</a:t>
             </a:r>
             <a:endParaRPr lang="ko-KR" altLang="en-US" dirty="0"/>
           </a:p>
@@ -18325,7 +23090,7 @@
               <a:pPr>
                 <a:defRPr/>
               </a:pPr>
-              <a:t>4</a:t>
+              <a:t>5</a:t>
             </a:fld>
             <a:r>
               <a:rPr lang="en-US" altLang="ko-KR">
@@ -20253,7 +25018,7 @@
 </p:sld>
 </file>
 
-<file path=ppt/slides/slide5.xml><?xml version="1.0" encoding="utf-8"?>
+<file path=ppt/slides/slide6.xml><?xml version="1.0" encoding="utf-8"?>
 <p:sld xmlns:a="http://schemas.openxmlformats.org/drawingml/2006/main" xmlns:r="http://schemas.openxmlformats.org/officeDocument/2006/relationships" xmlns:p="http://schemas.openxmlformats.org/presentationml/2006/main">
   <p:cSld>
     <p:spTree>
@@ -20287,7 +25052,7 @@
           <a:p>
             <a:r>
               <a:rPr lang="en-US" altLang="zh-CN" dirty="0"/>
-              <a:t>How</a:t>
+              <a:t>Issue</a:t>
             </a:r>
             <a:r>
               <a:rPr lang="zh-CN" altLang="en-US" dirty="0"/>
@@ -20295,7 +25060,7 @@
             </a:r>
             <a:r>
               <a:rPr lang="en-US" altLang="zh-CN" dirty="0"/>
-              <a:t>Much</a:t>
+              <a:t>#1:</a:t>
             </a:r>
             <a:r>
               <a:rPr lang="zh-CN" altLang="en-US" dirty="0"/>
@@ -20303,7 +25068,7 @@
             </a:r>
             <a:r>
               <a:rPr lang="en-US" altLang="zh-CN" dirty="0"/>
-              <a:t>to</a:t>
+              <a:t>How</a:t>
             </a:r>
             <a:r>
               <a:rPr lang="zh-CN" altLang="en-US" dirty="0"/>
@@ -20311,14 +25076,30 @@
             </a:r>
             <a:r>
               <a:rPr lang="en-US" altLang="zh-CN" dirty="0"/>
+              <a:t>Much</a:t>
+            </a:r>
+            <a:r>
+              <a:rPr lang="zh-CN" altLang="en-US" dirty="0"/>
+              <a:t> </a:t>
+            </a:r>
+            <a:r>
+              <a:rPr lang="en-US" altLang="zh-CN" dirty="0"/>
+              <a:t>to</a:t>
+            </a:r>
+            <a:r>
+              <a:rPr lang="zh-CN" altLang="en-US" dirty="0"/>
+              <a:t> </a:t>
+            </a:r>
+            <a:r>
+              <a:rPr lang="en-US" altLang="zh-CN" dirty="0"/>
               <a:t>Buffer</a:t>
             </a:r>
             <a:endParaRPr lang="ko-KR" altLang="en-US" dirty="0"/>
           </a:p>
         </p:txBody>
       </p:sp>
-      <mc:AlternateContent xmlns:mc="http://schemas.openxmlformats.org/markup-compatibility/2006">
-        <mc:Choice xmlns:a14="http://schemas.microsoft.com/office/drawing/2010/main" Requires="a14">
+      <mc:AlternateContent xmlns:mc="http://schemas.openxmlformats.org/markup-compatibility/2006" xmlns:a14="http://schemas.microsoft.com/office/drawing/2010/main">
+        <mc:Choice Requires="a14">
           <p:sp>
             <p:nvSpPr>
               <p:cNvPr id="3" name="내용 개체 틀 2"/>
@@ -21018,7 +25799,7 @@
             </p:txBody>
           </p:sp>
         </mc:Choice>
-        <mc:Fallback>
+        <mc:Fallback xmlns="">
           <p:sp>
             <p:nvSpPr>
               <p:cNvPr id="3" name="내용 개체 틀 2"/>
@@ -21081,7 +25862,7 @@
               <a:pPr>
                 <a:defRPr/>
               </a:pPr>
-              <a:t>5</a:t>
+              <a:t>6</a:t>
             </a:fld>
             <a:r>
               <a:rPr lang="en-US" altLang="ko-KR">
@@ -21143,7 +25924,7 @@
 </p:sld>
 </file>
 
-<file path=ppt/slides/slide6.xml><?xml version="1.0" encoding="utf-8"?>
+<file path=ppt/slides/slide7.xml><?xml version="1.0" encoding="utf-8"?>
 <p:sld xmlns:a="http://schemas.openxmlformats.org/drawingml/2006/main" xmlns:r="http://schemas.openxmlformats.org/officeDocument/2006/relationships" xmlns:p="http://schemas.openxmlformats.org/presentationml/2006/main">
   <p:cSld>
     <p:spTree>
@@ -21177,7 +25958,7 @@
           <a:p>
             <a:r>
               <a:rPr lang="en-US" altLang="zh-CN" dirty="0"/>
-              <a:t>How</a:t>
+              <a:t>Issue</a:t>
             </a:r>
             <a:r>
               <a:rPr lang="zh-CN" altLang="en-US" dirty="0"/>
@@ -21185,7 +25966,7 @@
             </a:r>
             <a:r>
               <a:rPr lang="en-US" altLang="zh-CN" dirty="0"/>
-              <a:t>Much</a:t>
+              <a:t>#1:</a:t>
             </a:r>
             <a:r>
               <a:rPr lang="zh-CN" altLang="en-US" dirty="0"/>
@@ -21193,7 +25974,7 @@
             </a:r>
             <a:r>
               <a:rPr lang="en-US" altLang="zh-CN" dirty="0"/>
-              <a:t>to</a:t>
+              <a:t>How</a:t>
             </a:r>
             <a:r>
               <a:rPr lang="zh-CN" altLang="en-US" dirty="0"/>
@@ -21201,14 +25982,30 @@
             </a:r>
             <a:r>
               <a:rPr lang="en-US" altLang="zh-CN" dirty="0"/>
+              <a:t>Much</a:t>
+            </a:r>
+            <a:r>
+              <a:rPr lang="zh-CN" altLang="en-US" dirty="0"/>
+              <a:t> </a:t>
+            </a:r>
+            <a:r>
+              <a:rPr lang="en-US" altLang="zh-CN" dirty="0"/>
+              <a:t>to</a:t>
+            </a:r>
+            <a:r>
+              <a:rPr lang="zh-CN" altLang="en-US" dirty="0"/>
+              <a:t> </a:t>
+            </a:r>
+            <a:r>
+              <a:rPr lang="en-US" altLang="zh-CN" dirty="0"/>
               <a:t>Buffer</a:t>
             </a:r>
             <a:endParaRPr lang="ko-KR" altLang="en-US" dirty="0"/>
           </a:p>
         </p:txBody>
       </p:sp>
-      <mc:AlternateContent xmlns:mc="http://schemas.openxmlformats.org/markup-compatibility/2006">
-        <mc:Choice xmlns:a14="http://schemas.microsoft.com/office/drawing/2010/main" Requires="a14">
+      <mc:AlternateContent xmlns:mc="http://schemas.openxmlformats.org/markup-compatibility/2006" xmlns:a14="http://schemas.microsoft.com/office/drawing/2010/main">
+        <mc:Choice Requires="a14">
           <p:sp>
             <p:nvSpPr>
               <p:cNvPr id="3" name="내용 개체 틀 2"/>
@@ -21973,7 +26770,7 @@
             </p:txBody>
           </p:sp>
         </mc:Choice>
-        <mc:Fallback>
+        <mc:Fallback xmlns="">
           <p:sp>
             <p:nvSpPr>
               <p:cNvPr id="3" name="내용 개체 틀 2"/>
@@ -22036,7 +26833,7 @@
               <a:pPr>
                 <a:defRPr/>
               </a:pPr>
-              <a:t>6</a:t>
+              <a:t>7</a:t>
             </a:fld>
             <a:r>
               <a:rPr lang="en-US" altLang="ko-KR">
@@ -22098,7 +26895,377 @@
 </p:sld>
 </file>
 
-<file path=ppt/slides/slide7.xml><?xml version="1.0" encoding="utf-8"?>
+<file path=ppt/slides/slide8.xml><?xml version="1.0" encoding="utf-8"?>
+<p:sld xmlns:a="http://schemas.openxmlformats.org/drawingml/2006/main" xmlns:r="http://schemas.openxmlformats.org/officeDocument/2006/relationships" xmlns:p="http://schemas.openxmlformats.org/presentationml/2006/main">
+  <p:cSld>
+    <p:spTree>
+      <p:nvGrpSpPr>
+        <p:cNvPr id="1" name=""/>
+        <p:cNvGrpSpPr/>
+        <p:nvPr/>
+      </p:nvGrpSpPr>
+      <p:grpSpPr>
+        <a:xfrm>
+          <a:off x="0" y="0"/>
+          <a:ext cx="0" cy="0"/>
+          <a:chOff x="0" y="0"/>
+          <a:chExt cx="0" cy="0"/>
+        </a:xfrm>
+      </p:grpSpPr>
+      <p:sp>
+        <p:nvSpPr>
+          <p:cNvPr id="2" name="Title 1">
+            <a:extLst>
+              <a:ext uri="{FF2B5EF4-FFF2-40B4-BE49-F238E27FC236}">
+                <a16:creationId xmlns:a16="http://schemas.microsoft.com/office/drawing/2014/main" id="{11C56675-3645-39EE-69DF-A6574ADB1737}"/>
+              </a:ext>
+            </a:extLst>
+          </p:cNvPr>
+          <p:cNvSpPr>
+            <a:spLocks noGrp="1"/>
+          </p:cNvSpPr>
+          <p:nvPr>
+            <p:ph type="title"/>
+          </p:nvPr>
+        </p:nvSpPr>
+        <p:spPr/>
+        <p:txBody>
+          <a:bodyPr/>
+          <a:lstStyle/>
+          <a:p>
+            <a:r>
+              <a:rPr lang="en-US" altLang="zh-CN" dirty="0"/>
+              <a:t>Outline</a:t>
+            </a:r>
+            <a:endParaRPr lang="en-US" dirty="0"/>
+          </a:p>
+        </p:txBody>
+      </p:sp>
+      <p:sp>
+        <p:nvSpPr>
+          <p:cNvPr id="3" name="Content Placeholder 2">
+            <a:extLst>
+              <a:ext uri="{FF2B5EF4-FFF2-40B4-BE49-F238E27FC236}">
+                <a16:creationId xmlns:a16="http://schemas.microsoft.com/office/drawing/2014/main" id="{265E1C30-3735-4E19-5D3A-4A7BD106F24D}"/>
+              </a:ext>
+            </a:extLst>
+          </p:cNvPr>
+          <p:cNvSpPr>
+            <a:spLocks noGrp="1"/>
+          </p:cNvSpPr>
+          <p:nvPr>
+            <p:ph idx="1"/>
+          </p:nvPr>
+        </p:nvSpPr>
+        <p:spPr/>
+        <p:txBody>
+          <a:bodyPr/>
+          <a:lstStyle/>
+          <a:p>
+            <a:r>
+              <a:rPr lang="en-US" altLang="zh-CN" dirty="0">
+                <a:solidFill>
+                  <a:schemeClr val="bg1">
+                    <a:lumMod val="75000"/>
+                  </a:schemeClr>
+                </a:solidFill>
+              </a:rPr>
+              <a:t>Key</a:t>
+            </a:r>
+            <a:r>
+              <a:rPr lang="zh-CN" altLang="en-US" dirty="0">
+                <a:solidFill>
+                  <a:schemeClr val="bg1">
+                    <a:lumMod val="75000"/>
+                  </a:schemeClr>
+                </a:solidFill>
+              </a:rPr>
+              <a:t> </a:t>
+            </a:r>
+            <a:r>
+              <a:rPr lang="en-US" altLang="zh-CN" dirty="0">
+                <a:solidFill>
+                  <a:schemeClr val="bg1">
+                    <a:lumMod val="75000"/>
+                  </a:schemeClr>
+                </a:solidFill>
+              </a:rPr>
+              <a:t>Idea:</a:t>
+            </a:r>
+            <a:r>
+              <a:rPr lang="zh-CN" altLang="en-US" dirty="0">
+                <a:solidFill>
+                  <a:schemeClr val="bg1">
+                    <a:lumMod val="75000"/>
+                  </a:schemeClr>
+                </a:solidFill>
+              </a:rPr>
+              <a:t> </a:t>
+            </a:r>
+            <a:r>
+              <a:rPr lang="en-US" altLang="zh-CN" dirty="0">
+                <a:solidFill>
+                  <a:schemeClr val="bg1">
+                    <a:lumMod val="75000"/>
+                  </a:schemeClr>
+                </a:solidFill>
+              </a:rPr>
+              <a:t>Writing</a:t>
+            </a:r>
+            <a:r>
+              <a:rPr lang="zh-CN" altLang="en-US" dirty="0">
+                <a:solidFill>
+                  <a:schemeClr val="bg1">
+                    <a:lumMod val="75000"/>
+                  </a:schemeClr>
+                </a:solidFill>
+              </a:rPr>
+              <a:t> </a:t>
+            </a:r>
+            <a:r>
+              <a:rPr lang="en-US" altLang="zh-CN" dirty="0">
+                <a:solidFill>
+                  <a:schemeClr val="bg1">
+                    <a:lumMod val="75000"/>
+                  </a:schemeClr>
+                </a:solidFill>
+              </a:rPr>
+              <a:t>Sequentially</a:t>
+            </a:r>
+          </a:p>
+          <a:p>
+            <a:r>
+              <a:rPr lang="en-US" altLang="zh-CN" dirty="0"/>
+              <a:t>Indirect</a:t>
+            </a:r>
+            <a:r>
+              <a:rPr lang="zh-CN" altLang="en-US" dirty="0"/>
+              <a:t> </a:t>
+            </a:r>
+            <a:r>
+              <a:rPr lang="en-US" altLang="zh-CN" dirty="0"/>
+              <a:t>Mapping</a:t>
+            </a:r>
+            <a:r>
+              <a:rPr lang="zh-CN" altLang="en-US" dirty="0"/>
+              <a:t> </a:t>
+            </a:r>
+            <a:r>
+              <a:rPr lang="en-US" altLang="zh-CN" dirty="0"/>
+              <a:t>and</a:t>
+            </a:r>
+            <a:r>
+              <a:rPr lang="zh-CN" altLang="en-US" dirty="0"/>
+              <a:t> </a:t>
+            </a:r>
+            <a:r>
+              <a:rPr lang="en-US" altLang="zh-CN" dirty="0"/>
+              <a:t>Checkpoint</a:t>
+            </a:r>
+            <a:r>
+              <a:rPr lang="zh-CN" altLang="en-US" dirty="0"/>
+              <a:t> </a:t>
+            </a:r>
+            <a:r>
+              <a:rPr lang="en-US" altLang="zh-CN" dirty="0"/>
+              <a:t>Region</a:t>
+            </a:r>
+          </a:p>
+          <a:p>
+            <a:r>
+              <a:rPr lang="en-US" altLang="zh-CN" dirty="0">
+                <a:solidFill>
+                  <a:schemeClr val="bg1">
+                    <a:lumMod val="75000"/>
+                  </a:schemeClr>
+                </a:solidFill>
+              </a:rPr>
+              <a:t>Directories</a:t>
+            </a:r>
+          </a:p>
+          <a:p>
+            <a:r>
+              <a:rPr lang="en-US" altLang="zh-CN" dirty="0">
+                <a:solidFill>
+                  <a:schemeClr val="bg1">
+                    <a:lumMod val="75000"/>
+                  </a:schemeClr>
+                </a:solidFill>
+              </a:rPr>
+              <a:t>Garbage</a:t>
+            </a:r>
+            <a:r>
+              <a:rPr lang="zh-CN" altLang="en-US" dirty="0">
+                <a:solidFill>
+                  <a:schemeClr val="bg1">
+                    <a:lumMod val="75000"/>
+                  </a:schemeClr>
+                </a:solidFill>
+              </a:rPr>
+              <a:t> </a:t>
+            </a:r>
+            <a:r>
+              <a:rPr lang="en-US" altLang="zh-CN" dirty="0">
+                <a:solidFill>
+                  <a:schemeClr val="bg1">
+                    <a:lumMod val="75000"/>
+                  </a:schemeClr>
+                </a:solidFill>
+              </a:rPr>
+              <a:t>Collection</a:t>
+            </a:r>
+          </a:p>
+          <a:p>
+            <a:r>
+              <a:rPr lang="en-US" altLang="zh-CN" dirty="0">
+                <a:solidFill>
+                  <a:schemeClr val="bg1">
+                    <a:lumMod val="75000"/>
+                  </a:schemeClr>
+                </a:solidFill>
+              </a:rPr>
+              <a:t>Crash</a:t>
+            </a:r>
+            <a:r>
+              <a:rPr lang="zh-CN" altLang="en-US" dirty="0">
+                <a:solidFill>
+                  <a:schemeClr val="bg1">
+                    <a:lumMod val="75000"/>
+                  </a:schemeClr>
+                </a:solidFill>
+              </a:rPr>
+              <a:t> </a:t>
+            </a:r>
+            <a:r>
+              <a:rPr lang="en-US" altLang="zh-CN" dirty="0">
+                <a:solidFill>
+                  <a:schemeClr val="bg1">
+                    <a:lumMod val="75000"/>
+                  </a:schemeClr>
+                </a:solidFill>
+              </a:rPr>
+              <a:t>Recovery</a:t>
+            </a:r>
+            <a:endParaRPr lang="en-US" dirty="0">
+              <a:solidFill>
+                <a:schemeClr val="bg1">
+                  <a:lumMod val="75000"/>
+                </a:schemeClr>
+              </a:solidFill>
+            </a:endParaRPr>
+          </a:p>
+        </p:txBody>
+      </p:sp>
+      <p:sp>
+        <p:nvSpPr>
+          <p:cNvPr id="4" name="Slide Number Placeholder 3">
+            <a:extLst>
+              <a:ext uri="{FF2B5EF4-FFF2-40B4-BE49-F238E27FC236}">
+                <a16:creationId xmlns:a16="http://schemas.microsoft.com/office/drawing/2014/main" id="{56A48ABF-E430-9B0E-A608-CA945D17D7F1}"/>
+              </a:ext>
+            </a:extLst>
+          </p:cNvPr>
+          <p:cNvSpPr>
+            <a:spLocks noGrp="1"/>
+          </p:cNvSpPr>
+          <p:nvPr>
+            <p:ph type="sldNum" sz="quarter" idx="11"/>
+          </p:nvPr>
+        </p:nvSpPr>
+        <p:spPr/>
+        <p:txBody>
+          <a:bodyPr/>
+          <a:lstStyle/>
+          <a:p>
+            <a:pPr>
+              <a:defRPr/>
+            </a:pPr>
+            <a:fld id="{515CC4ED-1449-4712-AE45-EBC263B4DD26}" type="slidenum">
+              <a:rPr lang="en-US" altLang="ko-KR" smtClean="0">
+                <a:solidFill>
+                  <a:srgbClr val="1F497D">
+                    <a:lumMod val="50000"/>
+                  </a:srgbClr>
+                </a:solidFill>
+              </a:rPr>
+              <a:pPr>
+                <a:defRPr/>
+              </a:pPr>
+              <a:t>8</a:t>
+            </a:fld>
+            <a:r>
+              <a:rPr lang="en-US" altLang="ko-KR">
+                <a:solidFill>
+                  <a:srgbClr val="1F497D">
+                    <a:lumMod val="50000"/>
+                  </a:srgbClr>
+                </a:solidFill>
+              </a:rPr>
+              <a:t> </a:t>
+            </a:r>
+          </a:p>
+        </p:txBody>
+      </p:sp>
+      <p:sp>
+        <p:nvSpPr>
+          <p:cNvPr id="5" name="Footer Placeholder 4">
+            <a:extLst>
+              <a:ext uri="{FF2B5EF4-FFF2-40B4-BE49-F238E27FC236}">
+                <a16:creationId xmlns:a16="http://schemas.microsoft.com/office/drawing/2014/main" id="{44619BD4-E6A7-A916-2E2C-0FC12DC44766}"/>
+              </a:ext>
+            </a:extLst>
+          </p:cNvPr>
+          <p:cNvSpPr>
+            <a:spLocks noGrp="1"/>
+          </p:cNvSpPr>
+          <p:nvPr>
+            <p:ph type="ftr" sz="quarter" idx="3"/>
+          </p:nvPr>
+        </p:nvSpPr>
+        <p:spPr/>
+        <p:txBody>
+          <a:bodyPr/>
+          <a:lstStyle/>
+          <a:p>
+            <a:pPr fontAlgn="base">
+              <a:spcBef>
+                <a:spcPct val="0"/>
+              </a:spcBef>
+              <a:spcAft>
+                <a:spcPct val="0"/>
+              </a:spcAft>
+              <a:defRPr/>
+            </a:pPr>
+            <a:r>
+              <a:rPr kumimoji="1" lang="en-US" altLang="ko-KR">
+                <a:solidFill>
+                  <a:prstClr val="black"/>
+                </a:solidFill>
+              </a:rPr>
+              <a:t>CSCI3150 Intro to OS</a:t>
+            </a:r>
+            <a:endParaRPr kumimoji="1" lang="ko-KR" altLang="en-US" dirty="0">
+              <a:solidFill>
+                <a:prstClr val="black"/>
+              </a:solidFill>
+            </a:endParaRPr>
+          </a:p>
+        </p:txBody>
+      </p:sp>
+    </p:spTree>
+    <p:extLst>
+      <p:ext uri="{BB962C8B-B14F-4D97-AF65-F5344CB8AC3E}">
+        <p14:creationId xmlns:p14="http://schemas.microsoft.com/office/powerpoint/2010/main" val="1910661259"/>
+      </p:ext>
+    </p:extLst>
+  </p:cSld>
+  <p:clrMapOvr>
+    <a:masterClrMapping/>
+  </p:clrMapOvr>
+</p:sld>
+</file>
+
+<file path=ppt/slides/slide9.xml><?xml version="1.0" encoding="utf-8"?>
 <p:sld xmlns:a="http://schemas.openxmlformats.org/drawingml/2006/main" xmlns:r="http://schemas.openxmlformats.org/officeDocument/2006/relationships" xmlns:p="http://schemas.openxmlformats.org/presentationml/2006/main">
   <p:cSld>
     <p:spTree>
@@ -22132,11 +27299,15 @@
           <a:p>
             <a:r>
               <a:rPr lang="en-US" altLang="ko-KR" dirty="0"/>
-              <a:t>Finding </a:t>
+              <a:t>Issue #2: How to Find </a:t>
             </a:r>
             <a:r>
               <a:rPr lang="en-US" altLang="ko-KR" dirty="0" err="1"/>
-              <a:t>Inode</a:t>
+              <a:t>Inodes</a:t>
+            </a:r>
+            <a:r>
+              <a:rPr lang="en-US" altLang="ko-KR" dirty="0"/>
+              <a:t>?</a:t>
             </a:r>
             <a:endParaRPr lang="ko-KR" altLang="en-US" dirty="0"/>
           </a:p>
@@ -22167,7 +27338,19 @@
             </a:r>
             <a:r>
               <a:rPr lang="en-US" altLang="ko-KR" dirty="0"/>
-              <a:t> keep changing.</a:t>
+              <a:t> keep </a:t>
+            </a:r>
+            <a:r>
+              <a:rPr lang="en-US" altLang="ko-KR" dirty="0">
+                <a:solidFill>
+                  <a:srgbClr val="FF0000"/>
+                </a:solidFill>
+              </a:rPr>
+              <a:t>changing</a:t>
+            </a:r>
+            <a:r>
+              <a:rPr lang="en-US" altLang="ko-KR" dirty="0"/>
+              <a:t>.</a:t>
             </a:r>
           </a:p>
           <a:p>
@@ -22219,16 +27402,33 @@
             </a:r>
             <a:r>
               <a:rPr lang="en-US" altLang="ko-KR" dirty="0"/>
-              <a:t> map next to the updated </a:t>
+              <a:t> map right next to the updated </a:t>
             </a:r>
             <a:r>
               <a:rPr lang="en-US" altLang="ko-KR" dirty="0" err="1"/>
               <a:t>inode</a:t>
             </a:r>
             <a:r>
-              <a:rPr lang="en-US" altLang="ko-KR" dirty="0"/>
-              <a:t>.</a:t>
-            </a:r>
+              <a:rPr lang="zh-CN" altLang="en-US" dirty="0"/>
+              <a:t> </a:t>
+            </a:r>
+            <a:r>
+              <a:rPr lang="en-US" altLang="zh-CN" dirty="0"/>
+              <a:t>(</a:t>
+            </a:r>
+            <a:r>
+              <a:rPr lang="en-US" altLang="zh-CN" dirty="0">
+                <a:solidFill>
+                  <a:srgbClr val="FF0000"/>
+                </a:solidFill>
+              </a:rPr>
+              <a:t>why?</a:t>
+            </a:r>
+            <a:r>
+              <a:rPr lang="en-US" altLang="zh-CN" dirty="0"/>
+              <a:t>)</a:t>
+            </a:r>
+            <a:endParaRPr lang="en-US" altLang="ko-KR" dirty="0"/>
           </a:p>
           <a:p>
             <a:pPr lvl="1"/>
@@ -22286,7 +27486,7 @@
               <a:pPr>
                 <a:defRPr/>
               </a:pPr>
-              <a:t>7</a:t>
+              <a:t>9</a:t>
             </a:fld>
             <a:r>
               <a:rPr lang="en-US" altLang="ko-KR">
@@ -23108,1648 +28308,6 @@
     <p:extLst>
       <p:ext uri="{BB962C8B-B14F-4D97-AF65-F5344CB8AC3E}">
         <p14:creationId xmlns:p14="http://schemas.microsoft.com/office/powerpoint/2010/main" val="3949573058"/>
-      </p:ext>
-    </p:extLst>
-  </p:cSld>
-  <p:clrMapOvr>
-    <a:masterClrMapping/>
-  </p:clrMapOvr>
-</p:sld>
-</file>
-
-<file path=ppt/slides/slide8.xml><?xml version="1.0" encoding="utf-8"?>
-<p:sld xmlns:a="http://schemas.openxmlformats.org/drawingml/2006/main" xmlns:r="http://schemas.openxmlformats.org/officeDocument/2006/relationships" xmlns:p="http://schemas.openxmlformats.org/presentationml/2006/main">
-  <p:cSld>
-    <p:spTree>
-      <p:nvGrpSpPr>
-        <p:cNvPr id="1" name=""/>
-        <p:cNvGrpSpPr/>
-        <p:nvPr/>
-      </p:nvGrpSpPr>
-      <p:grpSpPr>
-        <a:xfrm>
-          <a:off x="0" y="0"/>
-          <a:ext cx="0" cy="0"/>
-          <a:chOff x="0" y="0"/>
-          <a:chExt cx="0" cy="0"/>
-        </a:xfrm>
-      </p:grpSpPr>
-      <p:sp>
-        <p:nvSpPr>
-          <p:cNvPr id="2" name="제목 1"/>
-          <p:cNvSpPr>
-            <a:spLocks noGrp="1"/>
-          </p:cNvSpPr>
-          <p:nvPr>
-            <p:ph type="title"/>
-          </p:nvPr>
-        </p:nvSpPr>
-        <p:spPr/>
-        <p:txBody>
-          <a:bodyPr/>
-          <a:lstStyle/>
-          <a:p>
-            <a:r>
-              <a:rPr lang="en-US" altLang="ko-KR" dirty="0"/>
-              <a:t>The Checkpoint Region</a:t>
-            </a:r>
-            <a:endParaRPr lang="ko-KR" altLang="en-US" dirty="0"/>
-          </a:p>
-        </p:txBody>
-      </p:sp>
-      <p:sp>
-        <p:nvSpPr>
-          <p:cNvPr id="3" name="내용 개체 틀 2"/>
-          <p:cNvSpPr>
-            <a:spLocks noGrp="1"/>
-          </p:cNvSpPr>
-          <p:nvPr>
-            <p:ph idx="1"/>
-          </p:nvPr>
-        </p:nvSpPr>
-        <p:spPr/>
-        <p:txBody>
-          <a:bodyPr/>
-          <a:lstStyle/>
-          <a:p>
-            <a:r>
-              <a:rPr lang="en-US" altLang="ko-KR" sz="1800" dirty="0"/>
-              <a:t>How to find the </a:t>
-            </a:r>
-            <a:r>
-              <a:rPr lang="en-US" altLang="ko-KR" sz="1800" dirty="0" err="1"/>
-              <a:t>inode</a:t>
-            </a:r>
-            <a:r>
-              <a:rPr lang="en-US" altLang="ko-KR" sz="1800" dirty="0"/>
-              <a:t> map spread across the disk?</a:t>
-            </a:r>
-          </a:p>
-          <a:p>
-            <a:pPr lvl="1"/>
-            <a:r>
-              <a:rPr lang="en-US" altLang="ko-KR" sz="1600" dirty="0"/>
-              <a:t>The LFS File system must have fixed location on disk to begin a file lookup.</a:t>
-            </a:r>
-          </a:p>
-          <a:p>
-            <a:r>
-              <a:rPr lang="en-US" altLang="ko-KR" sz="1800" b="1" dirty="0"/>
-              <a:t>Checkpoint Region </a:t>
-            </a:r>
-          </a:p>
-          <a:p>
-            <a:pPr lvl="1"/>
-            <a:r>
-              <a:rPr lang="en-US" altLang="ko-KR" sz="1600" dirty="0"/>
-              <a:t>fixed location in the LFS partition.</a:t>
-            </a:r>
-          </a:p>
-          <a:p>
-            <a:pPr lvl="1"/>
-            <a:r>
-              <a:rPr lang="en-US" altLang="ko-KR" sz="1600" dirty="0"/>
-              <a:t>Contain the pointers to the latest of the </a:t>
-            </a:r>
-            <a:r>
-              <a:rPr lang="en-US" altLang="ko-KR" sz="1600" dirty="0" err="1"/>
-              <a:t>inode</a:t>
-            </a:r>
-            <a:r>
-              <a:rPr lang="en-US" altLang="ko-KR" sz="1600" dirty="0"/>
-              <a:t> map.</a:t>
-            </a:r>
-            <a:endParaRPr lang="ko-KR" altLang="en-US" sz="1600" dirty="0"/>
-          </a:p>
-          <a:p>
-            <a:endParaRPr lang="en-US" altLang="ko-KR" sz="1800" dirty="0"/>
-          </a:p>
-        </p:txBody>
-      </p:sp>
-      <p:sp>
-        <p:nvSpPr>
-          <p:cNvPr id="4" name="슬라이드 번호 개체 틀 3"/>
-          <p:cNvSpPr>
-            <a:spLocks noGrp="1"/>
-          </p:cNvSpPr>
-          <p:nvPr>
-            <p:ph type="sldNum" sz="quarter" idx="11"/>
-          </p:nvPr>
-        </p:nvSpPr>
-        <p:spPr/>
-        <p:txBody>
-          <a:bodyPr/>
-          <a:lstStyle/>
-          <a:p>
-            <a:pPr>
-              <a:defRPr/>
-            </a:pPr>
-            <a:fld id="{515CC4ED-1449-4712-AE45-EBC263B4DD26}" type="slidenum">
-              <a:rPr lang="en-US" altLang="ko-KR" smtClean="0">
-                <a:solidFill>
-                  <a:srgbClr val="1F497D">
-                    <a:lumMod val="50000"/>
-                  </a:srgbClr>
-                </a:solidFill>
-              </a:rPr>
-              <a:pPr>
-                <a:defRPr/>
-              </a:pPr>
-              <a:t>8</a:t>
-            </a:fld>
-            <a:r>
-              <a:rPr lang="en-US" altLang="ko-KR">
-                <a:solidFill>
-                  <a:srgbClr val="1F497D">
-                    <a:lumMod val="50000"/>
-                  </a:srgbClr>
-                </a:solidFill>
-              </a:rPr>
-              <a:t> </a:t>
-            </a:r>
-          </a:p>
-        </p:txBody>
-      </p:sp>
-      <p:sp>
-        <p:nvSpPr>
-          <p:cNvPr id="5" name="바닥글 개체 틀 4"/>
-          <p:cNvSpPr>
-            <a:spLocks noGrp="1"/>
-          </p:cNvSpPr>
-          <p:nvPr>
-            <p:ph type="ftr" sz="quarter" idx="3"/>
-          </p:nvPr>
-        </p:nvSpPr>
-        <p:spPr/>
-        <p:txBody>
-          <a:bodyPr/>
-          <a:lstStyle/>
-          <a:p>
-            <a:pPr>
-              <a:defRPr/>
-            </a:pPr>
-            <a:r>
-              <a:rPr lang="en-US" altLang="ko-KR">
-                <a:solidFill>
-                  <a:prstClr val="black"/>
-                </a:solidFill>
-              </a:rPr>
-              <a:t>CSCI3150 Intro to OS</a:t>
-            </a:r>
-            <a:endParaRPr lang="ko-KR" altLang="en-US">
-              <a:solidFill>
-                <a:prstClr val="black"/>
-              </a:solidFill>
-            </a:endParaRPr>
-          </a:p>
-        </p:txBody>
-      </p:sp>
-      <p:graphicFrame>
-        <p:nvGraphicFramePr>
-          <p:cNvPr id="17" name="표 16"/>
-          <p:cNvGraphicFramePr>
-            <a:graphicFrameLocks noGrp="1"/>
-          </p:cNvGraphicFramePr>
-          <p:nvPr>
-            <p:extLst>
-              <p:ext uri="{D42A27DB-BD31-4B8C-83A1-F6EECF244321}">
-                <p14:modId xmlns:p14="http://schemas.microsoft.com/office/powerpoint/2010/main" val="1906057604"/>
-              </p:ext>
-            </p:extLst>
-          </p:nvPr>
-        </p:nvGraphicFramePr>
-        <p:xfrm>
-          <a:off x="1331640" y="4326989"/>
-          <a:ext cx="6768752" cy="1008112"/>
-        </p:xfrm>
-        <a:graphic>
-          <a:graphicData uri="http://schemas.openxmlformats.org/drawingml/2006/table">
-            <a:tbl>
-              <a:tblPr firstRow="1" bandRow="1">
-                <a:effectLst/>
-                <a:tableStyleId>{5C22544A-7EE6-4342-B048-85BDC9FD1C3A}</a:tableStyleId>
-              </a:tblPr>
-              <a:tblGrid>
-                <a:gridCol w="715926">
-                  <a:extLst>
-                    <a:ext uri="{9D8B030D-6E8A-4147-A177-3AD203B41FA5}">
-                      <a16:colId xmlns:a16="http://schemas.microsoft.com/office/drawing/2014/main" val="20000"/>
-                    </a:ext>
-                  </a:extLst>
-                </a:gridCol>
-                <a:gridCol w="2212399">
-                  <a:extLst>
-                    <a:ext uri="{9D8B030D-6E8A-4147-A177-3AD203B41FA5}">
-                      <a16:colId xmlns:a16="http://schemas.microsoft.com/office/drawing/2014/main" val="20001"/>
-                    </a:ext>
-                  </a:extLst>
-                </a:gridCol>
-                <a:gridCol w="768086">
-                  <a:extLst>
-                    <a:ext uri="{9D8B030D-6E8A-4147-A177-3AD203B41FA5}">
-                      <a16:colId xmlns:a16="http://schemas.microsoft.com/office/drawing/2014/main" val="20002"/>
-                    </a:ext>
-                  </a:extLst>
-                </a:gridCol>
-                <a:gridCol w="768085">
-                  <a:extLst>
-                    <a:ext uri="{9D8B030D-6E8A-4147-A177-3AD203B41FA5}">
-                      <a16:colId xmlns:a16="http://schemas.microsoft.com/office/drawing/2014/main" val="20003"/>
-                    </a:ext>
-                  </a:extLst>
-                </a:gridCol>
-                <a:gridCol w="768085">
-                  <a:extLst>
-                    <a:ext uri="{9D8B030D-6E8A-4147-A177-3AD203B41FA5}">
-                      <a16:colId xmlns:a16="http://schemas.microsoft.com/office/drawing/2014/main" val="20004"/>
-                    </a:ext>
-                  </a:extLst>
-                </a:gridCol>
-                <a:gridCol w="768086">
-                  <a:extLst>
-                    <a:ext uri="{9D8B030D-6E8A-4147-A177-3AD203B41FA5}">
-                      <a16:colId xmlns:a16="http://schemas.microsoft.com/office/drawing/2014/main" val="20005"/>
-                    </a:ext>
-                  </a:extLst>
-                </a:gridCol>
-                <a:gridCol w="768085">
-                  <a:extLst>
-                    <a:ext uri="{9D8B030D-6E8A-4147-A177-3AD203B41FA5}">
-                      <a16:colId xmlns:a16="http://schemas.microsoft.com/office/drawing/2014/main" val="20006"/>
-                    </a:ext>
-                  </a:extLst>
-                </a:gridCol>
-              </a:tblGrid>
-              <a:tr h="1008112">
-                <a:tc>
-                  <a:txBody>
-                    <a:bodyPr/>
-                    <a:lstStyle/>
-                    <a:p>
-                      <a:pPr algn="ctr" latinLnBrk="1"/>
-                      <a:r>
-                        <a:rPr lang="en-US" altLang="ko-KR" sz="1400" b="0" kern="1200" dirty="0">
-                          <a:solidFill>
-                            <a:schemeClr val="tx1"/>
-                          </a:solidFill>
-                          <a:latin typeface="맑은 고딕" panose="020B0503020000020004" pitchFamily="50" charset="-127"/>
-                          <a:ea typeface="맑은 고딕" panose="020B0503020000020004" pitchFamily="50" charset="-127"/>
-                          <a:cs typeface="+mn-cs"/>
-                        </a:rPr>
-                        <a:t>CR</a:t>
-                      </a:r>
-                    </a:p>
-                  </a:txBody>
-                  <a:tcPr anchor="b">
-                    <a:lnL w="12700" cap="flat" cmpd="sng" algn="ctr">
-                      <a:noFill/>
-                      <a:prstDash val="solid"/>
-                      <a:round/>
-                      <a:headEnd type="none" w="med" len="med"/>
-                      <a:tailEnd type="none" w="med" len="med"/>
-                    </a:lnL>
-                    <a:lnR w="12700" cap="flat" cmpd="sng" algn="ctr">
-                      <a:solidFill>
-                        <a:schemeClr val="tx1"/>
-                      </a:solidFill>
-                      <a:prstDash val="solid"/>
-                      <a:round/>
-                      <a:headEnd type="none" w="med" len="med"/>
-                      <a:tailEnd type="none" w="med" len="med"/>
-                    </a:lnR>
-                    <a:lnT w="12700" cap="flat" cmpd="sng" algn="ctr">
-                      <a:solidFill>
-                        <a:schemeClr val="tx1"/>
-                      </a:solidFill>
-                      <a:prstDash val="solid"/>
-                      <a:round/>
-                      <a:headEnd type="none" w="med" len="med"/>
-                      <a:tailEnd type="none" w="med" len="med"/>
-                    </a:lnT>
-                    <a:lnB w="12700" cap="flat" cmpd="sng" algn="ctr">
-                      <a:solidFill>
-                        <a:schemeClr val="tx1"/>
-                      </a:solidFill>
-                      <a:prstDash val="solid"/>
-                      <a:round/>
-                      <a:headEnd type="none" w="med" len="med"/>
-                      <a:tailEnd type="none" w="med" len="med"/>
-                    </a:lnB>
-                    <a:lnTlToBr w="12700" cmpd="sng">
-                      <a:noFill/>
-                      <a:prstDash val="solid"/>
-                    </a:lnTlToBr>
-                    <a:lnBlToTr w="12700" cmpd="sng">
-                      <a:noFill/>
-                      <a:prstDash val="solid"/>
-                    </a:lnBlToTr>
-                    <a:solidFill>
-                      <a:schemeClr val="bg1">
-                        <a:lumMod val="75000"/>
-                      </a:schemeClr>
-                    </a:solidFill>
-                  </a:tcPr>
-                </a:tc>
-                <a:tc>
-                  <a:txBody>
-                    <a:bodyPr/>
-                    <a:lstStyle/>
-                    <a:p>
-                      <a:pPr algn="ctr" latinLnBrk="1"/>
-                      <a:endParaRPr lang="en-US" altLang="ko-KR" sz="1400" b="0" kern="1200" dirty="0">
-                        <a:solidFill>
-                          <a:schemeClr val="tx1"/>
-                        </a:solidFill>
-                        <a:latin typeface="맑은 고딕" panose="020B0503020000020004" pitchFamily="50" charset="-127"/>
-                        <a:ea typeface="맑은 고딕" panose="020B0503020000020004" pitchFamily="50" charset="-127"/>
-                        <a:cs typeface="+mn-cs"/>
-                      </a:endParaRPr>
-                    </a:p>
-                  </a:txBody>
-                  <a:tcPr anchor="ctr">
-                    <a:lnL w="12700" cap="flat" cmpd="sng" algn="ctr">
-                      <a:solidFill>
-                        <a:schemeClr val="tx1"/>
-                      </a:solidFill>
-                      <a:prstDash val="solid"/>
-                      <a:round/>
-                      <a:headEnd type="none" w="med" len="med"/>
-                      <a:tailEnd type="none" w="med" len="med"/>
-                    </a:lnL>
-                    <a:lnR w="12700" cap="flat" cmpd="sng" algn="ctr">
-                      <a:solidFill>
-                        <a:schemeClr val="tx1"/>
-                      </a:solidFill>
-                      <a:prstDash val="solid"/>
-                      <a:round/>
-                      <a:headEnd type="none" w="med" len="med"/>
-                      <a:tailEnd type="none" w="med" len="med"/>
-                    </a:lnR>
-                    <a:lnT w="12700" cap="flat" cmpd="sng" algn="ctr">
-                      <a:solidFill>
-                        <a:schemeClr val="tx1"/>
-                      </a:solidFill>
-                      <a:prstDash val="solid"/>
-                      <a:round/>
-                      <a:headEnd type="none" w="med" len="med"/>
-                      <a:tailEnd type="none" w="med" len="med"/>
-                    </a:lnT>
-                    <a:lnB w="12700" cap="flat" cmpd="sng" algn="ctr">
-                      <a:solidFill>
-                        <a:schemeClr val="tx1"/>
-                      </a:solidFill>
-                      <a:prstDash val="solid"/>
-                      <a:round/>
-                      <a:headEnd type="none" w="med" len="med"/>
-                      <a:tailEnd type="none" w="med" len="med"/>
-                    </a:lnB>
-                    <a:lnTlToBr w="12700" cmpd="sng">
-                      <a:noFill/>
-                      <a:prstDash val="solid"/>
-                    </a:lnTlToBr>
-                    <a:lnBlToTr w="12700" cmpd="sng">
-                      <a:noFill/>
-                      <a:prstDash val="solid"/>
-                    </a:lnBlToTr>
-                    <a:solidFill>
-                      <a:schemeClr val="bg1"/>
-                    </a:solidFill>
-                  </a:tcPr>
-                </a:tc>
-                <a:tc>
-                  <a:txBody>
-                    <a:bodyPr/>
-                    <a:lstStyle/>
-                    <a:p>
-                      <a:pPr algn="ctr" latinLnBrk="1"/>
-                      <a:r>
-                        <a:rPr lang="en-US" altLang="ko-KR" sz="1400" b="0" kern="1200" dirty="0">
-                          <a:solidFill>
-                            <a:schemeClr val="tx1"/>
-                          </a:solidFill>
-                          <a:latin typeface="맑은 고딕" panose="020B0503020000020004" pitchFamily="50" charset="-127"/>
-                          <a:ea typeface="맑은 고딕" panose="020B0503020000020004" pitchFamily="50" charset="-127"/>
-                          <a:cs typeface="+mn-cs"/>
-                        </a:rPr>
-                        <a:t>D</a:t>
-                      </a:r>
-                    </a:p>
-                  </a:txBody>
-                  <a:tcPr anchor="ctr">
-                    <a:lnL w="12700" cap="flat" cmpd="sng" algn="ctr">
-                      <a:solidFill>
-                        <a:schemeClr val="tx1"/>
-                      </a:solidFill>
-                      <a:prstDash val="solid"/>
-                      <a:round/>
-                      <a:headEnd type="none" w="med" len="med"/>
-                      <a:tailEnd type="none" w="med" len="med"/>
-                    </a:lnL>
-                    <a:lnR w="12700" cap="flat" cmpd="sng" algn="ctr">
-                      <a:solidFill>
-                        <a:schemeClr val="tx1"/>
-                      </a:solidFill>
-                      <a:prstDash val="solid"/>
-                      <a:round/>
-                      <a:headEnd type="none" w="med" len="med"/>
-                      <a:tailEnd type="none" w="med" len="med"/>
-                    </a:lnR>
-                    <a:lnT w="12700" cap="flat" cmpd="sng" algn="ctr">
-                      <a:solidFill>
-                        <a:schemeClr val="tx1"/>
-                      </a:solidFill>
-                      <a:prstDash val="solid"/>
-                      <a:round/>
-                      <a:headEnd type="none" w="med" len="med"/>
-                      <a:tailEnd type="none" w="med" len="med"/>
-                    </a:lnT>
-                    <a:lnB w="12700" cap="flat" cmpd="sng" algn="ctr">
-                      <a:solidFill>
-                        <a:schemeClr val="tx1"/>
-                      </a:solidFill>
-                      <a:prstDash val="solid"/>
-                      <a:round/>
-                      <a:headEnd type="none" w="med" len="med"/>
-                      <a:tailEnd type="none" w="med" len="med"/>
-                    </a:lnB>
-                    <a:lnTlToBr w="12700" cmpd="sng">
-                      <a:noFill/>
-                      <a:prstDash val="solid"/>
-                    </a:lnTlToBr>
-                    <a:lnBlToTr w="12700" cmpd="sng">
-                      <a:noFill/>
-                      <a:prstDash val="solid"/>
-                    </a:lnBlToTr>
-                    <a:solidFill>
-                      <a:schemeClr val="bg1">
-                        <a:lumMod val="75000"/>
-                      </a:schemeClr>
-                    </a:solidFill>
-                  </a:tcPr>
-                </a:tc>
-                <a:tc>
-                  <a:txBody>
-                    <a:bodyPr/>
-                    <a:lstStyle/>
-                    <a:p>
-                      <a:pPr algn="ctr" latinLnBrk="1"/>
-                      <a:r>
-                        <a:rPr lang="en-US" altLang="ko-KR" sz="1400" b="0" kern="1200" dirty="0">
-                          <a:solidFill>
-                            <a:schemeClr val="tx1"/>
-                          </a:solidFill>
-                          <a:latin typeface="맑은 고딕" panose="020B0503020000020004" pitchFamily="50" charset="-127"/>
-                          <a:ea typeface="맑은 고딕" panose="020B0503020000020004" pitchFamily="50" charset="-127"/>
-                          <a:cs typeface="+mn-cs"/>
-                        </a:rPr>
-                        <a:t>I[k]</a:t>
-                      </a:r>
-                    </a:p>
-                  </a:txBody>
-                  <a:tcPr anchor="ctr">
-                    <a:lnL w="12700" cap="flat" cmpd="sng" algn="ctr">
-                      <a:solidFill>
-                        <a:schemeClr val="tx1"/>
-                      </a:solidFill>
-                      <a:prstDash val="solid"/>
-                      <a:round/>
-                      <a:headEnd type="none" w="med" len="med"/>
-                      <a:tailEnd type="none" w="med" len="med"/>
-                    </a:lnL>
-                    <a:lnR w="12700" cap="flat" cmpd="sng" algn="ctr">
-                      <a:solidFill>
-                        <a:schemeClr val="tx1"/>
-                      </a:solidFill>
-                      <a:prstDash val="solid"/>
-                      <a:round/>
-                      <a:headEnd type="none" w="med" len="med"/>
-                      <a:tailEnd type="none" w="med" len="med"/>
-                    </a:lnR>
-                    <a:lnT w="12700" cap="flat" cmpd="sng" algn="ctr">
-                      <a:solidFill>
-                        <a:schemeClr val="tx1"/>
-                      </a:solidFill>
-                      <a:prstDash val="solid"/>
-                      <a:round/>
-                      <a:headEnd type="none" w="med" len="med"/>
-                      <a:tailEnd type="none" w="med" len="med"/>
-                    </a:lnT>
-                    <a:lnB w="12700" cap="flat" cmpd="sng" algn="ctr">
-                      <a:solidFill>
-                        <a:schemeClr val="tx1"/>
-                      </a:solidFill>
-                      <a:prstDash val="solid"/>
-                      <a:round/>
-                      <a:headEnd type="none" w="med" len="med"/>
-                      <a:tailEnd type="none" w="med" len="med"/>
-                    </a:lnB>
-                    <a:lnTlToBr w="12700" cmpd="sng">
-                      <a:noFill/>
-                      <a:prstDash val="solid"/>
-                    </a:lnTlToBr>
-                    <a:lnBlToTr w="12700" cmpd="sng">
-                      <a:noFill/>
-                      <a:prstDash val="solid"/>
-                    </a:lnBlToTr>
-                    <a:solidFill>
-                      <a:schemeClr val="bg1"/>
-                    </a:solidFill>
-                  </a:tcPr>
-                </a:tc>
-                <a:tc>
-                  <a:txBody>
-                    <a:bodyPr/>
-                    <a:lstStyle/>
-                    <a:p>
-                      <a:pPr algn="ctr" latinLnBrk="1"/>
-                      <a:r>
-                        <a:rPr lang="en-US" altLang="ko-KR" sz="1400" b="0" kern="1200" dirty="0" err="1">
-                          <a:solidFill>
-                            <a:schemeClr val="tx1"/>
-                          </a:solidFill>
-                          <a:latin typeface="맑은 고딕" panose="020B0503020000020004" pitchFamily="50" charset="-127"/>
-                          <a:ea typeface="맑은 고딕" panose="020B0503020000020004" pitchFamily="50" charset="-127"/>
-                          <a:cs typeface="+mn-cs"/>
-                        </a:rPr>
-                        <a:t>imap</a:t>
-                      </a:r>
-                      <a:endParaRPr lang="en-US" altLang="ko-KR" sz="1400" b="0" kern="1200" dirty="0">
-                        <a:solidFill>
-                          <a:schemeClr val="tx1"/>
-                        </a:solidFill>
-                        <a:latin typeface="맑은 고딕" panose="020B0503020000020004" pitchFamily="50" charset="-127"/>
-                        <a:ea typeface="맑은 고딕" panose="020B0503020000020004" pitchFamily="50" charset="-127"/>
-                        <a:cs typeface="+mn-cs"/>
-                      </a:endParaRPr>
-                    </a:p>
-                  </a:txBody>
-                  <a:tcPr anchor="ctr">
-                    <a:lnL w="12700" cap="flat" cmpd="sng" algn="ctr">
-                      <a:solidFill>
-                        <a:schemeClr val="tx1"/>
-                      </a:solidFill>
-                      <a:prstDash val="solid"/>
-                      <a:round/>
-                      <a:headEnd type="none" w="med" len="med"/>
-                      <a:tailEnd type="none" w="med" len="med"/>
-                    </a:lnL>
-                    <a:lnR w="12700" cap="flat" cmpd="sng" algn="ctr">
-                      <a:solidFill>
-                        <a:schemeClr val="tx1"/>
-                      </a:solidFill>
-                      <a:prstDash val="solid"/>
-                      <a:round/>
-                      <a:headEnd type="none" w="med" len="med"/>
-                      <a:tailEnd type="none" w="med" len="med"/>
-                    </a:lnR>
-                    <a:lnT w="12700" cap="flat" cmpd="sng" algn="ctr">
-                      <a:solidFill>
-                        <a:schemeClr val="tx1"/>
-                      </a:solidFill>
-                      <a:prstDash val="solid"/>
-                      <a:round/>
-                      <a:headEnd type="none" w="med" len="med"/>
-                      <a:tailEnd type="none" w="med" len="med"/>
-                    </a:lnT>
-                    <a:lnB w="12700" cap="flat" cmpd="sng" algn="ctr">
-                      <a:solidFill>
-                        <a:schemeClr val="tx1"/>
-                      </a:solidFill>
-                      <a:prstDash val="solid"/>
-                      <a:round/>
-                      <a:headEnd type="none" w="med" len="med"/>
-                      <a:tailEnd type="none" w="med" len="med"/>
-                    </a:lnB>
-                    <a:lnTlToBr w="12700" cmpd="sng">
-                      <a:noFill/>
-                      <a:prstDash val="solid"/>
-                    </a:lnTlToBr>
-                    <a:lnBlToTr w="12700" cmpd="sng">
-                      <a:noFill/>
-                      <a:prstDash val="solid"/>
-                    </a:lnBlToTr>
-                    <a:solidFill>
-                      <a:schemeClr val="bg1">
-                        <a:lumMod val="75000"/>
-                      </a:schemeClr>
-                    </a:solidFill>
-                  </a:tcPr>
-                </a:tc>
-                <a:tc>
-                  <a:txBody>
-                    <a:bodyPr/>
-                    <a:lstStyle/>
-                    <a:p>
-                      <a:pPr algn="ctr" latinLnBrk="1"/>
-                      <a:endParaRPr lang="en-US" altLang="ko-KR" sz="1400" b="0" kern="1200" dirty="0">
-                        <a:solidFill>
-                          <a:schemeClr val="tx1"/>
-                        </a:solidFill>
-                        <a:latin typeface="맑은 고딕" panose="020B0503020000020004" pitchFamily="50" charset="-127"/>
-                        <a:ea typeface="맑은 고딕" panose="020B0503020000020004" pitchFamily="50" charset="-127"/>
-                        <a:cs typeface="+mn-cs"/>
-                      </a:endParaRPr>
-                    </a:p>
-                  </a:txBody>
-                  <a:tcPr anchor="ctr">
-                    <a:lnL w="12700" cap="flat" cmpd="sng" algn="ctr">
-                      <a:solidFill>
-                        <a:schemeClr val="tx1"/>
-                      </a:solidFill>
-                      <a:prstDash val="solid"/>
-                      <a:round/>
-                      <a:headEnd type="none" w="med" len="med"/>
-                      <a:tailEnd type="none" w="med" len="med"/>
-                    </a:lnL>
-                    <a:lnR w="12700" cap="flat" cmpd="sng" algn="ctr">
-                      <a:solidFill>
-                        <a:schemeClr val="tx1"/>
-                      </a:solidFill>
-                      <a:prstDash val="solid"/>
-                      <a:round/>
-                      <a:headEnd type="none" w="med" len="med"/>
-                      <a:tailEnd type="none" w="med" len="med"/>
-                    </a:lnR>
-                    <a:lnT w="12700" cap="flat" cmpd="sng" algn="ctr">
-                      <a:solidFill>
-                        <a:schemeClr val="tx1"/>
-                      </a:solidFill>
-                      <a:prstDash val="solid"/>
-                      <a:round/>
-                      <a:headEnd type="none" w="med" len="med"/>
-                      <a:tailEnd type="none" w="med" len="med"/>
-                    </a:lnT>
-                    <a:lnB w="12700" cap="flat" cmpd="sng" algn="ctr">
-                      <a:solidFill>
-                        <a:schemeClr val="tx1"/>
-                      </a:solidFill>
-                      <a:prstDash val="solid"/>
-                      <a:round/>
-                      <a:headEnd type="none" w="med" len="med"/>
-                      <a:tailEnd type="none" w="med" len="med"/>
-                    </a:lnB>
-                    <a:lnTlToBr w="12700" cmpd="sng">
-                      <a:noFill/>
-                      <a:prstDash val="solid"/>
-                    </a:lnTlToBr>
-                    <a:lnBlToTr w="12700" cmpd="sng">
-                      <a:noFill/>
-                      <a:prstDash val="solid"/>
-                    </a:lnBlToTr>
-                    <a:solidFill>
-                      <a:schemeClr val="bg1"/>
-                    </a:solidFill>
-                  </a:tcPr>
-                </a:tc>
-                <a:tc>
-                  <a:txBody>
-                    <a:bodyPr/>
-                    <a:lstStyle/>
-                    <a:p>
-                      <a:pPr algn="ctr" latinLnBrk="1"/>
-                      <a:endParaRPr lang="en-US" altLang="ko-KR" sz="1200" b="0" kern="1200" dirty="0">
-                        <a:solidFill>
-                          <a:schemeClr val="tx1"/>
-                        </a:solidFill>
-                        <a:latin typeface="맑은 고딕" panose="020B0503020000020004" pitchFamily="50" charset="-127"/>
-                        <a:ea typeface="맑은 고딕" panose="020B0503020000020004" pitchFamily="50" charset="-127"/>
-                        <a:cs typeface="+mn-cs"/>
-                      </a:endParaRPr>
-                    </a:p>
-                  </a:txBody>
-                  <a:tcPr anchor="ctr">
-                    <a:lnL w="12700" cap="flat" cmpd="sng" algn="ctr">
-                      <a:solidFill>
-                        <a:schemeClr val="tx1"/>
-                      </a:solidFill>
-                      <a:prstDash val="solid"/>
-                      <a:round/>
-                      <a:headEnd type="none" w="med" len="med"/>
-                      <a:tailEnd type="none" w="med" len="med"/>
-                    </a:lnL>
-                    <a:lnR w="12700" cap="flat" cmpd="sng" algn="ctr">
-                      <a:noFill/>
-                      <a:prstDash val="solid"/>
-                      <a:round/>
-                      <a:headEnd type="none" w="med" len="med"/>
-                      <a:tailEnd type="none" w="med" len="med"/>
-                    </a:lnR>
-                    <a:lnT w="12700" cap="flat" cmpd="sng" algn="ctr">
-                      <a:solidFill>
-                        <a:schemeClr val="tx1"/>
-                      </a:solidFill>
-                      <a:prstDash val="solid"/>
-                      <a:round/>
-                      <a:headEnd type="none" w="med" len="med"/>
-                      <a:tailEnd type="none" w="med" len="med"/>
-                    </a:lnT>
-                    <a:lnB w="12700" cap="flat" cmpd="sng" algn="ctr">
-                      <a:solidFill>
-                        <a:schemeClr val="tx1"/>
-                      </a:solidFill>
-                      <a:prstDash val="solid"/>
-                      <a:round/>
-                      <a:headEnd type="none" w="med" len="med"/>
-                      <a:tailEnd type="none" w="med" len="med"/>
-                    </a:lnB>
-                    <a:lnTlToBr w="12700" cmpd="sng">
-                      <a:noFill/>
-                      <a:prstDash val="solid"/>
-                    </a:lnTlToBr>
-                    <a:lnBlToTr w="12700" cmpd="sng">
-                      <a:noFill/>
-                      <a:prstDash val="solid"/>
-                    </a:lnBlToTr>
-                    <a:solidFill>
-                      <a:schemeClr val="bg1"/>
-                    </a:solidFill>
-                  </a:tcPr>
-                </a:tc>
-                <a:extLst>
-                  <a:ext uri="{0D108BD9-81ED-4DB2-BD59-A6C34878D82A}">
-                    <a16:rowId xmlns:a16="http://schemas.microsoft.com/office/drawing/2014/main" val="10000"/>
-                  </a:ext>
-                </a:extLst>
-              </a:tr>
-            </a:tbl>
-          </a:graphicData>
-        </a:graphic>
-      </p:graphicFrame>
-      <p:sp>
-        <p:nvSpPr>
-          <p:cNvPr id="18" name="직사각형 17"/>
-          <p:cNvSpPr/>
-          <p:nvPr/>
-        </p:nvSpPr>
-        <p:spPr>
-          <a:xfrm>
-            <a:off x="1198817" y="5313937"/>
-            <a:ext cx="284052" cy="307777"/>
-          </a:xfrm>
-          <a:prstGeom prst="rect">
-            <a:avLst/>
-          </a:prstGeom>
-        </p:spPr>
-        <p:txBody>
-          <a:bodyPr wrap="none">
-            <a:spAutoFit/>
-          </a:bodyPr>
-          <a:lstStyle/>
-          <a:p>
-            <a:pPr algn="ctr"/>
-            <a:r>
-              <a:rPr lang="en-US" altLang="ko-KR" sz="1400" dirty="0">
-                <a:latin typeface="맑은 고딕" panose="020B0503020000020004" pitchFamily="50" charset="-127"/>
-                <a:ea typeface="맑은 고딕" panose="020B0503020000020004" pitchFamily="50" charset="-127"/>
-              </a:rPr>
-              <a:t>0</a:t>
-            </a:r>
-          </a:p>
-        </p:txBody>
-      </p:sp>
-      <p:sp>
-        <p:nvSpPr>
-          <p:cNvPr id="19" name="직사각형 18"/>
-          <p:cNvSpPr/>
-          <p:nvPr/>
-        </p:nvSpPr>
-        <p:spPr>
-          <a:xfrm>
-            <a:off x="1290220" y="4329138"/>
-            <a:ext cx="766813" cy="646331"/>
-          </a:xfrm>
-          <a:prstGeom prst="rect">
-            <a:avLst/>
-          </a:prstGeom>
-        </p:spPr>
-        <p:txBody>
-          <a:bodyPr wrap="none">
-            <a:spAutoFit/>
-          </a:bodyPr>
-          <a:lstStyle/>
-          <a:p>
-            <a:pPr algn="ctr"/>
-            <a:r>
-              <a:rPr lang="en-US" altLang="ko-KR" sz="1200" dirty="0" err="1">
-                <a:latin typeface="맑은 고딕" panose="020B0503020000020004" pitchFamily="50" charset="-127"/>
-                <a:ea typeface="맑은 고딕" panose="020B0503020000020004" pitchFamily="50" charset="-127"/>
-              </a:rPr>
-              <a:t>imap</a:t>
-            </a:r>
-            <a:endParaRPr lang="en-US" altLang="ko-KR" sz="1200" dirty="0">
-              <a:latin typeface="맑은 고딕" panose="020B0503020000020004" pitchFamily="50" charset="-127"/>
-              <a:ea typeface="맑은 고딕" panose="020B0503020000020004" pitchFamily="50" charset="-127"/>
-            </a:endParaRPr>
-          </a:p>
-          <a:p>
-            <a:pPr algn="ctr"/>
-            <a:r>
-              <a:rPr lang="en-US" altLang="ko-KR" sz="1200" dirty="0">
-                <a:latin typeface="맑은 고딕" panose="020B0503020000020004" pitchFamily="50" charset="-127"/>
-                <a:ea typeface="맑은 고딕" panose="020B0503020000020004" pitchFamily="50" charset="-127"/>
-              </a:rPr>
-              <a:t>[k..</a:t>
-            </a:r>
-            <a:r>
-              <a:rPr lang="en-US" altLang="ko-KR" sz="1200" dirty="0" err="1">
-                <a:latin typeface="맑은 고딕" panose="020B0503020000020004" pitchFamily="50" charset="-127"/>
-                <a:ea typeface="맑은 고딕" panose="020B0503020000020004" pitchFamily="50" charset="-127"/>
-              </a:rPr>
-              <a:t>k+N</a:t>
-            </a:r>
-            <a:r>
-              <a:rPr lang="en-US" altLang="ko-KR" sz="1200" dirty="0">
-                <a:latin typeface="맑은 고딕" panose="020B0503020000020004" pitchFamily="50" charset="-127"/>
-                <a:ea typeface="맑은 고딕" panose="020B0503020000020004" pitchFamily="50" charset="-127"/>
-              </a:rPr>
-              <a:t>]:</a:t>
-            </a:r>
-          </a:p>
-          <a:p>
-            <a:pPr algn="ctr"/>
-            <a:r>
-              <a:rPr lang="en-US" altLang="ko-KR" sz="1200" dirty="0" err="1">
-                <a:latin typeface="맑은 고딕" panose="020B0503020000020004" pitchFamily="50" charset="-127"/>
-                <a:ea typeface="맑은 고딕" panose="020B0503020000020004" pitchFamily="50" charset="-127"/>
-              </a:rPr>
-              <a:t>A2</a:t>
-            </a:r>
-            <a:endParaRPr lang="en-US" altLang="ko-KR" sz="1200" dirty="0">
-              <a:latin typeface="맑은 고딕" panose="020B0503020000020004" pitchFamily="50" charset="-127"/>
-              <a:ea typeface="맑은 고딕" panose="020B0503020000020004" pitchFamily="50" charset="-127"/>
-            </a:endParaRPr>
-          </a:p>
-        </p:txBody>
-      </p:sp>
-      <p:cxnSp>
-        <p:nvCxnSpPr>
-          <p:cNvPr id="20" name="직선 연결선 19"/>
-          <p:cNvCxnSpPr/>
-          <p:nvPr/>
-        </p:nvCxnSpPr>
-        <p:spPr>
-          <a:xfrm flipH="1">
-            <a:off x="2056618" y="3789040"/>
-            <a:ext cx="3739635" cy="0"/>
-          </a:xfrm>
-          <a:prstGeom prst="line">
-            <a:avLst/>
-          </a:prstGeom>
-          <a:ln w="12700">
-            <a:solidFill>
-              <a:schemeClr val="tx1">
-                <a:lumMod val="50000"/>
-                <a:lumOff val="50000"/>
-              </a:schemeClr>
-            </a:solidFill>
-            <a:tailEnd type="none"/>
-          </a:ln>
-        </p:spPr>
-        <p:style>
-          <a:lnRef idx="1">
-            <a:schemeClr val="accent1"/>
-          </a:lnRef>
-          <a:fillRef idx="0">
-            <a:schemeClr val="accent1"/>
-          </a:fillRef>
-          <a:effectRef idx="0">
-            <a:schemeClr val="accent1"/>
-          </a:effectRef>
-          <a:fontRef idx="minor">
-            <a:schemeClr val="tx1"/>
-          </a:fontRef>
-        </p:style>
-      </p:cxnSp>
-      <p:cxnSp>
-        <p:nvCxnSpPr>
-          <p:cNvPr id="21" name="직선 연결선 20"/>
-          <p:cNvCxnSpPr/>
-          <p:nvPr/>
-        </p:nvCxnSpPr>
-        <p:spPr>
-          <a:xfrm flipH="1">
-            <a:off x="2051721" y="3789040"/>
-            <a:ext cx="5312" cy="537949"/>
-          </a:xfrm>
-          <a:prstGeom prst="line">
-            <a:avLst/>
-          </a:prstGeom>
-          <a:ln w="12700">
-            <a:solidFill>
-              <a:schemeClr val="tx1">
-                <a:lumMod val="50000"/>
-                <a:lumOff val="50000"/>
-              </a:schemeClr>
-            </a:solidFill>
-            <a:tailEnd type="none"/>
-          </a:ln>
-        </p:spPr>
-        <p:style>
-          <a:lnRef idx="1">
-            <a:schemeClr val="accent1"/>
-          </a:lnRef>
-          <a:fillRef idx="0">
-            <a:schemeClr val="accent1"/>
-          </a:fillRef>
-          <a:effectRef idx="0">
-            <a:schemeClr val="accent1"/>
-          </a:effectRef>
-          <a:fontRef idx="minor">
-            <a:schemeClr val="tx1"/>
-          </a:fontRef>
-        </p:style>
-      </p:cxnSp>
-      <p:sp>
-        <p:nvSpPr>
-          <p:cNvPr id="22" name="직사각형 21"/>
-          <p:cNvSpPr/>
-          <p:nvPr/>
-        </p:nvSpPr>
-        <p:spPr>
-          <a:xfrm>
-            <a:off x="4844002" y="5312241"/>
-            <a:ext cx="402675" cy="307777"/>
-          </a:xfrm>
-          <a:prstGeom prst="rect">
-            <a:avLst/>
-          </a:prstGeom>
-        </p:spPr>
-        <p:txBody>
-          <a:bodyPr wrap="none">
-            <a:spAutoFit/>
-          </a:bodyPr>
-          <a:lstStyle/>
-          <a:p>
-            <a:pPr algn="ctr"/>
-            <a:r>
-              <a:rPr lang="en-US" altLang="ko-KR" sz="1400" dirty="0">
-                <a:latin typeface="맑은 고딕" panose="020B0503020000020004" pitchFamily="50" charset="-127"/>
-                <a:ea typeface="맑은 고딕" panose="020B0503020000020004" pitchFamily="50" charset="-127"/>
-              </a:rPr>
-              <a:t>A1</a:t>
-            </a:r>
-          </a:p>
-        </p:txBody>
-      </p:sp>
-      <p:sp>
-        <p:nvSpPr>
-          <p:cNvPr id="25" name="직사각형 24"/>
-          <p:cNvSpPr/>
-          <p:nvPr/>
-        </p:nvSpPr>
-        <p:spPr>
-          <a:xfrm>
-            <a:off x="5636090" y="5312241"/>
-            <a:ext cx="402675" cy="307777"/>
-          </a:xfrm>
-          <a:prstGeom prst="rect">
-            <a:avLst/>
-          </a:prstGeom>
-        </p:spPr>
-        <p:txBody>
-          <a:bodyPr wrap="none">
-            <a:spAutoFit/>
-          </a:bodyPr>
-          <a:lstStyle/>
-          <a:p>
-            <a:pPr algn="ctr"/>
-            <a:r>
-              <a:rPr lang="en-US" altLang="ko-KR" sz="1400" dirty="0" err="1">
-                <a:latin typeface="맑은 고딕" panose="020B0503020000020004" pitchFamily="50" charset="-127"/>
-                <a:ea typeface="맑은 고딕" panose="020B0503020000020004" pitchFamily="50" charset="-127"/>
-              </a:rPr>
-              <a:t>A2</a:t>
-            </a:r>
-            <a:endParaRPr lang="en-US" altLang="ko-KR" sz="1400" dirty="0">
-              <a:latin typeface="맑은 고딕" panose="020B0503020000020004" pitchFamily="50" charset="-127"/>
-              <a:ea typeface="맑은 고딕" panose="020B0503020000020004" pitchFamily="50" charset="-127"/>
-            </a:endParaRPr>
-          </a:p>
-        </p:txBody>
-      </p:sp>
-      <p:sp>
-        <p:nvSpPr>
-          <p:cNvPr id="26" name="직사각형 25"/>
-          <p:cNvSpPr/>
-          <p:nvPr/>
-        </p:nvSpPr>
-        <p:spPr>
-          <a:xfrm>
-            <a:off x="4041340" y="5312241"/>
-            <a:ext cx="402675" cy="307777"/>
-          </a:xfrm>
-          <a:prstGeom prst="rect">
-            <a:avLst/>
-          </a:prstGeom>
-        </p:spPr>
-        <p:txBody>
-          <a:bodyPr wrap="none">
-            <a:spAutoFit/>
-          </a:bodyPr>
-          <a:lstStyle/>
-          <a:p>
-            <a:pPr algn="ctr"/>
-            <a:r>
-              <a:rPr lang="en-US" altLang="ko-KR" sz="1400" dirty="0">
-                <a:latin typeface="맑은 고딕" panose="020B0503020000020004" pitchFamily="50" charset="-127"/>
-                <a:ea typeface="맑은 고딕" panose="020B0503020000020004" pitchFamily="50" charset="-127"/>
-              </a:rPr>
-              <a:t>A0</a:t>
-            </a:r>
-          </a:p>
-        </p:txBody>
-      </p:sp>
-      <p:cxnSp>
-        <p:nvCxnSpPr>
-          <p:cNvPr id="27" name="직선 연결선 26"/>
-          <p:cNvCxnSpPr/>
-          <p:nvPr/>
-        </p:nvCxnSpPr>
-        <p:spPr>
-          <a:xfrm flipH="1" flipV="1">
-            <a:off x="5940152" y="3894941"/>
-            <a:ext cx="1" cy="432048"/>
-          </a:xfrm>
-          <a:prstGeom prst="line">
-            <a:avLst/>
-          </a:prstGeom>
-          <a:ln w="19050">
-            <a:solidFill>
-              <a:schemeClr val="tx1"/>
-            </a:solidFill>
-            <a:tailEnd type="none"/>
-          </a:ln>
-        </p:spPr>
-        <p:style>
-          <a:lnRef idx="1">
-            <a:schemeClr val="accent1"/>
-          </a:lnRef>
-          <a:fillRef idx="0">
-            <a:schemeClr val="accent1"/>
-          </a:fillRef>
-          <a:effectRef idx="0">
-            <a:schemeClr val="accent1"/>
-          </a:effectRef>
-          <a:fontRef idx="minor">
-            <a:schemeClr val="tx1"/>
-          </a:fontRef>
-        </p:style>
-      </p:cxnSp>
-      <p:cxnSp>
-        <p:nvCxnSpPr>
-          <p:cNvPr id="28" name="직선 연결선 27"/>
-          <p:cNvCxnSpPr/>
-          <p:nvPr/>
-        </p:nvCxnSpPr>
-        <p:spPr>
-          <a:xfrm flipH="1">
-            <a:off x="5043444" y="3894941"/>
-            <a:ext cx="896710" cy="0"/>
-          </a:xfrm>
-          <a:prstGeom prst="line">
-            <a:avLst/>
-          </a:prstGeom>
-          <a:ln w="19050">
-            <a:solidFill>
-              <a:schemeClr val="tx1"/>
-            </a:solidFill>
-            <a:tailEnd type="none"/>
-          </a:ln>
-        </p:spPr>
-        <p:style>
-          <a:lnRef idx="1">
-            <a:schemeClr val="accent1"/>
-          </a:lnRef>
-          <a:fillRef idx="0">
-            <a:schemeClr val="accent1"/>
-          </a:fillRef>
-          <a:effectRef idx="0">
-            <a:schemeClr val="accent1"/>
-          </a:effectRef>
-          <a:fontRef idx="minor">
-            <a:schemeClr val="tx1"/>
-          </a:fontRef>
-        </p:style>
-      </p:cxnSp>
-      <p:cxnSp>
-        <p:nvCxnSpPr>
-          <p:cNvPr id="31" name="직선 연결선 30"/>
-          <p:cNvCxnSpPr/>
-          <p:nvPr/>
-        </p:nvCxnSpPr>
-        <p:spPr>
-          <a:xfrm>
-            <a:off x="5796135" y="3789040"/>
-            <a:ext cx="1" cy="537949"/>
-          </a:xfrm>
-          <a:prstGeom prst="line">
-            <a:avLst/>
-          </a:prstGeom>
-          <a:ln w="12700">
-            <a:solidFill>
-              <a:schemeClr val="tx1">
-                <a:lumMod val="50000"/>
-                <a:lumOff val="50000"/>
-              </a:schemeClr>
-            </a:solidFill>
-            <a:tailEnd type="stealth"/>
-          </a:ln>
-        </p:spPr>
-        <p:style>
-          <a:lnRef idx="1">
-            <a:schemeClr val="accent1"/>
-          </a:lnRef>
-          <a:fillRef idx="0">
-            <a:schemeClr val="accent1"/>
-          </a:fillRef>
-          <a:effectRef idx="0">
-            <a:schemeClr val="accent1"/>
-          </a:effectRef>
-          <a:fontRef idx="minor">
-            <a:schemeClr val="tx1"/>
-          </a:fontRef>
-        </p:style>
-      </p:cxnSp>
-      <p:cxnSp>
-        <p:nvCxnSpPr>
-          <p:cNvPr id="32" name="직선 연결선 31"/>
-          <p:cNvCxnSpPr/>
-          <p:nvPr/>
-        </p:nvCxnSpPr>
-        <p:spPr>
-          <a:xfrm flipH="1">
-            <a:off x="4283969" y="4077072"/>
-            <a:ext cx="1002766" cy="0"/>
-          </a:xfrm>
-          <a:prstGeom prst="line">
-            <a:avLst/>
-          </a:prstGeom>
-          <a:ln w="12700">
-            <a:solidFill>
-              <a:schemeClr val="tx1">
-                <a:lumMod val="75000"/>
-                <a:lumOff val="25000"/>
-              </a:schemeClr>
-            </a:solidFill>
-            <a:tailEnd type="none"/>
-          </a:ln>
-        </p:spPr>
-        <p:style>
-          <a:lnRef idx="1">
-            <a:schemeClr val="accent1"/>
-          </a:lnRef>
-          <a:fillRef idx="0">
-            <a:schemeClr val="accent1"/>
-          </a:fillRef>
-          <a:effectRef idx="0">
-            <a:schemeClr val="accent1"/>
-          </a:effectRef>
-          <a:fontRef idx="minor">
-            <a:schemeClr val="tx1"/>
-          </a:fontRef>
-        </p:style>
-      </p:cxnSp>
-      <p:cxnSp>
-        <p:nvCxnSpPr>
-          <p:cNvPr id="33" name="직선 연결선 32"/>
-          <p:cNvCxnSpPr/>
-          <p:nvPr/>
-        </p:nvCxnSpPr>
-        <p:spPr>
-          <a:xfrm>
-            <a:off x="4283969" y="4077072"/>
-            <a:ext cx="0" cy="248577"/>
-          </a:xfrm>
-          <a:prstGeom prst="line">
-            <a:avLst/>
-          </a:prstGeom>
-          <a:ln w="12700">
-            <a:solidFill>
-              <a:schemeClr val="tx1">
-                <a:lumMod val="75000"/>
-                <a:lumOff val="25000"/>
-              </a:schemeClr>
-            </a:solidFill>
-            <a:tailEnd type="stealth"/>
-          </a:ln>
-        </p:spPr>
-        <p:style>
-          <a:lnRef idx="1">
-            <a:schemeClr val="accent1"/>
-          </a:lnRef>
-          <a:fillRef idx="0">
-            <a:schemeClr val="accent1"/>
-          </a:fillRef>
-          <a:effectRef idx="0">
-            <a:schemeClr val="accent1"/>
-          </a:effectRef>
-          <a:fontRef idx="minor">
-            <a:schemeClr val="tx1"/>
-          </a:fontRef>
-        </p:style>
-      </p:cxnSp>
-      <p:cxnSp>
-        <p:nvCxnSpPr>
-          <p:cNvPr id="34" name="직선 연결선 33"/>
-          <p:cNvCxnSpPr/>
-          <p:nvPr/>
-        </p:nvCxnSpPr>
-        <p:spPr>
-          <a:xfrm flipV="1">
-            <a:off x="5295605" y="4077072"/>
-            <a:ext cx="0" cy="251257"/>
-          </a:xfrm>
-          <a:prstGeom prst="line">
-            <a:avLst/>
-          </a:prstGeom>
-          <a:ln w="12700">
-            <a:solidFill>
-              <a:schemeClr val="tx1">
-                <a:lumMod val="75000"/>
-                <a:lumOff val="25000"/>
-              </a:schemeClr>
-            </a:solidFill>
-            <a:tailEnd type="none"/>
-          </a:ln>
-        </p:spPr>
-        <p:style>
-          <a:lnRef idx="1">
-            <a:schemeClr val="accent1"/>
-          </a:lnRef>
-          <a:fillRef idx="0">
-            <a:schemeClr val="accent1"/>
-          </a:fillRef>
-          <a:effectRef idx="0">
-            <a:schemeClr val="accent1"/>
-          </a:effectRef>
-          <a:fontRef idx="minor">
-            <a:schemeClr val="tx1"/>
-          </a:fontRef>
-        </p:style>
-      </p:cxnSp>
-      <p:cxnSp>
-        <p:nvCxnSpPr>
-          <p:cNvPr id="35" name="직선 연결선 34"/>
-          <p:cNvCxnSpPr/>
-          <p:nvPr/>
-        </p:nvCxnSpPr>
-        <p:spPr>
-          <a:xfrm flipV="1">
-            <a:off x="5041550" y="3894941"/>
-            <a:ext cx="1894" cy="433388"/>
-          </a:xfrm>
-          <a:prstGeom prst="line">
-            <a:avLst/>
-          </a:prstGeom>
-          <a:ln w="19050">
-            <a:solidFill>
-              <a:schemeClr val="tx1"/>
-            </a:solidFill>
-            <a:headEnd type="stealth"/>
-            <a:tailEnd type="none"/>
-          </a:ln>
-        </p:spPr>
-        <p:style>
-          <a:lnRef idx="1">
-            <a:schemeClr val="accent1"/>
-          </a:lnRef>
-          <a:fillRef idx="0">
-            <a:schemeClr val="accent1"/>
-          </a:fillRef>
-          <a:effectRef idx="0">
-            <a:schemeClr val="accent1"/>
-          </a:effectRef>
-          <a:fontRef idx="minor">
-            <a:schemeClr val="tx1"/>
-          </a:fontRef>
-        </p:style>
-      </p:cxnSp>
-      <p:sp>
-        <p:nvSpPr>
-          <p:cNvPr id="36" name="직사각형 35"/>
-          <p:cNvSpPr/>
-          <p:nvPr/>
-        </p:nvSpPr>
-        <p:spPr>
-          <a:xfrm>
-            <a:off x="5004048" y="4293096"/>
-            <a:ext cx="792205" cy="276999"/>
-          </a:xfrm>
-          <a:prstGeom prst="rect">
-            <a:avLst/>
-          </a:prstGeom>
-        </p:spPr>
-        <p:txBody>
-          <a:bodyPr wrap="none">
-            <a:spAutoFit/>
-          </a:bodyPr>
-          <a:lstStyle/>
-          <a:p>
-            <a:pPr algn="ctr"/>
-            <a:r>
-              <a:rPr lang="en-US" altLang="ko-KR" sz="1200" dirty="0" err="1">
-                <a:latin typeface="맑은 고딕" panose="020B0503020000020004" pitchFamily="50" charset="-127"/>
-                <a:ea typeface="맑은 고딕" panose="020B0503020000020004" pitchFamily="50" charset="-127"/>
-              </a:rPr>
-              <a:t>blk</a:t>
-            </a:r>
-            <a:r>
-              <a:rPr lang="en-US" altLang="ko-KR" sz="1200" dirty="0">
-                <a:latin typeface="맑은 고딕" panose="020B0503020000020004" pitchFamily="50" charset="-127"/>
-                <a:ea typeface="맑은 고딕" panose="020B0503020000020004" pitchFamily="50" charset="-127"/>
-              </a:rPr>
-              <a:t>[0]:A0</a:t>
-            </a:r>
-          </a:p>
-        </p:txBody>
-      </p:sp>
-      <p:sp>
-        <p:nvSpPr>
-          <p:cNvPr id="37" name="직사각형 36"/>
-          <p:cNvSpPr/>
-          <p:nvPr/>
-        </p:nvSpPr>
-        <p:spPr>
-          <a:xfrm>
-            <a:off x="5747270" y="4293096"/>
-            <a:ext cx="883575" cy="276999"/>
-          </a:xfrm>
-          <a:prstGeom prst="rect">
-            <a:avLst/>
-          </a:prstGeom>
-        </p:spPr>
-        <p:txBody>
-          <a:bodyPr wrap="none">
-            <a:spAutoFit/>
-          </a:bodyPr>
-          <a:lstStyle/>
-          <a:p>
-            <a:pPr algn="ctr"/>
-            <a:r>
-              <a:rPr lang="en-US" altLang="ko-KR" sz="1200" dirty="0">
-                <a:latin typeface="맑은 고딕" panose="020B0503020000020004" pitchFamily="50" charset="-127"/>
-                <a:ea typeface="맑은 고딕" panose="020B0503020000020004" pitchFamily="50" charset="-127"/>
-              </a:rPr>
-              <a:t>map[k]:A1</a:t>
-            </a:r>
-          </a:p>
-        </p:txBody>
-      </p:sp>
-    </p:spTree>
-    <p:extLst>
-      <p:ext uri="{BB962C8B-B14F-4D97-AF65-F5344CB8AC3E}">
-        <p14:creationId xmlns:p14="http://schemas.microsoft.com/office/powerpoint/2010/main" val="4027307820"/>
-      </p:ext>
-    </p:extLst>
-  </p:cSld>
-  <p:clrMapOvr>
-    <a:masterClrMapping/>
-  </p:clrMapOvr>
-</p:sld>
-</file>
-
-<file path=ppt/slides/slide9.xml><?xml version="1.0" encoding="utf-8"?>
-<p:sld xmlns:a="http://schemas.openxmlformats.org/drawingml/2006/main" xmlns:r="http://schemas.openxmlformats.org/officeDocument/2006/relationships" xmlns:p="http://schemas.openxmlformats.org/presentationml/2006/main">
-  <p:cSld>
-    <p:spTree>
-      <p:nvGrpSpPr>
-        <p:cNvPr id="1" name=""/>
-        <p:cNvGrpSpPr/>
-        <p:nvPr/>
-      </p:nvGrpSpPr>
-      <p:grpSpPr>
-        <a:xfrm>
-          <a:off x="0" y="0"/>
-          <a:ext cx="0" cy="0"/>
-          <a:chOff x="0" y="0"/>
-          <a:chExt cx="0" cy="0"/>
-        </a:xfrm>
-      </p:grpSpPr>
-      <p:sp>
-        <p:nvSpPr>
-          <p:cNvPr id="2" name="제목 1">
-            <a:extLst>
-              <a:ext uri="{FF2B5EF4-FFF2-40B4-BE49-F238E27FC236}">
-                <a16:creationId xmlns:a16="http://schemas.microsoft.com/office/drawing/2014/main" id="{CCB967EE-39E9-B045-8BB3-279864F7AA8E}"/>
-              </a:ext>
-            </a:extLst>
-          </p:cNvPr>
-          <p:cNvSpPr>
-            <a:spLocks noGrp="1"/>
-          </p:cNvSpPr>
-          <p:nvPr>
-            <p:ph type="title"/>
-          </p:nvPr>
-        </p:nvSpPr>
-        <p:spPr/>
-        <p:txBody>
-          <a:bodyPr/>
-          <a:lstStyle/>
-          <a:p>
-            <a:r>
-              <a:rPr kumimoji="1" lang="en-US" altLang="ko-KR" dirty="0"/>
-              <a:t>Reading a file from the disk</a:t>
-            </a:r>
-            <a:endParaRPr kumimoji="1" lang="ko-KR" altLang="en-US" dirty="0"/>
-          </a:p>
-        </p:txBody>
-      </p:sp>
-      <p:sp>
-        <p:nvSpPr>
-          <p:cNvPr id="3" name="내용 개체 틀 2">
-            <a:extLst>
-              <a:ext uri="{FF2B5EF4-FFF2-40B4-BE49-F238E27FC236}">
-                <a16:creationId xmlns:a16="http://schemas.microsoft.com/office/drawing/2014/main" id="{C5E9216F-DA6F-8A40-A902-C8BE2FE5BDCE}"/>
-              </a:ext>
-            </a:extLst>
-          </p:cNvPr>
-          <p:cNvSpPr>
-            <a:spLocks noGrp="1"/>
-          </p:cNvSpPr>
-          <p:nvPr>
-            <p:ph idx="1"/>
-          </p:nvPr>
-        </p:nvSpPr>
-        <p:spPr/>
-        <p:txBody>
-          <a:bodyPr/>
-          <a:lstStyle/>
-          <a:p>
-            <a:r>
-              <a:rPr lang="en-US" altLang="ko-KR" dirty="0"/>
-              <a:t>Reading a file block</a:t>
-            </a:r>
-          </a:p>
-          <a:p>
-            <a:pPr lvl="1"/>
-            <a:r>
-              <a:rPr kumimoji="1" lang="en-US" altLang="ko-KR" dirty="0"/>
-              <a:t>Read a checkpoint region</a:t>
-            </a:r>
-          </a:p>
-          <a:p>
-            <a:pPr lvl="1"/>
-            <a:r>
-              <a:rPr lang="en-US" altLang="ko-KR" dirty="0"/>
-              <a:t>Read </a:t>
-            </a:r>
-            <a:r>
-              <a:rPr lang="en-US" altLang="ko-KR" dirty="0" err="1"/>
-              <a:t>inode</a:t>
-            </a:r>
-            <a:r>
-              <a:rPr lang="en-US" altLang="ko-KR" dirty="0"/>
-              <a:t> map</a:t>
-            </a:r>
-          </a:p>
-          <a:p>
-            <a:pPr lvl="1"/>
-            <a:r>
-              <a:rPr kumimoji="1" lang="en-US" altLang="ko-KR" dirty="0"/>
-              <a:t>Read </a:t>
-            </a:r>
-            <a:r>
-              <a:rPr kumimoji="1" lang="en-US" altLang="ko-KR" dirty="0" err="1"/>
-              <a:t>inode</a:t>
-            </a:r>
-            <a:endParaRPr kumimoji="1" lang="en-US" altLang="ko-KR" dirty="0"/>
-          </a:p>
-          <a:p>
-            <a:pPr lvl="1"/>
-            <a:r>
-              <a:rPr lang="en-US" altLang="ko-KR" dirty="0"/>
-              <a:t>Read data block</a:t>
-            </a:r>
-          </a:p>
-          <a:p>
-            <a:r>
-              <a:rPr lang="en-US" altLang="ko-KR" dirty="0"/>
-              <a:t>What about sequential read?</a:t>
-            </a:r>
-          </a:p>
-          <a:p>
-            <a:pPr lvl="1"/>
-            <a:r>
-              <a:rPr lang="en-US" altLang="ko-KR" dirty="0"/>
-              <a:t>It may become random read.</a:t>
-            </a:r>
-          </a:p>
-          <a:p>
-            <a:pPr lvl="1"/>
-            <a:endParaRPr lang="en-US" altLang="ko-KR" dirty="0"/>
-          </a:p>
-          <a:p>
-            <a:pPr marL="0" indent="0" algn="ctr">
-              <a:buNone/>
-            </a:pPr>
-            <a:r>
-              <a:rPr kumimoji="1" lang="en-US" altLang="ko-KR" dirty="0"/>
-              <a:t>LFS is optimized for the write operation.</a:t>
-            </a:r>
-            <a:endParaRPr kumimoji="1" lang="ko-KR" altLang="en-US" dirty="0"/>
-          </a:p>
-        </p:txBody>
-      </p:sp>
-      <p:sp>
-        <p:nvSpPr>
-          <p:cNvPr id="4" name="슬라이드 번호 개체 틀 3">
-            <a:extLst>
-              <a:ext uri="{FF2B5EF4-FFF2-40B4-BE49-F238E27FC236}">
-                <a16:creationId xmlns:a16="http://schemas.microsoft.com/office/drawing/2014/main" id="{4CA930F0-26D6-DA43-B1B3-8E3F50BAB18B}"/>
-              </a:ext>
-            </a:extLst>
-          </p:cNvPr>
-          <p:cNvSpPr>
-            <a:spLocks noGrp="1"/>
-          </p:cNvSpPr>
-          <p:nvPr>
-            <p:ph type="sldNum" sz="quarter" idx="11"/>
-          </p:nvPr>
-        </p:nvSpPr>
-        <p:spPr/>
-        <p:txBody>
-          <a:bodyPr/>
-          <a:lstStyle/>
-          <a:p>
-            <a:pPr>
-              <a:defRPr/>
-            </a:pPr>
-            <a:fld id="{515CC4ED-1449-4712-AE45-EBC263B4DD26}" type="slidenum">
-              <a:rPr lang="en-US" altLang="ko-KR" smtClean="0">
-                <a:solidFill>
-                  <a:srgbClr val="1F497D">
-                    <a:lumMod val="50000"/>
-                  </a:srgbClr>
-                </a:solidFill>
-              </a:rPr>
-              <a:pPr>
-                <a:defRPr/>
-              </a:pPr>
-              <a:t>9</a:t>
-            </a:fld>
-            <a:r>
-              <a:rPr lang="en-US" altLang="ko-KR">
-                <a:solidFill>
-                  <a:srgbClr val="1F497D">
-                    <a:lumMod val="50000"/>
-                  </a:srgbClr>
-                </a:solidFill>
-              </a:rPr>
-              <a:t> </a:t>
-            </a:r>
-          </a:p>
-        </p:txBody>
-      </p:sp>
-      <p:sp>
-        <p:nvSpPr>
-          <p:cNvPr id="5" name="바닥글 개체 틀 4">
-            <a:extLst>
-              <a:ext uri="{FF2B5EF4-FFF2-40B4-BE49-F238E27FC236}">
-                <a16:creationId xmlns:a16="http://schemas.microsoft.com/office/drawing/2014/main" id="{05282861-E621-BE43-926D-83EDD4A1B7C2}"/>
-              </a:ext>
-            </a:extLst>
-          </p:cNvPr>
-          <p:cNvSpPr>
-            <a:spLocks noGrp="1"/>
-          </p:cNvSpPr>
-          <p:nvPr>
-            <p:ph type="ftr" sz="quarter" idx="3"/>
-          </p:nvPr>
-        </p:nvSpPr>
-        <p:spPr/>
-        <p:txBody>
-          <a:bodyPr/>
-          <a:lstStyle/>
-          <a:p>
-            <a:pPr fontAlgn="base">
-              <a:spcBef>
-                <a:spcPct val="0"/>
-              </a:spcBef>
-              <a:spcAft>
-                <a:spcPct val="0"/>
-              </a:spcAft>
-              <a:defRPr/>
-            </a:pPr>
-            <a:r>
-              <a:rPr kumimoji="1" lang="en-US" altLang="ko-KR">
-                <a:solidFill>
-                  <a:prstClr val="black"/>
-                </a:solidFill>
-              </a:rPr>
-              <a:t>CSCI3150 Intro to OS</a:t>
-            </a:r>
-            <a:endParaRPr kumimoji="1" lang="ko-KR" altLang="en-US" dirty="0">
-              <a:solidFill>
-                <a:prstClr val="black"/>
-              </a:solidFill>
-            </a:endParaRPr>
-          </a:p>
-        </p:txBody>
-      </p:sp>
-    </p:spTree>
-    <p:extLst>
-      <p:ext uri="{BB962C8B-B14F-4D97-AF65-F5344CB8AC3E}">
-        <p14:creationId xmlns:p14="http://schemas.microsoft.com/office/powerpoint/2010/main" val="3791225120"/>
       </p:ext>
     </p:extLst>
   </p:cSld>

--- a/lecture/lec15_lfs.pptx
+++ b/lecture/lec15_lfs.pptx
@@ -261,7 +261,7 @@
           <a:p>
             <a:fld id="{050F0499-AE52-4672-879B-3107B2FC2A9F}" type="datetimeFigureOut">
               <a:rPr lang="ko-KR" altLang="en-US" smtClean="0"/>
-              <a:t>2023. 3. 30.</a:t>
+              <a:t>2023. 4. 12.</a:t>
             </a:fld>
             <a:endParaRPr lang="ko-KR" altLang="en-US"/>
           </a:p>
@@ -8861,12 +8861,28 @@
           <a:lstStyle/>
           <a:p>
             <a:r>
-              <a:rPr lang="en-US" altLang="ko-KR" dirty="0" err="1"/>
-              <a:t>LFS</a:t>
-            </a:r>
-            <a:r>
               <a:rPr lang="en-US" altLang="ko-KR" dirty="0"/>
-              <a:t> keeps writing newer version of file.</a:t>
+              <a:t>LFS keeps writing newer version</a:t>
+            </a:r>
+            <a:r>
+              <a:rPr lang="en-US" altLang="zh-CN" dirty="0"/>
+              <a:t>s</a:t>
+            </a:r>
+            <a:r>
+              <a:rPr lang="en-US" altLang="ko-KR" dirty="0"/>
+              <a:t> of </a:t>
+            </a:r>
+            <a:r>
+              <a:rPr lang="en-US" altLang="zh-CN" dirty="0"/>
+              <a:t>a</a:t>
+            </a:r>
+            <a:r>
+              <a:rPr lang="zh-CN" altLang="en-US" dirty="0"/>
+              <a:t> </a:t>
+            </a:r>
+            <a:r>
+              <a:rPr lang="en-US" altLang="ko-KR" dirty="0"/>
+              <a:t>file.</a:t>
             </a:r>
           </a:p>
           <a:p>
@@ -11519,15 +11535,16 @@
               <a:t>Unit of garbage collection: S</a:t>
             </a:r>
             <a:r>
-              <a:rPr lang="en-US" altLang="ko-KR" sz="1600" dirty="0"/>
+              <a:rPr lang="en-US" altLang="ko-KR" sz="1800" dirty="0"/>
               <a:t>egment</a:t>
             </a:r>
+            <a:endParaRPr lang="en-US" altLang="ko-KR" sz="1600" dirty="0"/>
           </a:p>
           <a:p>
             <a:pPr lvl="1"/>
             <a:r>
               <a:rPr kumimoji="1" lang="en-US" altLang="ko-KR" sz="1600" dirty="0"/>
-              <a:t>Reads a number of old segments, M segments.</a:t>
+              <a:t>Read a number of old segments, M segments.</a:t>
             </a:r>
           </a:p>
           <a:p>
@@ -19905,7 +19922,7 @@
           <a:p>
             <a:pPr lvl="1"/>
             <a:r>
-              <a:rPr lang="en-US" altLang="ko-KR" sz="1400" dirty="0"/>
+              <a:rPr lang="en-US" altLang="ko-KR" sz="1600" dirty="0"/>
               <a:t>Write timestamp at the beginning of CR.</a:t>
             </a:r>
           </a:p>
@@ -21154,7 +21171,15 @@
             <a:pPr lvl="1"/>
             <a:r>
               <a:rPr lang="en-US" altLang="ko-KR" sz="1600" dirty="0"/>
-              <a:t>NetApp`s </a:t>
+              <a:t>NetApp</a:t>
+            </a:r>
+            <a:r>
+              <a:rPr lang="en-US" altLang="zh-CN" sz="1600" dirty="0"/>
+              <a:t>’</a:t>
+            </a:r>
+            <a:r>
+              <a:rPr lang="en-US" altLang="ko-KR" sz="1600" dirty="0"/>
+              <a:t>s </a:t>
             </a:r>
             <a:r>
               <a:rPr lang="en-US" altLang="ko-KR" sz="1600" b="1" dirty="0"/>
@@ -21162,7 +21187,15 @@
             </a:r>
             <a:r>
               <a:rPr lang="en-US" altLang="ko-KR" sz="1600" dirty="0"/>
-              <a:t>Sun`s </a:t>
+              <a:t>Sun</a:t>
+            </a:r>
+            <a:r>
+              <a:rPr lang="en-US" altLang="zh-CN" sz="1600" dirty="0"/>
+              <a:t>’</a:t>
+            </a:r>
+            <a:r>
+              <a:rPr lang="en-US" altLang="ko-KR" sz="1600" dirty="0"/>
+              <a:t>s </a:t>
             </a:r>
             <a:r>
               <a:rPr lang="en-US" altLang="ko-KR" sz="1600" b="1" dirty="0"/>
@@ -21190,11 +21223,27 @@
             <a:pPr lvl="1"/>
             <a:r>
               <a:rPr lang="en-US" altLang="ko-KR" sz="1600" dirty="0"/>
-              <a:t>In particular, WAFL turns cleaning problem into a feature, by providing old version of the file system via </a:t>
+              <a:t>In particular, WAFL turns cleaning problem into a feature, by providing old version</a:t>
+            </a:r>
+            <a:r>
+              <a:rPr lang="en-US" altLang="zh-CN" sz="1600" dirty="0"/>
+              <a:t>s</a:t>
+            </a:r>
+            <a:r>
+              <a:rPr lang="en-US" altLang="ko-KR" sz="1600" dirty="0"/>
+              <a:t> of the file system via </a:t>
             </a:r>
             <a:r>
               <a:rPr lang="en-US" altLang="ko-KR" sz="1600" b="1" dirty="0"/>
-              <a:t>snapshot. </a:t>
+              <a:t>snapshot</a:t>
+            </a:r>
+            <a:r>
+              <a:rPr lang="en-US" altLang="zh-CN" sz="1600" b="1" dirty="0"/>
+              <a:t>s</a:t>
+            </a:r>
+            <a:r>
+              <a:rPr lang="en-US" altLang="ko-KR" sz="1600" b="1" dirty="0"/>
+              <a:t>. </a:t>
             </a:r>
             <a:endParaRPr lang="en-US" altLang="ko-KR" sz="1600" dirty="0"/>
           </a:p>
